--- a/doc/01_勉強会/01_勉強会資料/20180719_勉強会/02.資料/04_開発環境構築.pptx
+++ b/doc/01_勉強会/01_勉強会資料/20180719_勉強会/02.資料/04_開発環境構築.pptx
@@ -25,7 +25,14 @@
     <p:sldId id="316" r:id="rId19"/>
     <p:sldId id="317" r:id="rId20"/>
     <p:sldId id="318" r:id="rId21"/>
-    <p:sldId id="319" r:id="rId22"/>
+    <p:sldId id="321" r:id="rId22"/>
+    <p:sldId id="319" r:id="rId23"/>
+    <p:sldId id="320" r:id="rId24"/>
+    <p:sldId id="322" r:id="rId25"/>
+    <p:sldId id="323" r:id="rId26"/>
+    <p:sldId id="324" r:id="rId27"/>
+    <p:sldId id="325" r:id="rId28"/>
+    <p:sldId id="326" r:id="rId29"/>
   </p:sldIdLst>
   <p:sldSz cx="12192000" cy="6858000"/>
   <p:notesSz cx="6858000" cy="9144000"/>
@@ -221,7 +228,7 @@
           <a:p>
             <a:fld id="{2FA7D4A1-D6E2-4B97-8DF5-43A2A6E9364B}" type="datetimeFigureOut">
               <a:rPr kumimoji="1" lang="ja-JP" altLang="en-US" smtClean="0"/>
-              <a:t>2018/7/17</a:t>
+              <a:t>2018/7/18</a:t>
             </a:fld>
             <a:endParaRPr kumimoji="1" lang="ja-JP" altLang="en-US"/>
           </a:p>
@@ -688,7 +695,7 @@
           <a:p>
             <a:fld id="{2FA7D4A1-D6E2-4B97-8DF5-43A2A6E9364B}" type="datetimeFigureOut">
               <a:rPr kumimoji="1" lang="ja-JP" altLang="en-US" smtClean="0"/>
-              <a:t>2018/7/17</a:t>
+              <a:t>2018/7/18</a:t>
             </a:fld>
             <a:endParaRPr kumimoji="1" lang="ja-JP" altLang="en-US"/>
           </a:p>
@@ -1128,7 +1135,7 @@
           <a:p>
             <a:fld id="{2FA7D4A1-D6E2-4B97-8DF5-43A2A6E9364B}" type="datetimeFigureOut">
               <a:rPr kumimoji="1" lang="ja-JP" altLang="en-US" smtClean="0"/>
-              <a:t>2018/7/17</a:t>
+              <a:t>2018/7/18</a:t>
             </a:fld>
             <a:endParaRPr kumimoji="1" lang="ja-JP" altLang="en-US"/>
           </a:p>
@@ -1253,7 +1260,7 @@
           <a:p>
             <a:fld id="{2FA7D4A1-D6E2-4B97-8DF5-43A2A6E9364B}" type="datetimeFigureOut">
               <a:rPr kumimoji="1" lang="ja-JP" altLang="en-US" smtClean="0"/>
-              <a:t>2018/7/17</a:t>
+              <a:t>2018/7/18</a:t>
             </a:fld>
             <a:endParaRPr kumimoji="1" lang="ja-JP" altLang="en-US"/>
           </a:p>
@@ -1485,7 +1492,7 @@
           <a:p>
             <a:fld id="{2FA7D4A1-D6E2-4B97-8DF5-43A2A6E9364B}" type="datetimeFigureOut">
               <a:rPr kumimoji="1" lang="ja-JP" altLang="en-US" smtClean="0"/>
-              <a:t>2018/7/17</a:t>
+              <a:t>2018/7/18</a:t>
             </a:fld>
             <a:endParaRPr kumimoji="1" lang="ja-JP" altLang="en-US"/>
           </a:p>
@@ -1721,7 +1728,7 @@
                 </a:solidFill>
               </a:rPr>
               <a:pPr/>
-              <a:t>7/17/2018</a:t>
+              <a:t>7/18/2018</a:t>
             </a:fld>
             <a:endParaRPr lang="en-US" dirty="0">
               <a:solidFill>
@@ -2016,7 +2023,7 @@
           <a:p>
             <a:fld id="{2FA7D4A1-D6E2-4B97-8DF5-43A2A6E9364B}" type="datetimeFigureOut">
               <a:rPr kumimoji="1" lang="ja-JP" altLang="en-US" smtClean="0"/>
-              <a:t>2018/7/17</a:t>
+              <a:t>2018/7/18</a:t>
             </a:fld>
             <a:endParaRPr kumimoji="1" lang="ja-JP" altLang="en-US"/>
           </a:p>
@@ -2512,11 +2519,7 @@
             </a:r>
             <a:r>
               <a:rPr lang="ja-JP" altLang="en-US" dirty="0" smtClean="0"/>
-              <a:t>開発環境構築</a:t>
-            </a:r>
-            <a:r>
-              <a:rPr lang="ja-JP" altLang="en-US" dirty="0" smtClean="0"/>
-              <a:t>～</a:t>
+              <a:t>開発環境構築～</a:t>
             </a:r>
             <a:endParaRPr kumimoji="1" lang="ja-JP" altLang="en-US" dirty="0"/>
           </a:p>
@@ -3254,8 +3257,16 @@
           </a:lstStyle>
           <a:p>
             <a:r>
+              <a:rPr lang="ja-JP" altLang="en-US" dirty="0"/>
+              <a:t>デバック</a:t>
+            </a:r>
+            <a:r>
               <a:rPr lang="ja-JP" altLang="en-US" dirty="0" smtClean="0"/>
-              <a:t>スマホテスト環境準備</a:t>
+              <a:t>環境</a:t>
+            </a:r>
+            <a:r>
+              <a:rPr lang="ja-JP" altLang="en-US" dirty="0" smtClean="0"/>
+              <a:t>準備</a:t>
             </a:r>
             <a:endParaRPr lang="ja-JP" altLang="en-US" dirty="0"/>
           </a:p>
@@ -3384,28 +3395,20 @@
               <a:buChar char="ü"/>
             </a:pPr>
             <a:r>
-              <a:rPr kumimoji="1" lang="en-US" altLang="ja-JP" dirty="0" smtClean="0">
-                <a:solidFill>
-                  <a:schemeClr val="tx1"/>
-                </a:solidFill>
-              </a:rPr>
-              <a:t>Create-react-</a:t>
-            </a:r>
-            <a:r>
-              <a:rPr kumimoji="1" lang="en-US" altLang="ja-JP" dirty="0" err="1" smtClean="0">
-                <a:solidFill>
-                  <a:schemeClr val="tx1"/>
-                </a:solidFill>
-              </a:rPr>
-              <a:t>app,cordova</a:t>
-            </a:r>
-            <a:r>
               <a:rPr kumimoji="1" lang="ja-JP" altLang="en-US" dirty="0" smtClean="0">
                 <a:solidFill>
                   <a:schemeClr val="tx1"/>
                 </a:solidFill>
               </a:rPr>
-              <a:t>モジュールの導入</a:t>
+              <a:t>モジュール</a:t>
+            </a:r>
+            <a:r>
+              <a:rPr kumimoji="1" lang="ja-JP" altLang="en-US" dirty="0" smtClean="0">
+                <a:solidFill>
+                  <a:schemeClr val="tx1"/>
+                </a:solidFill>
+              </a:rPr>
+              <a:t>の導入</a:t>
             </a:r>
             <a:endParaRPr kumimoji="1" lang="ja-JP" altLang="en-US" dirty="0">
               <a:solidFill>
@@ -3467,75 +3470,6 @@
                 </a:solidFill>
               </a:rPr>
               <a:t>プロジェクトの作成</a:t>
-            </a:r>
-            <a:endParaRPr kumimoji="1" lang="ja-JP" altLang="en-US" dirty="0">
-              <a:solidFill>
-                <a:schemeClr val="tx1"/>
-              </a:solidFill>
-            </a:endParaRPr>
-          </a:p>
-        </p:txBody>
-      </p:sp>
-      <p:sp>
-        <p:nvSpPr>
-          <p:cNvPr id="7" name="正方形/長方形 6"/>
-          <p:cNvSpPr/>
-          <p:nvPr/>
-        </p:nvSpPr>
-        <p:spPr>
-          <a:xfrm>
-            <a:off x="555219" y="3946498"/>
-            <a:ext cx="9052940" cy="914400"/>
-          </a:xfrm>
-          <a:prstGeom prst="rect">
-            <a:avLst/>
-          </a:prstGeom>
-          <a:noFill/>
-        </p:spPr>
-        <p:style>
-          <a:lnRef idx="2">
-            <a:schemeClr val="accent1">
-              <a:shade val="50000"/>
-            </a:schemeClr>
-          </a:lnRef>
-          <a:fillRef idx="1">
-            <a:schemeClr val="accent1"/>
-          </a:fillRef>
-          <a:effectRef idx="0">
-            <a:schemeClr val="accent1"/>
-          </a:effectRef>
-          <a:fontRef idx="minor">
-            <a:schemeClr val="lt1"/>
-          </a:fontRef>
-        </p:style>
-        <p:txBody>
-          <a:bodyPr rtlCol="0" anchor="ctr"/>
-          <a:lstStyle/>
-          <a:p>
-            <a:pPr marL="285750" indent="-285750">
-              <a:buClr>
-                <a:schemeClr val="accent1">
-                  <a:lumMod val="75000"/>
-                </a:schemeClr>
-              </a:buClr>
-              <a:buFont typeface="Wingdings" panose="05000000000000000000" pitchFamily="2" charset="2"/>
-              <a:buChar char="ü"/>
-            </a:pPr>
-            <a:r>
-              <a:rPr lang="ja-JP" altLang="en-US" dirty="0" smtClean="0">
-                <a:solidFill>
-                  <a:schemeClr val="tx1"/>
-                </a:solidFill>
-              </a:rPr>
-              <a:t>起動</a:t>
-            </a:r>
-            <a:r>
-              <a:rPr lang="ja-JP" altLang="en-US" dirty="0">
-                <a:solidFill>
-                  <a:schemeClr val="tx1"/>
-                </a:solidFill>
-              </a:rPr>
-              <a:t>確認</a:t>
             </a:r>
             <a:endParaRPr kumimoji="1" lang="ja-JP" altLang="en-US" dirty="0">
               <a:solidFill>
@@ -8979,8 +8913,16 @@
           </a:lstStyle>
           <a:p>
             <a:r>
+              <a:rPr lang="ja-JP" altLang="en-US" dirty="0"/>
+              <a:t>デバック</a:t>
+            </a:r>
+            <a:r>
               <a:rPr lang="ja-JP" altLang="en-US" dirty="0" smtClean="0"/>
-              <a:t>スマホテスト環境準備</a:t>
+              <a:t>環境</a:t>
+            </a:r>
+            <a:r>
+              <a:rPr lang="ja-JP" altLang="en-US" dirty="0" smtClean="0"/>
+              <a:t>準備</a:t>
             </a:r>
             <a:endParaRPr lang="ja-JP" altLang="en-US" dirty="0"/>
           </a:p>
@@ -9499,24 +9441,524 @@
           <a:lstStyle/>
           <a:p>
             <a:r>
-              <a:rPr lang="en-US" altLang="ja-JP" dirty="0"/>
+              <a:rPr kumimoji="1" lang="ja-JP" altLang="en-US" dirty="0" smtClean="0"/>
+              <a:t>目次</a:t>
+            </a:r>
+            <a:endParaRPr kumimoji="1" lang="ja-JP" altLang="en-US" dirty="0"/>
+          </a:p>
+        </p:txBody>
+      </p:sp>
+      <p:sp>
+        <p:nvSpPr>
+          <p:cNvPr id="5" name="テキスト ボックス 4"/>
+          <p:cNvSpPr txBox="1"/>
+          <p:nvPr/>
+        </p:nvSpPr>
+        <p:spPr>
+          <a:xfrm>
+            <a:off x="555219" y="2258001"/>
+            <a:ext cx="3883777" cy="461665"/>
+          </a:xfrm>
+          <a:prstGeom prst="rect">
+            <a:avLst/>
+          </a:prstGeom>
+          <a:noFill/>
+        </p:spPr>
+        <p:txBody>
+          <a:bodyPr wrap="square" rtlCol="0">
+            <a:spAutoFit/>
+          </a:bodyPr>
+          <a:lstStyle>
+            <a:defPPr>
+              <a:defRPr lang="ja-JP"/>
+            </a:defPPr>
+            <a:lvl1pPr marL="342900" indent="-342900">
+              <a:buClr>
+                <a:schemeClr val="accent2"/>
+              </a:buClr>
+              <a:buFont typeface="Wingdings" panose="05000000000000000000" pitchFamily="2" charset="2"/>
+              <a:buChar char="Ø"/>
+              <a:defRPr sz="2400" b="1">
+                <a:solidFill>
+                  <a:prstClr val="black"/>
+                </a:solidFill>
+                <a:latin typeface="ＭＳ ゴシック" panose="020B0609070205080204" pitchFamily="49" charset="-128"/>
+              </a:defRPr>
+            </a:lvl1pPr>
+          </a:lstStyle>
+          <a:p>
+            <a:r>
+              <a:rPr lang="en-US" altLang="ja-JP" b="0" dirty="0" smtClean="0">
+                <a:solidFill>
+                  <a:schemeClr val="tx1"/>
+                </a:solidFill>
+                <a:latin typeface="+mn-lt"/>
+              </a:rPr>
               <a:t>React</a:t>
             </a:r>
             <a:r>
+              <a:rPr lang="ja-JP" altLang="en-US" b="0" dirty="0" smtClean="0">
+                <a:solidFill>
+                  <a:schemeClr val="tx1"/>
+                </a:solidFill>
+                <a:latin typeface="+mn-lt"/>
+              </a:rPr>
+              <a:t>開発環境準備</a:t>
+            </a:r>
+            <a:endParaRPr lang="ja-JP" altLang="en-US" b="0" dirty="0">
+              <a:solidFill>
+                <a:schemeClr val="tx1"/>
+              </a:solidFill>
+              <a:latin typeface="+mn-lt"/>
+            </a:endParaRPr>
+          </a:p>
+        </p:txBody>
+      </p:sp>
+      <p:sp>
+        <p:nvSpPr>
+          <p:cNvPr id="8" name="テキスト ボックス 7"/>
+          <p:cNvSpPr txBox="1"/>
+          <p:nvPr/>
+        </p:nvSpPr>
+        <p:spPr>
+          <a:xfrm>
+            <a:off x="555219" y="1447351"/>
+            <a:ext cx="2782171" cy="461665"/>
+          </a:xfrm>
+          <a:prstGeom prst="rect">
+            <a:avLst/>
+          </a:prstGeom>
+          <a:noFill/>
+        </p:spPr>
+        <p:txBody>
+          <a:bodyPr wrap="square" rtlCol="0">
+            <a:spAutoFit/>
+          </a:bodyPr>
+          <a:lstStyle>
+            <a:defPPr>
+              <a:defRPr lang="ja-JP"/>
+            </a:defPPr>
+            <a:lvl1pPr marL="342900" indent="-342900">
+              <a:buClr>
+                <a:schemeClr val="accent2"/>
+              </a:buClr>
+              <a:buFont typeface="Wingdings" panose="05000000000000000000" pitchFamily="2" charset="2"/>
+              <a:buChar char="Ø"/>
+              <a:defRPr sz="2400" b="0">
+                <a:solidFill>
+                  <a:prstClr val="black"/>
+                </a:solidFill>
+                <a:latin typeface="+mn-ea"/>
+              </a:defRPr>
+            </a:lvl1pPr>
+          </a:lstStyle>
+          <a:p>
+            <a:r>
+              <a:rPr lang="en-US" altLang="ja-JP" dirty="0" smtClean="0">
+                <a:solidFill>
+                  <a:schemeClr val="tx1"/>
+                </a:solidFill>
+              </a:rPr>
+              <a:t>Node.js</a:t>
+            </a:r>
+            <a:r>
+              <a:rPr lang="ja-JP" altLang="en-US" dirty="0" smtClean="0">
+                <a:solidFill>
+                  <a:schemeClr val="tx1"/>
+                </a:solidFill>
+              </a:rPr>
+              <a:t>の導入</a:t>
+            </a:r>
+            <a:endParaRPr lang="ja-JP" altLang="en-US" dirty="0">
+              <a:solidFill>
+                <a:schemeClr val="tx1"/>
+              </a:solidFill>
+            </a:endParaRPr>
+          </a:p>
+        </p:txBody>
+      </p:sp>
+      <p:sp>
+        <p:nvSpPr>
+          <p:cNvPr id="9" name="テキスト ボックス 8"/>
+          <p:cNvSpPr txBox="1"/>
+          <p:nvPr/>
+        </p:nvSpPr>
+        <p:spPr>
+          <a:xfrm>
+            <a:off x="551050" y="3068651"/>
+            <a:ext cx="4062514" cy="461665"/>
+          </a:xfrm>
+          <a:prstGeom prst="rect">
+            <a:avLst/>
+          </a:prstGeom>
+          <a:noFill/>
+        </p:spPr>
+        <p:txBody>
+          <a:bodyPr wrap="square" rtlCol="0">
+            <a:spAutoFit/>
+          </a:bodyPr>
+          <a:lstStyle>
+            <a:defPPr>
+              <a:defRPr lang="ja-JP"/>
+            </a:defPPr>
+            <a:lvl1pPr marL="342900" indent="-342900">
+              <a:buClr>
+                <a:schemeClr val="accent2"/>
+              </a:buClr>
+              <a:buFont typeface="Wingdings" panose="05000000000000000000" pitchFamily="2" charset="2"/>
+              <a:buChar char="Ø"/>
+              <a:defRPr sz="2400" b="0">
+                <a:solidFill>
+                  <a:prstClr val="black"/>
+                </a:solidFill>
+                <a:latin typeface="+mn-ea"/>
+              </a:defRPr>
+            </a:lvl1pPr>
+          </a:lstStyle>
+          <a:p>
+            <a:r>
+              <a:rPr lang="ja-JP" altLang="en-US" dirty="0">
+                <a:solidFill>
+                  <a:srgbClr val="FF0000"/>
+                </a:solidFill>
+              </a:rPr>
+              <a:t>デバック</a:t>
+            </a:r>
+            <a:r>
+              <a:rPr lang="ja-JP" altLang="en-US" dirty="0" smtClean="0">
+                <a:solidFill>
+                  <a:srgbClr val="FF0000"/>
+                </a:solidFill>
+              </a:rPr>
+              <a:t>環境</a:t>
+            </a:r>
+            <a:r>
+              <a:rPr lang="ja-JP" altLang="en-US" dirty="0" smtClean="0">
+                <a:solidFill>
+                  <a:srgbClr val="FF0000"/>
+                </a:solidFill>
+              </a:rPr>
+              <a:t>準備</a:t>
+            </a:r>
+            <a:endParaRPr lang="ja-JP" altLang="en-US" dirty="0">
+              <a:solidFill>
+                <a:srgbClr val="FF0000"/>
+              </a:solidFill>
+            </a:endParaRPr>
+          </a:p>
+        </p:txBody>
+      </p:sp>
+    </p:spTree>
+    <p:extLst>
+      <p:ext uri="{BB962C8B-B14F-4D97-AF65-F5344CB8AC3E}">
+        <p14:creationId xmlns:p14="http://schemas.microsoft.com/office/powerpoint/2010/main" val="501056482"/>
+      </p:ext>
+    </p:extLst>
+  </p:cSld>
+  <p:clrMapOvr>
+    <a:masterClrMapping/>
+  </p:clrMapOvr>
+  <p:timing>
+    <p:tnLst>
+      <p:par>
+        <p:cTn id="1" dur="indefinite" restart="never" nodeType="tmRoot"/>
+      </p:par>
+    </p:tnLst>
+  </p:timing>
+</p:sld>
+</file>
+
+<file path=ppt/slides/slide22.xml><?xml version="1.0" encoding="utf-8"?>
+<p:sld xmlns:a="http://schemas.openxmlformats.org/drawingml/2006/main" xmlns:r="http://schemas.openxmlformats.org/officeDocument/2006/relationships" xmlns:p="http://schemas.openxmlformats.org/presentationml/2006/main">
+  <p:cSld>
+    <p:spTree>
+      <p:nvGrpSpPr>
+        <p:cNvPr id="1" name=""/>
+        <p:cNvGrpSpPr/>
+        <p:nvPr/>
+      </p:nvGrpSpPr>
+      <p:grpSpPr>
+        <a:xfrm>
+          <a:off x="0" y="0"/>
+          <a:ext cx="0" cy="0"/>
+          <a:chOff x="0" y="0"/>
+          <a:chExt cx="0" cy="0"/>
+        </a:xfrm>
+      </p:grpSpPr>
+      <p:sp>
+        <p:nvSpPr>
+          <p:cNvPr id="2" name="タイトル 1"/>
+          <p:cNvSpPr>
+            <a:spLocks noGrp="1"/>
+          </p:cNvSpPr>
+          <p:nvPr>
+            <p:ph type="title"/>
+          </p:nvPr>
+        </p:nvSpPr>
+        <p:spPr>
+          <a:xfrm>
+            <a:off x="555219" y="284176"/>
+            <a:ext cx="9784080" cy="915974"/>
+          </a:xfrm>
+        </p:spPr>
+        <p:txBody>
+          <a:bodyPr/>
+          <a:lstStyle/>
+          <a:p>
+            <a:r>
               <a:rPr lang="ja-JP" altLang="en-US" dirty="0"/>
-              <a:t>開発環境準備</a:t>
-            </a:r>
-            <a:r>
-              <a:rPr lang="en-US" altLang="ja-JP" dirty="0" smtClean="0"/>
+              <a:t>デバック</a:t>
+            </a:r>
+            <a:r>
+              <a:rPr kumimoji="1" lang="ja-JP" altLang="en-US" dirty="0" smtClean="0"/>
+              <a:t>環境</a:t>
+            </a:r>
+            <a:r>
+              <a:rPr kumimoji="1" lang="en-US" altLang="ja-JP" dirty="0" smtClean="0"/>
               <a:t>-</a:t>
             </a:r>
             <a:r>
               <a:rPr lang="ja-JP" altLang="en-US" dirty="0" smtClean="0"/>
-              <a:t>プロジェクトの作成</a:t>
-            </a:r>
-            <a:r>
-              <a:rPr lang="en-US" altLang="ja-JP" dirty="0" smtClean="0"/>
-              <a:t>7</a:t>
+              <a:t>作業概要</a:t>
+            </a:r>
+            <a:endParaRPr kumimoji="1" lang="ja-JP" altLang="en-US" dirty="0"/>
+          </a:p>
+        </p:txBody>
+      </p:sp>
+      <p:sp>
+        <p:nvSpPr>
+          <p:cNvPr id="5" name="正方形/長方形 4"/>
+          <p:cNvSpPr/>
+          <p:nvPr/>
+        </p:nvSpPr>
+        <p:spPr>
+          <a:xfrm>
+            <a:off x="555219" y="1200150"/>
+            <a:ext cx="9052940" cy="914400"/>
+          </a:xfrm>
+          <a:prstGeom prst="rect">
+            <a:avLst/>
+          </a:prstGeom>
+          <a:noFill/>
+        </p:spPr>
+        <p:style>
+          <a:lnRef idx="2">
+            <a:schemeClr val="accent1">
+              <a:shade val="50000"/>
+            </a:schemeClr>
+          </a:lnRef>
+          <a:fillRef idx="1">
+            <a:schemeClr val="accent1"/>
+          </a:fillRef>
+          <a:effectRef idx="0">
+            <a:schemeClr val="accent1"/>
+          </a:effectRef>
+          <a:fontRef idx="minor">
+            <a:schemeClr val="lt1"/>
+          </a:fontRef>
+        </p:style>
+        <p:txBody>
+          <a:bodyPr rtlCol="0" anchor="ctr"/>
+          <a:lstStyle/>
+          <a:p>
+            <a:pPr marL="285750" indent="-285750">
+              <a:buClr>
+                <a:schemeClr val="accent1">
+                  <a:lumMod val="75000"/>
+                </a:schemeClr>
+              </a:buClr>
+              <a:buFont typeface="Wingdings" panose="05000000000000000000" pitchFamily="2" charset="2"/>
+              <a:buChar char="ü"/>
+            </a:pPr>
+            <a:r>
+              <a:rPr lang="en-US" altLang="ja-JP" dirty="0" err="1" smtClean="0">
+                <a:solidFill>
+                  <a:schemeClr val="tx1"/>
+                </a:solidFill>
+              </a:rPr>
+              <a:t>VSCode</a:t>
+            </a:r>
+            <a:r>
+              <a:rPr lang="ja-JP" altLang="en-US" dirty="0" smtClean="0">
+                <a:solidFill>
+                  <a:schemeClr val="tx1"/>
+                </a:solidFill>
+              </a:rPr>
+              <a:t>のインストール</a:t>
+            </a:r>
+            <a:endParaRPr kumimoji="1" lang="ja-JP" altLang="en-US" dirty="0">
+              <a:solidFill>
+                <a:schemeClr val="tx1"/>
+              </a:solidFill>
+            </a:endParaRPr>
+          </a:p>
+        </p:txBody>
+      </p:sp>
+      <p:sp>
+        <p:nvSpPr>
+          <p:cNvPr id="6" name="正方形/長方形 5"/>
+          <p:cNvSpPr/>
+          <p:nvPr/>
+        </p:nvSpPr>
+        <p:spPr>
+          <a:xfrm>
+            <a:off x="555219" y="2573324"/>
+            <a:ext cx="9052940" cy="914400"/>
+          </a:xfrm>
+          <a:prstGeom prst="rect">
+            <a:avLst/>
+          </a:prstGeom>
+          <a:noFill/>
+        </p:spPr>
+        <p:style>
+          <a:lnRef idx="2">
+            <a:schemeClr val="accent1">
+              <a:shade val="50000"/>
+            </a:schemeClr>
+          </a:lnRef>
+          <a:fillRef idx="1">
+            <a:schemeClr val="accent1"/>
+          </a:fillRef>
+          <a:effectRef idx="0">
+            <a:schemeClr val="accent1"/>
+          </a:effectRef>
+          <a:fontRef idx="minor">
+            <a:schemeClr val="lt1"/>
+          </a:fontRef>
+        </p:style>
+        <p:txBody>
+          <a:bodyPr rtlCol="0" anchor="ctr"/>
+          <a:lstStyle/>
+          <a:p>
+            <a:pPr marL="285750" indent="-285750">
+              <a:buClr>
+                <a:schemeClr val="accent1">
+                  <a:lumMod val="75000"/>
+                </a:schemeClr>
+              </a:buClr>
+              <a:buFont typeface="Wingdings" panose="05000000000000000000" pitchFamily="2" charset="2"/>
+              <a:buChar char="ü"/>
+            </a:pPr>
+            <a:r>
+              <a:rPr kumimoji="1" lang="en-US" altLang="ja-JP" dirty="0" err="1" smtClean="0">
+                <a:solidFill>
+                  <a:schemeClr val="tx1"/>
+                </a:solidFill>
+              </a:rPr>
+              <a:t>VSCode</a:t>
+            </a:r>
+            <a:r>
+              <a:rPr kumimoji="1" lang="ja-JP" altLang="en-US" dirty="0" smtClean="0">
+                <a:solidFill>
+                  <a:schemeClr val="tx1"/>
+                </a:solidFill>
+              </a:rPr>
+              <a:t>の拡張機能をインストール</a:t>
+            </a:r>
+            <a:endParaRPr kumimoji="1" lang="ja-JP" altLang="en-US" dirty="0">
+              <a:solidFill>
+                <a:schemeClr val="tx1"/>
+              </a:solidFill>
+            </a:endParaRPr>
+          </a:p>
+        </p:txBody>
+      </p:sp>
+    </p:spTree>
+    <p:extLst>
+      <p:ext uri="{BB962C8B-B14F-4D97-AF65-F5344CB8AC3E}">
+        <p14:creationId xmlns:p14="http://schemas.microsoft.com/office/powerpoint/2010/main" val="2963751376"/>
+      </p:ext>
+    </p:extLst>
+  </p:cSld>
+  <p:clrMapOvr>
+    <a:masterClrMapping/>
+  </p:clrMapOvr>
+  <p:timing>
+    <p:tnLst>
+      <p:par>
+        <p:cTn id="1" dur="indefinite" restart="never" nodeType="tmRoot"/>
+      </p:par>
+    </p:tnLst>
+  </p:timing>
+</p:sld>
+</file>
+
+<file path=ppt/slides/slide23.xml><?xml version="1.0" encoding="utf-8"?>
+<p:sld xmlns:a="http://schemas.openxmlformats.org/drawingml/2006/main" xmlns:r="http://schemas.openxmlformats.org/officeDocument/2006/relationships" xmlns:p="http://schemas.openxmlformats.org/presentationml/2006/main">
+  <p:cSld>
+    <p:spTree>
+      <p:nvGrpSpPr>
+        <p:cNvPr id="1" name=""/>
+        <p:cNvGrpSpPr/>
+        <p:nvPr/>
+      </p:nvGrpSpPr>
+      <p:grpSpPr>
+        <a:xfrm>
+          <a:off x="0" y="0"/>
+          <a:ext cx="0" cy="0"/>
+          <a:chOff x="0" y="0"/>
+          <a:chExt cx="0" cy="0"/>
+        </a:xfrm>
+      </p:grpSpPr>
+      <p:pic>
+        <p:nvPicPr>
+          <p:cNvPr id="3" name="図 2"/>
+          <p:cNvPicPr>
+            <a:picLocks noChangeAspect="1"/>
+          </p:cNvPicPr>
+          <p:nvPr/>
+        </p:nvPicPr>
+        <p:blipFill>
+          <a:blip r:embed="rId2"/>
+          <a:stretch>
+            <a:fillRect/>
+          </a:stretch>
+        </p:blipFill>
+        <p:spPr>
+          <a:xfrm>
+            <a:off x="555219" y="2241835"/>
+            <a:ext cx="7481198" cy="3987052"/>
+          </a:xfrm>
+          <a:prstGeom prst="rect">
+            <a:avLst/>
+          </a:prstGeom>
+        </p:spPr>
+      </p:pic>
+      <p:sp>
+        <p:nvSpPr>
+          <p:cNvPr id="2" name="タイトル 1"/>
+          <p:cNvSpPr>
+            <a:spLocks noGrp="1"/>
+          </p:cNvSpPr>
+          <p:nvPr>
+            <p:ph type="title"/>
+          </p:nvPr>
+        </p:nvSpPr>
+        <p:spPr>
+          <a:xfrm>
+            <a:off x="555219" y="284176"/>
+            <a:ext cx="9784080" cy="915974"/>
+          </a:xfrm>
+        </p:spPr>
+        <p:txBody>
+          <a:bodyPr/>
+          <a:lstStyle/>
+          <a:p>
+            <a:r>
+              <a:rPr lang="ja-JP" altLang="en-US" dirty="0" smtClean="0"/>
+              <a:t>デバッグ環境構築</a:t>
+            </a:r>
+            <a:r>
+              <a:rPr kumimoji="1" lang="en-US" altLang="ja-JP" dirty="0" smtClean="0"/>
+              <a:t>-</a:t>
+            </a:r>
+            <a:r>
+              <a:rPr kumimoji="1" lang="en-US" altLang="ja-JP" dirty="0" err="1" smtClean="0"/>
+              <a:t>VSCode</a:t>
+            </a:r>
+            <a:r>
+              <a:rPr kumimoji="1" lang="ja-JP" altLang="en-US" dirty="0" smtClean="0"/>
+              <a:t>のインストール</a:t>
             </a:r>
             <a:endParaRPr kumimoji="1" lang="ja-JP" altLang="en-US" dirty="0"/>
           </a:p>
@@ -9721,43 +10163,2042 @@
               <a:buNone/>
             </a:pPr>
             <a:r>
-              <a:rPr lang="en-US" altLang="ja-JP" dirty="0" err="1" smtClean="0"/>
-              <a:t>Andoid</a:t>
-            </a:r>
-            <a:r>
               <a:rPr lang="ja-JP" altLang="en-US" dirty="0" smtClean="0"/>
-              <a:t>エミュレータを起動した状態で、下記のコマンドを入力</a:t>
+              <a:t>以下のサイトよりインストーラをダウンロードする。</a:t>
             </a:r>
             <a:endParaRPr lang="en-US" altLang="ja-JP" dirty="0" smtClean="0"/>
+          </a:p>
+          <a:p>
+            <a:pPr marL="0" indent="0">
+              <a:buNone/>
+            </a:pPr>
+            <a:r>
+              <a:rPr lang="en-US" altLang="ja-JP" dirty="0"/>
+              <a:t>https://code.visualstudio.com/Download</a:t>
+            </a:r>
+            <a:endParaRPr lang="ja-JP" altLang="en-US" dirty="0"/>
           </a:p>
         </p:txBody>
       </p:sp>
       <p:sp>
         <p:nvSpPr>
-          <p:cNvPr id="5" name="正方形/長方形 4"/>
+          <p:cNvPr id="6" name="正方形/長方形 5"/>
           <p:cNvSpPr/>
           <p:nvPr/>
         </p:nvSpPr>
         <p:spPr>
           <a:xfrm>
-            <a:off x="555218" y="2285031"/>
-            <a:ext cx="11164927" cy="566658"/>
+            <a:off x="1828799" y="5307195"/>
+            <a:ext cx="1287887" cy="385267"/>
+          </a:xfrm>
+          <a:prstGeom prst="rect">
+            <a:avLst/>
+          </a:prstGeom>
+          <a:noFill/>
+          <a:ln w="28575"/>
+        </p:spPr>
+        <p:style>
+          <a:lnRef idx="2">
+            <a:schemeClr val="accent2"/>
+          </a:lnRef>
+          <a:fillRef idx="1">
+            <a:schemeClr val="lt1"/>
+          </a:fillRef>
+          <a:effectRef idx="0">
+            <a:schemeClr val="accent2"/>
+          </a:effectRef>
+          <a:fontRef idx="minor">
+            <a:schemeClr val="dk1"/>
+          </a:fontRef>
+        </p:style>
+        <p:txBody>
+          <a:bodyPr rtlCol="0" anchor="ctr"/>
+          <a:lstStyle/>
+          <a:p>
+            <a:pPr algn="ctr"/>
+            <a:endParaRPr kumimoji="1" lang="ja-JP" altLang="en-US"/>
+          </a:p>
+        </p:txBody>
+      </p:sp>
+      <p:pic>
+        <p:nvPicPr>
+          <p:cNvPr id="9" name="図 8"/>
+          <p:cNvPicPr>
+            <a:picLocks noChangeAspect="1"/>
+          </p:cNvPicPr>
+          <p:nvPr/>
+        </p:nvPicPr>
+        <p:blipFill>
+          <a:blip r:embed="rId3" cstate="print">
+            <a:extLst>
+              <a:ext uri="{28A0092B-C50C-407E-A947-70E740481C1C}">
+                <a14:useLocalDpi xmlns:a14="http://schemas.microsoft.com/office/drawing/2010/main" val="0"/>
+              </a:ext>
+            </a:extLst>
+          </a:blip>
+          <a:stretch>
+            <a:fillRect/>
+          </a:stretch>
+        </p:blipFill>
+        <p:spPr>
+          <a:xfrm>
+            <a:off x="2909425" y="5499828"/>
+            <a:ext cx="604434" cy="604434"/>
+          </a:xfrm>
+          <a:prstGeom prst="rect">
+            <a:avLst/>
+          </a:prstGeom>
+        </p:spPr>
+      </p:pic>
+    </p:spTree>
+    <p:extLst>
+      <p:ext uri="{BB962C8B-B14F-4D97-AF65-F5344CB8AC3E}">
+        <p14:creationId xmlns:p14="http://schemas.microsoft.com/office/powerpoint/2010/main" val="1952883745"/>
+      </p:ext>
+    </p:extLst>
+  </p:cSld>
+  <p:clrMapOvr>
+    <a:masterClrMapping/>
+  </p:clrMapOvr>
+  <p:timing>
+    <p:tnLst>
+      <p:par>
+        <p:cTn id="1" dur="indefinite" restart="never" nodeType="tmRoot"/>
+      </p:par>
+    </p:tnLst>
+  </p:timing>
+</p:sld>
+</file>
+
+<file path=ppt/slides/slide24.xml><?xml version="1.0" encoding="utf-8"?>
+<p:sld xmlns:a="http://schemas.openxmlformats.org/drawingml/2006/main" xmlns:r="http://schemas.openxmlformats.org/officeDocument/2006/relationships" xmlns:p="http://schemas.openxmlformats.org/presentationml/2006/main">
+  <p:cSld>
+    <p:spTree>
+      <p:nvGrpSpPr>
+        <p:cNvPr id="1" name=""/>
+        <p:cNvGrpSpPr/>
+        <p:nvPr/>
+      </p:nvGrpSpPr>
+      <p:grpSpPr>
+        <a:xfrm>
+          <a:off x="0" y="0"/>
+          <a:ext cx="0" cy="0"/>
+          <a:chOff x="0" y="0"/>
+          <a:chExt cx="0" cy="0"/>
+        </a:xfrm>
+      </p:grpSpPr>
+      <p:sp>
+        <p:nvSpPr>
+          <p:cNvPr id="2" name="タイトル 1"/>
+          <p:cNvSpPr>
+            <a:spLocks noGrp="1"/>
+          </p:cNvSpPr>
+          <p:nvPr>
+            <p:ph type="title"/>
+          </p:nvPr>
+        </p:nvSpPr>
+        <p:spPr>
+          <a:xfrm>
+            <a:off x="555219" y="284176"/>
+            <a:ext cx="9784080" cy="915974"/>
+          </a:xfrm>
+        </p:spPr>
+        <p:txBody>
+          <a:bodyPr/>
+          <a:lstStyle/>
+          <a:p>
+            <a:r>
+              <a:rPr lang="ja-JP" altLang="en-US" dirty="0" smtClean="0"/>
+              <a:t>デバッグ環境構築</a:t>
+            </a:r>
+            <a:r>
+              <a:rPr kumimoji="1" lang="en-US" altLang="ja-JP" dirty="0" smtClean="0"/>
+              <a:t>-</a:t>
+            </a:r>
+            <a:r>
+              <a:rPr kumimoji="1" lang="en-US" altLang="ja-JP" dirty="0" err="1" smtClean="0"/>
+              <a:t>VSCode</a:t>
+            </a:r>
+            <a:r>
+              <a:rPr kumimoji="1" lang="ja-JP" altLang="en-US" dirty="0" smtClean="0"/>
+              <a:t>のインストール</a:t>
+            </a:r>
+            <a:endParaRPr kumimoji="1" lang="ja-JP" altLang="en-US" dirty="0"/>
+          </a:p>
+        </p:txBody>
+      </p:sp>
+      <p:sp>
+        <p:nvSpPr>
+          <p:cNvPr id="7" name="コンテンツ プレースホルダー 3"/>
+          <p:cNvSpPr txBox="1">
+            <a:spLocks/>
+          </p:cNvSpPr>
+          <p:nvPr/>
+        </p:nvSpPr>
+        <p:spPr>
+          <a:xfrm>
+            <a:off x="555219" y="1200150"/>
+            <a:ext cx="11164927" cy="4930194"/>
           </a:xfrm>
           <a:prstGeom prst="rect">
             <a:avLst/>
           </a:prstGeom>
           <a:solidFill>
-            <a:schemeClr val="tx2">
-              <a:lumMod val="75000"/>
+            <a:schemeClr val="accent1">
+              <a:lumMod val="20000"/>
+              <a:lumOff val="80000"/>
             </a:schemeClr>
           </a:solidFill>
           <a:ln>
             <a:solidFill>
-              <a:schemeClr val="bg2">
-                <a:lumMod val="25000"/>
-              </a:schemeClr>
+              <a:schemeClr val="accent1"/>
             </a:solidFill>
           </a:ln>
+        </p:spPr>
+        <p:txBody>
+          <a:bodyPr anchor="ctr"/>
+          <a:lstStyle>
+            <a:lvl1pPr marL="228600" indent="-228600" algn="l" defTabSz="914400" rtl="0" eaLnBrk="1" latinLnBrk="0" hangingPunct="1">
+              <a:lnSpc>
+                <a:spcPct val="90000"/>
+              </a:lnSpc>
+              <a:spcBef>
+                <a:spcPts val="1000"/>
+              </a:spcBef>
+              <a:buFont typeface="Arial" panose="020B0604020202020204" pitchFamily="34" charset="0"/>
+              <a:buChar char="•"/>
+              <a:defRPr kumimoji="1" sz="2000" kern="1200">
+                <a:solidFill>
+                  <a:schemeClr val="tx1"/>
+                </a:solidFill>
+                <a:latin typeface="Meiryo UI" panose="020B0604030504040204" pitchFamily="50" charset="-128"/>
+                <a:ea typeface="Meiryo UI" panose="020B0604030504040204" pitchFamily="50" charset="-128"/>
+                <a:cs typeface="+mn-cs"/>
+              </a:defRPr>
+            </a:lvl1pPr>
+            <a:lvl2pPr marL="685800" indent="-228600" algn="l" defTabSz="914400" rtl="0" eaLnBrk="1" latinLnBrk="0" hangingPunct="1">
+              <a:lnSpc>
+                <a:spcPct val="90000"/>
+              </a:lnSpc>
+              <a:spcBef>
+                <a:spcPts val="500"/>
+              </a:spcBef>
+              <a:buFont typeface="Arial" panose="020B0604020202020204" pitchFamily="34" charset="0"/>
+              <a:buChar char="•"/>
+              <a:defRPr kumimoji="1" sz="1800" kern="1200">
+                <a:solidFill>
+                  <a:schemeClr val="tx1"/>
+                </a:solidFill>
+                <a:latin typeface="Meiryo UI" panose="020B0604030504040204" pitchFamily="50" charset="-128"/>
+                <a:ea typeface="Meiryo UI" panose="020B0604030504040204" pitchFamily="50" charset="-128"/>
+                <a:cs typeface="+mn-cs"/>
+              </a:defRPr>
+            </a:lvl2pPr>
+            <a:lvl3pPr marL="1143000" indent="-228600" algn="l" defTabSz="914400" rtl="0" eaLnBrk="1" latinLnBrk="0" hangingPunct="1">
+              <a:lnSpc>
+                <a:spcPct val="90000"/>
+              </a:lnSpc>
+              <a:spcBef>
+                <a:spcPts val="500"/>
+              </a:spcBef>
+              <a:buFont typeface="Arial" panose="020B0604020202020204" pitchFamily="34" charset="0"/>
+              <a:buChar char="•"/>
+              <a:defRPr kumimoji="1" sz="1600" kern="1200">
+                <a:solidFill>
+                  <a:schemeClr val="tx1"/>
+                </a:solidFill>
+                <a:latin typeface="Meiryo UI" panose="020B0604030504040204" pitchFamily="50" charset="-128"/>
+                <a:ea typeface="Meiryo UI" panose="020B0604030504040204" pitchFamily="50" charset="-128"/>
+                <a:cs typeface="+mn-cs"/>
+              </a:defRPr>
+            </a:lvl3pPr>
+            <a:lvl4pPr marL="1600200" indent="-228600" algn="l" defTabSz="914400" rtl="0" eaLnBrk="1" latinLnBrk="0" hangingPunct="1">
+              <a:lnSpc>
+                <a:spcPct val="90000"/>
+              </a:lnSpc>
+              <a:spcBef>
+                <a:spcPts val="500"/>
+              </a:spcBef>
+              <a:buFont typeface="Arial" panose="020B0604020202020204" pitchFamily="34" charset="0"/>
+              <a:buChar char="•"/>
+              <a:defRPr kumimoji="1" sz="1400" kern="1200">
+                <a:solidFill>
+                  <a:schemeClr val="tx1"/>
+                </a:solidFill>
+                <a:latin typeface="Meiryo UI" panose="020B0604030504040204" pitchFamily="50" charset="-128"/>
+                <a:ea typeface="Meiryo UI" panose="020B0604030504040204" pitchFamily="50" charset="-128"/>
+                <a:cs typeface="+mn-cs"/>
+              </a:defRPr>
+            </a:lvl4pPr>
+            <a:lvl5pPr marL="2057400" indent="-228600" algn="l" defTabSz="914400" rtl="0" eaLnBrk="1" latinLnBrk="0" hangingPunct="1">
+              <a:lnSpc>
+                <a:spcPct val="90000"/>
+              </a:lnSpc>
+              <a:spcBef>
+                <a:spcPts val="500"/>
+              </a:spcBef>
+              <a:buFont typeface="Arial" panose="020B0604020202020204" pitchFamily="34" charset="0"/>
+              <a:buChar char="•"/>
+              <a:defRPr kumimoji="1" sz="1200" kern="1200">
+                <a:solidFill>
+                  <a:schemeClr val="tx1"/>
+                </a:solidFill>
+                <a:latin typeface="Meiryo UI" panose="020B0604030504040204" pitchFamily="50" charset="-128"/>
+                <a:ea typeface="Meiryo UI" panose="020B0604030504040204" pitchFamily="50" charset="-128"/>
+                <a:cs typeface="+mn-cs"/>
+              </a:defRPr>
+            </a:lvl5pPr>
+            <a:lvl6pPr marL="2514600" indent="-228600" algn="l" defTabSz="914400" rtl="0" eaLnBrk="1" latinLnBrk="0" hangingPunct="1">
+              <a:lnSpc>
+                <a:spcPct val="90000"/>
+              </a:lnSpc>
+              <a:spcBef>
+                <a:spcPts val="500"/>
+              </a:spcBef>
+              <a:buFont typeface="Arial" panose="020B0604020202020204" pitchFamily="34" charset="0"/>
+              <a:buChar char="•"/>
+              <a:defRPr kumimoji="1" sz="1800" kern="1200">
+                <a:solidFill>
+                  <a:schemeClr val="tx1"/>
+                </a:solidFill>
+                <a:latin typeface="+mn-lt"/>
+                <a:ea typeface="+mn-ea"/>
+                <a:cs typeface="+mn-cs"/>
+              </a:defRPr>
+            </a:lvl6pPr>
+            <a:lvl7pPr marL="2971800" indent="-228600" algn="l" defTabSz="914400" rtl="0" eaLnBrk="1" latinLnBrk="0" hangingPunct="1">
+              <a:lnSpc>
+                <a:spcPct val="90000"/>
+              </a:lnSpc>
+              <a:spcBef>
+                <a:spcPts val="500"/>
+              </a:spcBef>
+              <a:buFont typeface="Arial" panose="020B0604020202020204" pitchFamily="34" charset="0"/>
+              <a:buChar char="•"/>
+              <a:defRPr kumimoji="1" sz="1800" kern="1200">
+                <a:solidFill>
+                  <a:schemeClr val="tx1"/>
+                </a:solidFill>
+                <a:latin typeface="+mn-lt"/>
+                <a:ea typeface="+mn-ea"/>
+                <a:cs typeface="+mn-cs"/>
+              </a:defRPr>
+            </a:lvl7pPr>
+            <a:lvl8pPr marL="3429000" indent="-228600" algn="l" defTabSz="914400" rtl="0" eaLnBrk="1" latinLnBrk="0" hangingPunct="1">
+              <a:lnSpc>
+                <a:spcPct val="90000"/>
+              </a:lnSpc>
+              <a:spcBef>
+                <a:spcPts val="500"/>
+              </a:spcBef>
+              <a:buFont typeface="Arial" panose="020B0604020202020204" pitchFamily="34" charset="0"/>
+              <a:buChar char="•"/>
+              <a:defRPr kumimoji="1" sz="1800" kern="1200">
+                <a:solidFill>
+                  <a:schemeClr val="tx1"/>
+                </a:solidFill>
+                <a:latin typeface="+mn-lt"/>
+                <a:ea typeface="+mn-ea"/>
+                <a:cs typeface="+mn-cs"/>
+              </a:defRPr>
+            </a:lvl8pPr>
+            <a:lvl9pPr marL="3886200" indent="-228600" algn="l" defTabSz="914400" rtl="0" eaLnBrk="1" latinLnBrk="0" hangingPunct="1">
+              <a:lnSpc>
+                <a:spcPct val="90000"/>
+              </a:lnSpc>
+              <a:spcBef>
+                <a:spcPts val="500"/>
+              </a:spcBef>
+              <a:buFont typeface="Arial" panose="020B0604020202020204" pitchFamily="34" charset="0"/>
+              <a:buChar char="•"/>
+              <a:defRPr kumimoji="1" sz="1800" kern="1200">
+                <a:solidFill>
+                  <a:schemeClr val="tx1"/>
+                </a:solidFill>
+                <a:latin typeface="+mn-lt"/>
+                <a:ea typeface="+mn-ea"/>
+                <a:cs typeface="+mn-cs"/>
+              </a:defRPr>
+            </a:lvl9pPr>
+          </a:lstStyle>
+          <a:p>
+            <a:pPr marL="0" indent="0">
+              <a:buNone/>
+            </a:pPr>
+            <a:r>
+              <a:rPr lang="ja-JP" altLang="en-US" dirty="0" smtClean="0"/>
+              <a:t>インストール画面を取り忘れてました。</a:t>
+            </a:r>
+            <a:endParaRPr lang="en-US" altLang="ja-JP" dirty="0" smtClean="0"/>
+          </a:p>
+          <a:p>
+            <a:pPr marL="0" indent="0">
+              <a:buNone/>
+            </a:pPr>
+            <a:r>
+              <a:rPr lang="ja-JP" altLang="en-US" dirty="0" smtClean="0"/>
+              <a:t>すいません。</a:t>
+            </a:r>
+            <a:endParaRPr lang="ja-JP" altLang="en-US" dirty="0"/>
+          </a:p>
+        </p:txBody>
+      </p:sp>
+    </p:spTree>
+    <p:extLst>
+      <p:ext uri="{BB962C8B-B14F-4D97-AF65-F5344CB8AC3E}">
+        <p14:creationId xmlns:p14="http://schemas.microsoft.com/office/powerpoint/2010/main" val="1513982017"/>
+      </p:ext>
+    </p:extLst>
+  </p:cSld>
+  <p:clrMapOvr>
+    <a:masterClrMapping/>
+  </p:clrMapOvr>
+  <p:timing>
+    <p:tnLst>
+      <p:par>
+        <p:cTn id="1" dur="indefinite" restart="never" nodeType="tmRoot"/>
+      </p:par>
+    </p:tnLst>
+  </p:timing>
+</p:sld>
+</file>
+
+<file path=ppt/slides/slide25.xml><?xml version="1.0" encoding="utf-8"?>
+<p:sld xmlns:a="http://schemas.openxmlformats.org/drawingml/2006/main" xmlns:r="http://schemas.openxmlformats.org/officeDocument/2006/relationships" xmlns:p="http://schemas.openxmlformats.org/presentationml/2006/main">
+  <p:cSld>
+    <p:spTree>
+      <p:nvGrpSpPr>
+        <p:cNvPr id="1" name=""/>
+        <p:cNvGrpSpPr/>
+        <p:nvPr/>
+      </p:nvGrpSpPr>
+      <p:grpSpPr>
+        <a:xfrm>
+          <a:off x="0" y="0"/>
+          <a:ext cx="0" cy="0"/>
+          <a:chOff x="0" y="0"/>
+          <a:chExt cx="0" cy="0"/>
+        </a:xfrm>
+      </p:grpSpPr>
+      <p:sp>
+        <p:nvSpPr>
+          <p:cNvPr id="2" name="タイトル 1"/>
+          <p:cNvSpPr>
+            <a:spLocks noGrp="1"/>
+          </p:cNvSpPr>
+          <p:nvPr>
+            <p:ph type="title"/>
+          </p:nvPr>
+        </p:nvSpPr>
+        <p:spPr>
+          <a:xfrm>
+            <a:off x="555219" y="284176"/>
+            <a:ext cx="9784080" cy="915974"/>
+          </a:xfrm>
+        </p:spPr>
+        <p:txBody>
+          <a:bodyPr/>
+          <a:lstStyle/>
+          <a:p>
+            <a:r>
+              <a:rPr lang="ja-JP" altLang="en-US" dirty="0" smtClean="0"/>
+              <a:t>デバッグ環境構築</a:t>
+            </a:r>
+            <a:r>
+              <a:rPr kumimoji="1" lang="en-US" altLang="ja-JP" dirty="0" smtClean="0"/>
+              <a:t>-</a:t>
+            </a:r>
+            <a:r>
+              <a:rPr kumimoji="1" lang="en-US" altLang="ja-JP" dirty="0" err="1" smtClean="0"/>
+              <a:t>VSCode</a:t>
+            </a:r>
+            <a:r>
+              <a:rPr lang="ja-JP" altLang="en-US" dirty="0" smtClean="0"/>
+              <a:t>の拡張機能をインストール</a:t>
+            </a:r>
+            <a:endParaRPr kumimoji="1" lang="ja-JP" altLang="en-US" dirty="0"/>
+          </a:p>
+        </p:txBody>
+      </p:sp>
+      <p:sp>
+        <p:nvSpPr>
+          <p:cNvPr id="7" name="コンテンツ プレースホルダー 3"/>
+          <p:cNvSpPr txBox="1">
+            <a:spLocks/>
+          </p:cNvSpPr>
+          <p:nvPr/>
+        </p:nvSpPr>
+        <p:spPr>
+          <a:xfrm>
+            <a:off x="555219" y="1200150"/>
+            <a:ext cx="11164927" cy="873349"/>
+          </a:xfrm>
+          <a:prstGeom prst="rect">
+            <a:avLst/>
+          </a:prstGeom>
+          <a:solidFill>
+            <a:schemeClr val="accent1">
+              <a:lumMod val="20000"/>
+              <a:lumOff val="80000"/>
+            </a:schemeClr>
+          </a:solidFill>
+          <a:ln>
+            <a:solidFill>
+              <a:schemeClr val="accent1"/>
+            </a:solidFill>
+          </a:ln>
+        </p:spPr>
+        <p:txBody>
+          <a:bodyPr anchor="ctr"/>
+          <a:lstStyle>
+            <a:lvl1pPr marL="228600" indent="-228600" algn="l" defTabSz="914400" rtl="0" eaLnBrk="1" latinLnBrk="0" hangingPunct="1">
+              <a:lnSpc>
+                <a:spcPct val="90000"/>
+              </a:lnSpc>
+              <a:spcBef>
+                <a:spcPts val="1000"/>
+              </a:spcBef>
+              <a:buFont typeface="Arial" panose="020B0604020202020204" pitchFamily="34" charset="0"/>
+              <a:buChar char="•"/>
+              <a:defRPr kumimoji="1" sz="2000" kern="1200">
+                <a:solidFill>
+                  <a:schemeClr val="tx1"/>
+                </a:solidFill>
+                <a:latin typeface="Meiryo UI" panose="020B0604030504040204" pitchFamily="50" charset="-128"/>
+                <a:ea typeface="Meiryo UI" panose="020B0604030504040204" pitchFamily="50" charset="-128"/>
+                <a:cs typeface="+mn-cs"/>
+              </a:defRPr>
+            </a:lvl1pPr>
+            <a:lvl2pPr marL="685800" indent="-228600" algn="l" defTabSz="914400" rtl="0" eaLnBrk="1" latinLnBrk="0" hangingPunct="1">
+              <a:lnSpc>
+                <a:spcPct val="90000"/>
+              </a:lnSpc>
+              <a:spcBef>
+                <a:spcPts val="500"/>
+              </a:spcBef>
+              <a:buFont typeface="Arial" panose="020B0604020202020204" pitchFamily="34" charset="0"/>
+              <a:buChar char="•"/>
+              <a:defRPr kumimoji="1" sz="1800" kern="1200">
+                <a:solidFill>
+                  <a:schemeClr val="tx1"/>
+                </a:solidFill>
+                <a:latin typeface="Meiryo UI" panose="020B0604030504040204" pitchFamily="50" charset="-128"/>
+                <a:ea typeface="Meiryo UI" panose="020B0604030504040204" pitchFamily="50" charset="-128"/>
+                <a:cs typeface="+mn-cs"/>
+              </a:defRPr>
+            </a:lvl2pPr>
+            <a:lvl3pPr marL="1143000" indent="-228600" algn="l" defTabSz="914400" rtl="0" eaLnBrk="1" latinLnBrk="0" hangingPunct="1">
+              <a:lnSpc>
+                <a:spcPct val="90000"/>
+              </a:lnSpc>
+              <a:spcBef>
+                <a:spcPts val="500"/>
+              </a:spcBef>
+              <a:buFont typeface="Arial" panose="020B0604020202020204" pitchFamily="34" charset="0"/>
+              <a:buChar char="•"/>
+              <a:defRPr kumimoji="1" sz="1600" kern="1200">
+                <a:solidFill>
+                  <a:schemeClr val="tx1"/>
+                </a:solidFill>
+                <a:latin typeface="Meiryo UI" panose="020B0604030504040204" pitchFamily="50" charset="-128"/>
+                <a:ea typeface="Meiryo UI" panose="020B0604030504040204" pitchFamily="50" charset="-128"/>
+                <a:cs typeface="+mn-cs"/>
+              </a:defRPr>
+            </a:lvl3pPr>
+            <a:lvl4pPr marL="1600200" indent="-228600" algn="l" defTabSz="914400" rtl="0" eaLnBrk="1" latinLnBrk="0" hangingPunct="1">
+              <a:lnSpc>
+                <a:spcPct val="90000"/>
+              </a:lnSpc>
+              <a:spcBef>
+                <a:spcPts val="500"/>
+              </a:spcBef>
+              <a:buFont typeface="Arial" panose="020B0604020202020204" pitchFamily="34" charset="0"/>
+              <a:buChar char="•"/>
+              <a:defRPr kumimoji="1" sz="1400" kern="1200">
+                <a:solidFill>
+                  <a:schemeClr val="tx1"/>
+                </a:solidFill>
+                <a:latin typeface="Meiryo UI" panose="020B0604030504040204" pitchFamily="50" charset="-128"/>
+                <a:ea typeface="Meiryo UI" panose="020B0604030504040204" pitchFamily="50" charset="-128"/>
+                <a:cs typeface="+mn-cs"/>
+              </a:defRPr>
+            </a:lvl4pPr>
+            <a:lvl5pPr marL="2057400" indent="-228600" algn="l" defTabSz="914400" rtl="0" eaLnBrk="1" latinLnBrk="0" hangingPunct="1">
+              <a:lnSpc>
+                <a:spcPct val="90000"/>
+              </a:lnSpc>
+              <a:spcBef>
+                <a:spcPts val="500"/>
+              </a:spcBef>
+              <a:buFont typeface="Arial" panose="020B0604020202020204" pitchFamily="34" charset="0"/>
+              <a:buChar char="•"/>
+              <a:defRPr kumimoji="1" sz="1200" kern="1200">
+                <a:solidFill>
+                  <a:schemeClr val="tx1"/>
+                </a:solidFill>
+                <a:latin typeface="Meiryo UI" panose="020B0604030504040204" pitchFamily="50" charset="-128"/>
+                <a:ea typeface="Meiryo UI" panose="020B0604030504040204" pitchFamily="50" charset="-128"/>
+                <a:cs typeface="+mn-cs"/>
+              </a:defRPr>
+            </a:lvl5pPr>
+            <a:lvl6pPr marL="2514600" indent="-228600" algn="l" defTabSz="914400" rtl="0" eaLnBrk="1" latinLnBrk="0" hangingPunct="1">
+              <a:lnSpc>
+                <a:spcPct val="90000"/>
+              </a:lnSpc>
+              <a:spcBef>
+                <a:spcPts val="500"/>
+              </a:spcBef>
+              <a:buFont typeface="Arial" panose="020B0604020202020204" pitchFamily="34" charset="0"/>
+              <a:buChar char="•"/>
+              <a:defRPr kumimoji="1" sz="1800" kern="1200">
+                <a:solidFill>
+                  <a:schemeClr val="tx1"/>
+                </a:solidFill>
+                <a:latin typeface="+mn-lt"/>
+                <a:ea typeface="+mn-ea"/>
+                <a:cs typeface="+mn-cs"/>
+              </a:defRPr>
+            </a:lvl6pPr>
+            <a:lvl7pPr marL="2971800" indent="-228600" algn="l" defTabSz="914400" rtl="0" eaLnBrk="1" latinLnBrk="0" hangingPunct="1">
+              <a:lnSpc>
+                <a:spcPct val="90000"/>
+              </a:lnSpc>
+              <a:spcBef>
+                <a:spcPts val="500"/>
+              </a:spcBef>
+              <a:buFont typeface="Arial" panose="020B0604020202020204" pitchFamily="34" charset="0"/>
+              <a:buChar char="•"/>
+              <a:defRPr kumimoji="1" sz="1800" kern="1200">
+                <a:solidFill>
+                  <a:schemeClr val="tx1"/>
+                </a:solidFill>
+                <a:latin typeface="+mn-lt"/>
+                <a:ea typeface="+mn-ea"/>
+                <a:cs typeface="+mn-cs"/>
+              </a:defRPr>
+            </a:lvl7pPr>
+            <a:lvl8pPr marL="3429000" indent="-228600" algn="l" defTabSz="914400" rtl="0" eaLnBrk="1" latinLnBrk="0" hangingPunct="1">
+              <a:lnSpc>
+                <a:spcPct val="90000"/>
+              </a:lnSpc>
+              <a:spcBef>
+                <a:spcPts val="500"/>
+              </a:spcBef>
+              <a:buFont typeface="Arial" panose="020B0604020202020204" pitchFamily="34" charset="0"/>
+              <a:buChar char="•"/>
+              <a:defRPr kumimoji="1" sz="1800" kern="1200">
+                <a:solidFill>
+                  <a:schemeClr val="tx1"/>
+                </a:solidFill>
+                <a:latin typeface="+mn-lt"/>
+                <a:ea typeface="+mn-ea"/>
+                <a:cs typeface="+mn-cs"/>
+              </a:defRPr>
+            </a:lvl8pPr>
+            <a:lvl9pPr marL="3886200" indent="-228600" algn="l" defTabSz="914400" rtl="0" eaLnBrk="1" latinLnBrk="0" hangingPunct="1">
+              <a:lnSpc>
+                <a:spcPct val="90000"/>
+              </a:lnSpc>
+              <a:spcBef>
+                <a:spcPts val="500"/>
+              </a:spcBef>
+              <a:buFont typeface="Arial" panose="020B0604020202020204" pitchFamily="34" charset="0"/>
+              <a:buChar char="•"/>
+              <a:defRPr kumimoji="1" sz="1800" kern="1200">
+                <a:solidFill>
+                  <a:schemeClr val="tx1"/>
+                </a:solidFill>
+                <a:latin typeface="+mn-lt"/>
+                <a:ea typeface="+mn-ea"/>
+                <a:cs typeface="+mn-cs"/>
+              </a:defRPr>
+            </a:lvl9pPr>
+          </a:lstStyle>
+          <a:p>
+            <a:pPr marL="0" indent="0">
+              <a:buNone/>
+            </a:pPr>
+            <a:r>
+              <a:rPr lang="en-US" altLang="ja-JP" dirty="0" smtClean="0"/>
+              <a:t>Cordova tools</a:t>
+            </a:r>
+            <a:r>
+              <a:rPr lang="ja-JP" altLang="en-US" dirty="0" smtClean="0"/>
+              <a:t>をインストール</a:t>
+            </a:r>
+            <a:endParaRPr lang="ja-JP" altLang="en-US" dirty="0"/>
+          </a:p>
+        </p:txBody>
+      </p:sp>
+      <p:pic>
+        <p:nvPicPr>
+          <p:cNvPr id="4" name="図 3"/>
+          <p:cNvPicPr>
+            <a:picLocks noChangeAspect="1"/>
+          </p:cNvPicPr>
+          <p:nvPr/>
+        </p:nvPicPr>
+        <p:blipFill>
+          <a:blip r:embed="rId2"/>
+          <a:stretch>
+            <a:fillRect/>
+          </a:stretch>
+        </p:blipFill>
+        <p:spPr>
+          <a:xfrm>
+            <a:off x="555219" y="2219549"/>
+            <a:ext cx="8341217" cy="4445392"/>
+          </a:xfrm>
+          <a:prstGeom prst="rect">
+            <a:avLst/>
+          </a:prstGeom>
+        </p:spPr>
+      </p:pic>
+      <p:sp>
+        <p:nvSpPr>
+          <p:cNvPr id="6" name="正方形/長方形 5"/>
+          <p:cNvSpPr/>
+          <p:nvPr/>
+        </p:nvSpPr>
+        <p:spPr>
+          <a:xfrm>
+            <a:off x="555220" y="3710215"/>
+            <a:ext cx="320544" cy="269358"/>
+          </a:xfrm>
+          <a:prstGeom prst="rect">
+            <a:avLst/>
+          </a:prstGeom>
+          <a:noFill/>
+          <a:ln w="28575"/>
+        </p:spPr>
+        <p:style>
+          <a:lnRef idx="2">
+            <a:schemeClr val="accent2"/>
+          </a:lnRef>
+          <a:fillRef idx="1">
+            <a:schemeClr val="lt1"/>
+          </a:fillRef>
+          <a:effectRef idx="0">
+            <a:schemeClr val="accent2"/>
+          </a:effectRef>
+          <a:fontRef idx="minor">
+            <a:schemeClr val="dk1"/>
+          </a:fontRef>
+        </p:style>
+        <p:txBody>
+          <a:bodyPr rtlCol="0" anchor="ctr"/>
+          <a:lstStyle/>
+          <a:p>
+            <a:pPr algn="ctr"/>
+            <a:endParaRPr kumimoji="1" lang="ja-JP" altLang="en-US"/>
+          </a:p>
+        </p:txBody>
+      </p:sp>
+      <p:sp>
+        <p:nvSpPr>
+          <p:cNvPr id="8" name="正方形/長方形 7"/>
+          <p:cNvSpPr/>
+          <p:nvPr/>
+        </p:nvSpPr>
+        <p:spPr>
+          <a:xfrm>
+            <a:off x="875764" y="2681480"/>
+            <a:ext cx="1803042" cy="216266"/>
+          </a:xfrm>
+          <a:prstGeom prst="rect">
+            <a:avLst/>
+          </a:prstGeom>
+          <a:noFill/>
+          <a:ln w="28575"/>
+        </p:spPr>
+        <p:style>
+          <a:lnRef idx="2">
+            <a:schemeClr val="accent2"/>
+          </a:lnRef>
+          <a:fillRef idx="1">
+            <a:schemeClr val="lt1"/>
+          </a:fillRef>
+          <a:effectRef idx="0">
+            <a:schemeClr val="accent2"/>
+          </a:effectRef>
+          <a:fontRef idx="minor">
+            <a:schemeClr val="dk1"/>
+          </a:fontRef>
+        </p:style>
+        <p:txBody>
+          <a:bodyPr rtlCol="0" anchor="ctr"/>
+          <a:lstStyle/>
+          <a:p>
+            <a:pPr algn="ctr"/>
+            <a:endParaRPr kumimoji="1" lang="ja-JP" altLang="en-US"/>
+          </a:p>
+        </p:txBody>
+      </p:sp>
+      <p:sp>
+        <p:nvSpPr>
+          <p:cNvPr id="9" name="正方形/長方形 8"/>
+          <p:cNvSpPr/>
+          <p:nvPr/>
+        </p:nvSpPr>
+        <p:spPr>
+          <a:xfrm>
+            <a:off x="875764" y="2935663"/>
+            <a:ext cx="1803042" cy="424014"/>
+          </a:xfrm>
+          <a:prstGeom prst="rect">
+            <a:avLst/>
+          </a:prstGeom>
+          <a:noFill/>
+          <a:ln w="28575"/>
+        </p:spPr>
+        <p:style>
+          <a:lnRef idx="2">
+            <a:schemeClr val="accent2"/>
+          </a:lnRef>
+          <a:fillRef idx="1">
+            <a:schemeClr val="lt1"/>
+          </a:fillRef>
+          <a:effectRef idx="0">
+            <a:schemeClr val="accent2"/>
+          </a:effectRef>
+          <a:fontRef idx="minor">
+            <a:schemeClr val="dk1"/>
+          </a:fontRef>
+        </p:style>
+        <p:txBody>
+          <a:bodyPr rtlCol="0" anchor="ctr"/>
+          <a:lstStyle/>
+          <a:p>
+            <a:pPr algn="ctr"/>
+            <a:endParaRPr kumimoji="1" lang="ja-JP" altLang="en-US"/>
+          </a:p>
+        </p:txBody>
+      </p:sp>
+    </p:spTree>
+    <p:extLst>
+      <p:ext uri="{BB962C8B-B14F-4D97-AF65-F5344CB8AC3E}">
+        <p14:creationId xmlns:p14="http://schemas.microsoft.com/office/powerpoint/2010/main" val="3593746302"/>
+      </p:ext>
+    </p:extLst>
+  </p:cSld>
+  <p:clrMapOvr>
+    <a:masterClrMapping/>
+  </p:clrMapOvr>
+  <p:timing>
+    <p:tnLst>
+      <p:par>
+        <p:cTn id="1" dur="indefinite" restart="never" nodeType="tmRoot"/>
+      </p:par>
+    </p:tnLst>
+  </p:timing>
+</p:sld>
+</file>
+
+<file path=ppt/slides/slide26.xml><?xml version="1.0" encoding="utf-8"?>
+<p:sld xmlns:a="http://schemas.openxmlformats.org/drawingml/2006/main" xmlns:r="http://schemas.openxmlformats.org/officeDocument/2006/relationships" xmlns:p="http://schemas.openxmlformats.org/presentationml/2006/main">
+  <p:cSld>
+    <p:spTree>
+      <p:nvGrpSpPr>
+        <p:cNvPr id="1" name=""/>
+        <p:cNvGrpSpPr/>
+        <p:nvPr/>
+      </p:nvGrpSpPr>
+      <p:grpSpPr>
+        <a:xfrm>
+          <a:off x="0" y="0"/>
+          <a:ext cx="0" cy="0"/>
+          <a:chOff x="0" y="0"/>
+          <a:chExt cx="0" cy="0"/>
+        </a:xfrm>
+      </p:grpSpPr>
+      <p:sp>
+        <p:nvSpPr>
+          <p:cNvPr id="2" name="タイトル 1"/>
+          <p:cNvSpPr>
+            <a:spLocks noGrp="1"/>
+          </p:cNvSpPr>
+          <p:nvPr>
+            <p:ph type="title"/>
+          </p:nvPr>
+        </p:nvSpPr>
+        <p:spPr>
+          <a:xfrm>
+            <a:off x="555219" y="284176"/>
+            <a:ext cx="9784080" cy="915974"/>
+          </a:xfrm>
+        </p:spPr>
+        <p:txBody>
+          <a:bodyPr/>
+          <a:lstStyle/>
+          <a:p>
+            <a:r>
+              <a:rPr lang="ja-JP" altLang="en-US" dirty="0" smtClean="0"/>
+              <a:t>デバッグ環境構築</a:t>
+            </a:r>
+            <a:r>
+              <a:rPr kumimoji="1" lang="en-US" altLang="ja-JP" dirty="0" smtClean="0"/>
+              <a:t>-</a:t>
+            </a:r>
+            <a:r>
+              <a:rPr kumimoji="1" lang="en-US" altLang="ja-JP" dirty="0" err="1" smtClean="0"/>
+              <a:t>VSCode</a:t>
+            </a:r>
+            <a:r>
+              <a:rPr lang="ja-JP" altLang="en-US" dirty="0" smtClean="0"/>
+              <a:t>の拡張機能をインストール</a:t>
+            </a:r>
+            <a:endParaRPr kumimoji="1" lang="ja-JP" altLang="en-US" dirty="0"/>
+          </a:p>
+        </p:txBody>
+      </p:sp>
+      <p:sp>
+        <p:nvSpPr>
+          <p:cNvPr id="7" name="コンテンツ プレースホルダー 3"/>
+          <p:cNvSpPr txBox="1">
+            <a:spLocks/>
+          </p:cNvSpPr>
+          <p:nvPr/>
+        </p:nvSpPr>
+        <p:spPr>
+          <a:xfrm>
+            <a:off x="555219" y="1200150"/>
+            <a:ext cx="11164927" cy="873349"/>
+          </a:xfrm>
+          <a:prstGeom prst="rect">
+            <a:avLst/>
+          </a:prstGeom>
+          <a:solidFill>
+            <a:schemeClr val="accent1">
+              <a:lumMod val="20000"/>
+              <a:lumOff val="80000"/>
+            </a:schemeClr>
+          </a:solidFill>
+          <a:ln>
+            <a:solidFill>
+              <a:schemeClr val="accent1"/>
+            </a:solidFill>
+          </a:ln>
+        </p:spPr>
+        <p:txBody>
+          <a:bodyPr anchor="ctr"/>
+          <a:lstStyle>
+            <a:lvl1pPr marL="228600" indent="-228600" algn="l" defTabSz="914400" rtl="0" eaLnBrk="1" latinLnBrk="0" hangingPunct="1">
+              <a:lnSpc>
+                <a:spcPct val="90000"/>
+              </a:lnSpc>
+              <a:spcBef>
+                <a:spcPts val="1000"/>
+              </a:spcBef>
+              <a:buFont typeface="Arial" panose="020B0604020202020204" pitchFamily="34" charset="0"/>
+              <a:buChar char="•"/>
+              <a:defRPr kumimoji="1" sz="2000" kern="1200">
+                <a:solidFill>
+                  <a:schemeClr val="tx1"/>
+                </a:solidFill>
+                <a:latin typeface="Meiryo UI" panose="020B0604030504040204" pitchFamily="50" charset="-128"/>
+                <a:ea typeface="Meiryo UI" panose="020B0604030504040204" pitchFamily="50" charset="-128"/>
+                <a:cs typeface="+mn-cs"/>
+              </a:defRPr>
+            </a:lvl1pPr>
+            <a:lvl2pPr marL="685800" indent="-228600" algn="l" defTabSz="914400" rtl="0" eaLnBrk="1" latinLnBrk="0" hangingPunct="1">
+              <a:lnSpc>
+                <a:spcPct val="90000"/>
+              </a:lnSpc>
+              <a:spcBef>
+                <a:spcPts val="500"/>
+              </a:spcBef>
+              <a:buFont typeface="Arial" panose="020B0604020202020204" pitchFamily="34" charset="0"/>
+              <a:buChar char="•"/>
+              <a:defRPr kumimoji="1" sz="1800" kern="1200">
+                <a:solidFill>
+                  <a:schemeClr val="tx1"/>
+                </a:solidFill>
+                <a:latin typeface="Meiryo UI" panose="020B0604030504040204" pitchFamily="50" charset="-128"/>
+                <a:ea typeface="Meiryo UI" panose="020B0604030504040204" pitchFamily="50" charset="-128"/>
+                <a:cs typeface="+mn-cs"/>
+              </a:defRPr>
+            </a:lvl2pPr>
+            <a:lvl3pPr marL="1143000" indent="-228600" algn="l" defTabSz="914400" rtl="0" eaLnBrk="1" latinLnBrk="0" hangingPunct="1">
+              <a:lnSpc>
+                <a:spcPct val="90000"/>
+              </a:lnSpc>
+              <a:spcBef>
+                <a:spcPts val="500"/>
+              </a:spcBef>
+              <a:buFont typeface="Arial" panose="020B0604020202020204" pitchFamily="34" charset="0"/>
+              <a:buChar char="•"/>
+              <a:defRPr kumimoji="1" sz="1600" kern="1200">
+                <a:solidFill>
+                  <a:schemeClr val="tx1"/>
+                </a:solidFill>
+                <a:latin typeface="Meiryo UI" panose="020B0604030504040204" pitchFamily="50" charset="-128"/>
+                <a:ea typeface="Meiryo UI" panose="020B0604030504040204" pitchFamily="50" charset="-128"/>
+                <a:cs typeface="+mn-cs"/>
+              </a:defRPr>
+            </a:lvl3pPr>
+            <a:lvl4pPr marL="1600200" indent="-228600" algn="l" defTabSz="914400" rtl="0" eaLnBrk="1" latinLnBrk="0" hangingPunct="1">
+              <a:lnSpc>
+                <a:spcPct val="90000"/>
+              </a:lnSpc>
+              <a:spcBef>
+                <a:spcPts val="500"/>
+              </a:spcBef>
+              <a:buFont typeface="Arial" panose="020B0604020202020204" pitchFamily="34" charset="0"/>
+              <a:buChar char="•"/>
+              <a:defRPr kumimoji="1" sz="1400" kern="1200">
+                <a:solidFill>
+                  <a:schemeClr val="tx1"/>
+                </a:solidFill>
+                <a:latin typeface="Meiryo UI" panose="020B0604030504040204" pitchFamily="50" charset="-128"/>
+                <a:ea typeface="Meiryo UI" panose="020B0604030504040204" pitchFamily="50" charset="-128"/>
+                <a:cs typeface="+mn-cs"/>
+              </a:defRPr>
+            </a:lvl4pPr>
+            <a:lvl5pPr marL="2057400" indent="-228600" algn="l" defTabSz="914400" rtl="0" eaLnBrk="1" latinLnBrk="0" hangingPunct="1">
+              <a:lnSpc>
+                <a:spcPct val="90000"/>
+              </a:lnSpc>
+              <a:spcBef>
+                <a:spcPts val="500"/>
+              </a:spcBef>
+              <a:buFont typeface="Arial" panose="020B0604020202020204" pitchFamily="34" charset="0"/>
+              <a:buChar char="•"/>
+              <a:defRPr kumimoji="1" sz="1200" kern="1200">
+                <a:solidFill>
+                  <a:schemeClr val="tx1"/>
+                </a:solidFill>
+                <a:latin typeface="Meiryo UI" panose="020B0604030504040204" pitchFamily="50" charset="-128"/>
+                <a:ea typeface="Meiryo UI" panose="020B0604030504040204" pitchFamily="50" charset="-128"/>
+                <a:cs typeface="+mn-cs"/>
+              </a:defRPr>
+            </a:lvl5pPr>
+            <a:lvl6pPr marL="2514600" indent="-228600" algn="l" defTabSz="914400" rtl="0" eaLnBrk="1" latinLnBrk="0" hangingPunct="1">
+              <a:lnSpc>
+                <a:spcPct val="90000"/>
+              </a:lnSpc>
+              <a:spcBef>
+                <a:spcPts val="500"/>
+              </a:spcBef>
+              <a:buFont typeface="Arial" panose="020B0604020202020204" pitchFamily="34" charset="0"/>
+              <a:buChar char="•"/>
+              <a:defRPr kumimoji="1" sz="1800" kern="1200">
+                <a:solidFill>
+                  <a:schemeClr val="tx1"/>
+                </a:solidFill>
+                <a:latin typeface="+mn-lt"/>
+                <a:ea typeface="+mn-ea"/>
+                <a:cs typeface="+mn-cs"/>
+              </a:defRPr>
+            </a:lvl6pPr>
+            <a:lvl7pPr marL="2971800" indent="-228600" algn="l" defTabSz="914400" rtl="0" eaLnBrk="1" latinLnBrk="0" hangingPunct="1">
+              <a:lnSpc>
+                <a:spcPct val="90000"/>
+              </a:lnSpc>
+              <a:spcBef>
+                <a:spcPts val="500"/>
+              </a:spcBef>
+              <a:buFont typeface="Arial" panose="020B0604020202020204" pitchFamily="34" charset="0"/>
+              <a:buChar char="•"/>
+              <a:defRPr kumimoji="1" sz="1800" kern="1200">
+                <a:solidFill>
+                  <a:schemeClr val="tx1"/>
+                </a:solidFill>
+                <a:latin typeface="+mn-lt"/>
+                <a:ea typeface="+mn-ea"/>
+                <a:cs typeface="+mn-cs"/>
+              </a:defRPr>
+            </a:lvl7pPr>
+            <a:lvl8pPr marL="3429000" indent="-228600" algn="l" defTabSz="914400" rtl="0" eaLnBrk="1" latinLnBrk="0" hangingPunct="1">
+              <a:lnSpc>
+                <a:spcPct val="90000"/>
+              </a:lnSpc>
+              <a:spcBef>
+                <a:spcPts val="500"/>
+              </a:spcBef>
+              <a:buFont typeface="Arial" panose="020B0604020202020204" pitchFamily="34" charset="0"/>
+              <a:buChar char="•"/>
+              <a:defRPr kumimoji="1" sz="1800" kern="1200">
+                <a:solidFill>
+                  <a:schemeClr val="tx1"/>
+                </a:solidFill>
+                <a:latin typeface="+mn-lt"/>
+                <a:ea typeface="+mn-ea"/>
+                <a:cs typeface="+mn-cs"/>
+              </a:defRPr>
+            </a:lvl8pPr>
+            <a:lvl9pPr marL="3886200" indent="-228600" algn="l" defTabSz="914400" rtl="0" eaLnBrk="1" latinLnBrk="0" hangingPunct="1">
+              <a:lnSpc>
+                <a:spcPct val="90000"/>
+              </a:lnSpc>
+              <a:spcBef>
+                <a:spcPts val="500"/>
+              </a:spcBef>
+              <a:buFont typeface="Arial" panose="020B0604020202020204" pitchFamily="34" charset="0"/>
+              <a:buChar char="•"/>
+              <a:defRPr kumimoji="1" sz="1800" kern="1200">
+                <a:solidFill>
+                  <a:schemeClr val="tx1"/>
+                </a:solidFill>
+                <a:latin typeface="+mn-lt"/>
+                <a:ea typeface="+mn-ea"/>
+                <a:cs typeface="+mn-cs"/>
+              </a:defRPr>
+            </a:lvl9pPr>
+          </a:lstStyle>
+          <a:p>
+            <a:pPr marL="0" indent="0">
+              <a:buNone/>
+            </a:pPr>
+            <a:r>
+              <a:rPr lang="ja-JP" altLang="en-US" dirty="0" smtClean="0"/>
+              <a:t>ワーク</a:t>
+            </a:r>
+            <a:r>
+              <a:rPr lang="ja-JP" altLang="en-US" dirty="0"/>
+              <a:t>スペース</a:t>
+            </a:r>
+            <a:r>
+              <a:rPr lang="ja-JP" altLang="en-US" dirty="0" smtClean="0"/>
+              <a:t>の追加</a:t>
+            </a:r>
+            <a:endParaRPr lang="en-US" altLang="ja-JP" dirty="0" smtClean="0"/>
+          </a:p>
+          <a:p>
+            <a:pPr marL="0" indent="0">
+              <a:buNone/>
+            </a:pPr>
+            <a:r>
+              <a:rPr lang="en-US" altLang="ja-JP" dirty="0" smtClean="0"/>
+              <a:t>tutorial</a:t>
+            </a:r>
+            <a:r>
+              <a:rPr lang="ja-JP" altLang="en-US" dirty="0" smtClean="0"/>
+              <a:t>の選択して、追加する</a:t>
+            </a:r>
+            <a:endParaRPr lang="ja-JP" altLang="en-US" dirty="0"/>
+          </a:p>
+        </p:txBody>
+      </p:sp>
+      <p:pic>
+        <p:nvPicPr>
+          <p:cNvPr id="3" name="図 2"/>
+          <p:cNvPicPr>
+            <a:picLocks noChangeAspect="1"/>
+          </p:cNvPicPr>
+          <p:nvPr/>
+        </p:nvPicPr>
+        <p:blipFill>
+          <a:blip r:embed="rId2"/>
+          <a:stretch>
+            <a:fillRect/>
+          </a:stretch>
+        </p:blipFill>
+        <p:spPr>
+          <a:xfrm>
+            <a:off x="555219" y="2303005"/>
+            <a:ext cx="6589690" cy="3511929"/>
+          </a:xfrm>
+          <a:prstGeom prst="rect">
+            <a:avLst/>
+          </a:prstGeom>
+        </p:spPr>
+      </p:pic>
+      <p:sp>
+        <p:nvSpPr>
+          <p:cNvPr id="10" name="正方形/長方形 9"/>
+          <p:cNvSpPr/>
+          <p:nvPr/>
+        </p:nvSpPr>
+        <p:spPr>
+          <a:xfrm>
+            <a:off x="555219" y="2473844"/>
+            <a:ext cx="320544" cy="269358"/>
+          </a:xfrm>
+          <a:prstGeom prst="rect">
+            <a:avLst/>
+          </a:prstGeom>
+          <a:noFill/>
+          <a:ln w="28575"/>
+        </p:spPr>
+        <p:style>
+          <a:lnRef idx="2">
+            <a:schemeClr val="accent2"/>
+          </a:lnRef>
+          <a:fillRef idx="1">
+            <a:schemeClr val="lt1"/>
+          </a:fillRef>
+          <a:effectRef idx="0">
+            <a:schemeClr val="accent2"/>
+          </a:effectRef>
+          <a:fontRef idx="minor">
+            <a:schemeClr val="dk1"/>
+          </a:fontRef>
+        </p:style>
+        <p:txBody>
+          <a:bodyPr rtlCol="0" anchor="ctr"/>
+          <a:lstStyle/>
+          <a:p>
+            <a:pPr algn="ctr"/>
+            <a:endParaRPr kumimoji="1" lang="ja-JP" altLang="en-US"/>
+          </a:p>
+        </p:txBody>
+      </p:sp>
+      <p:sp>
+        <p:nvSpPr>
+          <p:cNvPr id="11" name="正方形/長方形 10"/>
+          <p:cNvSpPr/>
+          <p:nvPr/>
+        </p:nvSpPr>
+        <p:spPr>
+          <a:xfrm>
+            <a:off x="875763" y="3089883"/>
+            <a:ext cx="1326524" cy="323018"/>
+          </a:xfrm>
+          <a:prstGeom prst="rect">
+            <a:avLst/>
+          </a:prstGeom>
+          <a:noFill/>
+          <a:ln w="28575"/>
+        </p:spPr>
+        <p:style>
+          <a:lnRef idx="2">
+            <a:schemeClr val="accent2"/>
+          </a:lnRef>
+          <a:fillRef idx="1">
+            <a:schemeClr val="lt1"/>
+          </a:fillRef>
+          <a:effectRef idx="0">
+            <a:schemeClr val="accent2"/>
+          </a:effectRef>
+          <a:fontRef idx="minor">
+            <a:schemeClr val="dk1"/>
+          </a:fontRef>
+        </p:style>
+        <p:txBody>
+          <a:bodyPr rtlCol="0" anchor="ctr"/>
+          <a:lstStyle/>
+          <a:p>
+            <a:pPr algn="ctr"/>
+            <a:endParaRPr kumimoji="1" lang="ja-JP" altLang="en-US"/>
+          </a:p>
+        </p:txBody>
+      </p:sp>
+    </p:spTree>
+    <p:extLst>
+      <p:ext uri="{BB962C8B-B14F-4D97-AF65-F5344CB8AC3E}">
+        <p14:creationId xmlns:p14="http://schemas.microsoft.com/office/powerpoint/2010/main" val="2524463407"/>
+      </p:ext>
+    </p:extLst>
+  </p:cSld>
+  <p:clrMapOvr>
+    <a:masterClrMapping/>
+  </p:clrMapOvr>
+  <p:timing>
+    <p:tnLst>
+      <p:par>
+        <p:cTn id="1" dur="indefinite" restart="never" nodeType="tmRoot"/>
+      </p:par>
+    </p:tnLst>
+  </p:timing>
+</p:sld>
+</file>
+
+<file path=ppt/slides/slide27.xml><?xml version="1.0" encoding="utf-8"?>
+<p:sld xmlns:a="http://schemas.openxmlformats.org/drawingml/2006/main" xmlns:r="http://schemas.openxmlformats.org/officeDocument/2006/relationships" xmlns:p="http://schemas.openxmlformats.org/presentationml/2006/main">
+  <p:cSld>
+    <p:spTree>
+      <p:nvGrpSpPr>
+        <p:cNvPr id="1" name=""/>
+        <p:cNvGrpSpPr/>
+        <p:nvPr/>
+      </p:nvGrpSpPr>
+      <p:grpSpPr>
+        <a:xfrm>
+          <a:off x="0" y="0"/>
+          <a:ext cx="0" cy="0"/>
+          <a:chOff x="0" y="0"/>
+          <a:chExt cx="0" cy="0"/>
+        </a:xfrm>
+      </p:grpSpPr>
+      <p:pic>
+        <p:nvPicPr>
+          <p:cNvPr id="4" name="図 3"/>
+          <p:cNvPicPr>
+            <a:picLocks noChangeAspect="1"/>
+          </p:cNvPicPr>
+          <p:nvPr/>
+        </p:nvPicPr>
+        <p:blipFill>
+          <a:blip r:embed="rId2"/>
+          <a:stretch>
+            <a:fillRect/>
+          </a:stretch>
+        </p:blipFill>
+        <p:spPr>
+          <a:xfrm>
+            <a:off x="555219" y="2215167"/>
+            <a:ext cx="7165327" cy="3818710"/>
+          </a:xfrm>
+          <a:prstGeom prst="rect">
+            <a:avLst/>
+          </a:prstGeom>
+        </p:spPr>
+      </p:pic>
+      <p:sp>
+        <p:nvSpPr>
+          <p:cNvPr id="2" name="タイトル 1"/>
+          <p:cNvSpPr>
+            <a:spLocks noGrp="1"/>
+          </p:cNvSpPr>
+          <p:nvPr>
+            <p:ph type="title"/>
+          </p:nvPr>
+        </p:nvSpPr>
+        <p:spPr>
+          <a:xfrm>
+            <a:off x="555219" y="284176"/>
+            <a:ext cx="9784080" cy="915974"/>
+          </a:xfrm>
+        </p:spPr>
+        <p:txBody>
+          <a:bodyPr/>
+          <a:lstStyle/>
+          <a:p>
+            <a:r>
+              <a:rPr lang="ja-JP" altLang="en-US" dirty="0" smtClean="0"/>
+              <a:t>デバッグ環境構築</a:t>
+            </a:r>
+            <a:r>
+              <a:rPr kumimoji="1" lang="en-US" altLang="ja-JP" dirty="0" smtClean="0"/>
+              <a:t>-</a:t>
+            </a:r>
+            <a:r>
+              <a:rPr kumimoji="1" lang="en-US" altLang="ja-JP" dirty="0" err="1" smtClean="0"/>
+              <a:t>VSCode</a:t>
+            </a:r>
+            <a:r>
+              <a:rPr lang="ja-JP" altLang="en-US" dirty="0" smtClean="0"/>
+              <a:t>の拡張機能をインストール</a:t>
+            </a:r>
+            <a:endParaRPr kumimoji="1" lang="ja-JP" altLang="en-US" dirty="0"/>
+          </a:p>
+        </p:txBody>
+      </p:sp>
+      <p:sp>
+        <p:nvSpPr>
+          <p:cNvPr id="7" name="コンテンツ プレースホルダー 3"/>
+          <p:cNvSpPr txBox="1">
+            <a:spLocks/>
+          </p:cNvSpPr>
+          <p:nvPr/>
+        </p:nvSpPr>
+        <p:spPr>
+          <a:xfrm>
+            <a:off x="555219" y="1200150"/>
+            <a:ext cx="11164927" cy="873349"/>
+          </a:xfrm>
+          <a:prstGeom prst="rect">
+            <a:avLst/>
+          </a:prstGeom>
+          <a:solidFill>
+            <a:schemeClr val="accent1">
+              <a:lumMod val="20000"/>
+              <a:lumOff val="80000"/>
+            </a:schemeClr>
+          </a:solidFill>
+          <a:ln>
+            <a:solidFill>
+              <a:schemeClr val="accent1"/>
+            </a:solidFill>
+          </a:ln>
+        </p:spPr>
+        <p:txBody>
+          <a:bodyPr anchor="ctr"/>
+          <a:lstStyle>
+            <a:lvl1pPr marL="228600" indent="-228600" algn="l" defTabSz="914400" rtl="0" eaLnBrk="1" latinLnBrk="0" hangingPunct="1">
+              <a:lnSpc>
+                <a:spcPct val="90000"/>
+              </a:lnSpc>
+              <a:spcBef>
+                <a:spcPts val="1000"/>
+              </a:spcBef>
+              <a:buFont typeface="Arial" panose="020B0604020202020204" pitchFamily="34" charset="0"/>
+              <a:buChar char="•"/>
+              <a:defRPr kumimoji="1" sz="2000" kern="1200">
+                <a:solidFill>
+                  <a:schemeClr val="tx1"/>
+                </a:solidFill>
+                <a:latin typeface="Meiryo UI" panose="020B0604030504040204" pitchFamily="50" charset="-128"/>
+                <a:ea typeface="Meiryo UI" panose="020B0604030504040204" pitchFamily="50" charset="-128"/>
+                <a:cs typeface="+mn-cs"/>
+              </a:defRPr>
+            </a:lvl1pPr>
+            <a:lvl2pPr marL="685800" indent="-228600" algn="l" defTabSz="914400" rtl="0" eaLnBrk="1" latinLnBrk="0" hangingPunct="1">
+              <a:lnSpc>
+                <a:spcPct val="90000"/>
+              </a:lnSpc>
+              <a:spcBef>
+                <a:spcPts val="500"/>
+              </a:spcBef>
+              <a:buFont typeface="Arial" panose="020B0604020202020204" pitchFamily="34" charset="0"/>
+              <a:buChar char="•"/>
+              <a:defRPr kumimoji="1" sz="1800" kern="1200">
+                <a:solidFill>
+                  <a:schemeClr val="tx1"/>
+                </a:solidFill>
+                <a:latin typeface="Meiryo UI" panose="020B0604030504040204" pitchFamily="50" charset="-128"/>
+                <a:ea typeface="Meiryo UI" panose="020B0604030504040204" pitchFamily="50" charset="-128"/>
+                <a:cs typeface="+mn-cs"/>
+              </a:defRPr>
+            </a:lvl2pPr>
+            <a:lvl3pPr marL="1143000" indent="-228600" algn="l" defTabSz="914400" rtl="0" eaLnBrk="1" latinLnBrk="0" hangingPunct="1">
+              <a:lnSpc>
+                <a:spcPct val="90000"/>
+              </a:lnSpc>
+              <a:spcBef>
+                <a:spcPts val="500"/>
+              </a:spcBef>
+              <a:buFont typeface="Arial" panose="020B0604020202020204" pitchFamily="34" charset="0"/>
+              <a:buChar char="•"/>
+              <a:defRPr kumimoji="1" sz="1600" kern="1200">
+                <a:solidFill>
+                  <a:schemeClr val="tx1"/>
+                </a:solidFill>
+                <a:latin typeface="Meiryo UI" panose="020B0604030504040204" pitchFamily="50" charset="-128"/>
+                <a:ea typeface="Meiryo UI" panose="020B0604030504040204" pitchFamily="50" charset="-128"/>
+                <a:cs typeface="+mn-cs"/>
+              </a:defRPr>
+            </a:lvl3pPr>
+            <a:lvl4pPr marL="1600200" indent="-228600" algn="l" defTabSz="914400" rtl="0" eaLnBrk="1" latinLnBrk="0" hangingPunct="1">
+              <a:lnSpc>
+                <a:spcPct val="90000"/>
+              </a:lnSpc>
+              <a:spcBef>
+                <a:spcPts val="500"/>
+              </a:spcBef>
+              <a:buFont typeface="Arial" panose="020B0604020202020204" pitchFamily="34" charset="0"/>
+              <a:buChar char="•"/>
+              <a:defRPr kumimoji="1" sz="1400" kern="1200">
+                <a:solidFill>
+                  <a:schemeClr val="tx1"/>
+                </a:solidFill>
+                <a:latin typeface="Meiryo UI" panose="020B0604030504040204" pitchFamily="50" charset="-128"/>
+                <a:ea typeface="Meiryo UI" panose="020B0604030504040204" pitchFamily="50" charset="-128"/>
+                <a:cs typeface="+mn-cs"/>
+              </a:defRPr>
+            </a:lvl4pPr>
+            <a:lvl5pPr marL="2057400" indent="-228600" algn="l" defTabSz="914400" rtl="0" eaLnBrk="1" latinLnBrk="0" hangingPunct="1">
+              <a:lnSpc>
+                <a:spcPct val="90000"/>
+              </a:lnSpc>
+              <a:spcBef>
+                <a:spcPts val="500"/>
+              </a:spcBef>
+              <a:buFont typeface="Arial" panose="020B0604020202020204" pitchFamily="34" charset="0"/>
+              <a:buChar char="•"/>
+              <a:defRPr kumimoji="1" sz="1200" kern="1200">
+                <a:solidFill>
+                  <a:schemeClr val="tx1"/>
+                </a:solidFill>
+                <a:latin typeface="Meiryo UI" panose="020B0604030504040204" pitchFamily="50" charset="-128"/>
+                <a:ea typeface="Meiryo UI" panose="020B0604030504040204" pitchFamily="50" charset="-128"/>
+                <a:cs typeface="+mn-cs"/>
+              </a:defRPr>
+            </a:lvl5pPr>
+            <a:lvl6pPr marL="2514600" indent="-228600" algn="l" defTabSz="914400" rtl="0" eaLnBrk="1" latinLnBrk="0" hangingPunct="1">
+              <a:lnSpc>
+                <a:spcPct val="90000"/>
+              </a:lnSpc>
+              <a:spcBef>
+                <a:spcPts val="500"/>
+              </a:spcBef>
+              <a:buFont typeface="Arial" panose="020B0604020202020204" pitchFamily="34" charset="0"/>
+              <a:buChar char="•"/>
+              <a:defRPr kumimoji="1" sz="1800" kern="1200">
+                <a:solidFill>
+                  <a:schemeClr val="tx1"/>
+                </a:solidFill>
+                <a:latin typeface="+mn-lt"/>
+                <a:ea typeface="+mn-ea"/>
+                <a:cs typeface="+mn-cs"/>
+              </a:defRPr>
+            </a:lvl6pPr>
+            <a:lvl7pPr marL="2971800" indent="-228600" algn="l" defTabSz="914400" rtl="0" eaLnBrk="1" latinLnBrk="0" hangingPunct="1">
+              <a:lnSpc>
+                <a:spcPct val="90000"/>
+              </a:lnSpc>
+              <a:spcBef>
+                <a:spcPts val="500"/>
+              </a:spcBef>
+              <a:buFont typeface="Arial" panose="020B0604020202020204" pitchFamily="34" charset="0"/>
+              <a:buChar char="•"/>
+              <a:defRPr kumimoji="1" sz="1800" kern="1200">
+                <a:solidFill>
+                  <a:schemeClr val="tx1"/>
+                </a:solidFill>
+                <a:latin typeface="+mn-lt"/>
+                <a:ea typeface="+mn-ea"/>
+                <a:cs typeface="+mn-cs"/>
+              </a:defRPr>
+            </a:lvl7pPr>
+            <a:lvl8pPr marL="3429000" indent="-228600" algn="l" defTabSz="914400" rtl="0" eaLnBrk="1" latinLnBrk="0" hangingPunct="1">
+              <a:lnSpc>
+                <a:spcPct val="90000"/>
+              </a:lnSpc>
+              <a:spcBef>
+                <a:spcPts val="500"/>
+              </a:spcBef>
+              <a:buFont typeface="Arial" panose="020B0604020202020204" pitchFamily="34" charset="0"/>
+              <a:buChar char="•"/>
+              <a:defRPr kumimoji="1" sz="1800" kern="1200">
+                <a:solidFill>
+                  <a:schemeClr val="tx1"/>
+                </a:solidFill>
+                <a:latin typeface="+mn-lt"/>
+                <a:ea typeface="+mn-ea"/>
+                <a:cs typeface="+mn-cs"/>
+              </a:defRPr>
+            </a:lvl8pPr>
+            <a:lvl9pPr marL="3886200" indent="-228600" algn="l" defTabSz="914400" rtl="0" eaLnBrk="1" latinLnBrk="0" hangingPunct="1">
+              <a:lnSpc>
+                <a:spcPct val="90000"/>
+              </a:lnSpc>
+              <a:spcBef>
+                <a:spcPts val="500"/>
+              </a:spcBef>
+              <a:buFont typeface="Arial" panose="020B0604020202020204" pitchFamily="34" charset="0"/>
+              <a:buChar char="•"/>
+              <a:defRPr kumimoji="1" sz="1800" kern="1200">
+                <a:solidFill>
+                  <a:schemeClr val="tx1"/>
+                </a:solidFill>
+                <a:latin typeface="+mn-lt"/>
+                <a:ea typeface="+mn-ea"/>
+                <a:cs typeface="+mn-cs"/>
+              </a:defRPr>
+            </a:lvl9pPr>
+          </a:lstStyle>
+          <a:p>
+            <a:pPr marL="0" indent="0">
+              <a:buNone/>
+            </a:pPr>
+            <a:r>
+              <a:rPr lang="ja-JP" altLang="en-US" dirty="0" smtClean="0"/>
+              <a:t>デバッグ環境の設定</a:t>
+            </a:r>
+            <a:endParaRPr lang="en-US" altLang="ja-JP" dirty="0" smtClean="0"/>
+          </a:p>
+          <a:p>
+            <a:pPr marL="0" indent="0">
+              <a:buNone/>
+            </a:pPr>
+            <a:r>
+              <a:rPr lang="en-US" altLang="ja-JP" dirty="0" err="1"/>
+              <a:t>s</a:t>
+            </a:r>
+            <a:r>
+              <a:rPr lang="en-US" altLang="ja-JP" dirty="0" err="1" smtClean="0"/>
+              <a:t>imulata</a:t>
+            </a:r>
+            <a:r>
+              <a:rPr lang="en-US" altLang="ja-JP" dirty="0" smtClean="0"/>
+              <a:t> </a:t>
+            </a:r>
+            <a:r>
+              <a:rPr lang="en-US" altLang="ja-JP" dirty="0" err="1" smtClean="0"/>
+              <a:t>andoroid</a:t>
+            </a:r>
+            <a:r>
+              <a:rPr lang="en-US" altLang="ja-JP" dirty="0" smtClean="0"/>
+              <a:t> in browser</a:t>
+            </a:r>
+            <a:r>
+              <a:rPr lang="ja-JP" altLang="en-US" dirty="0" smtClean="0"/>
+              <a:t>を選択する</a:t>
+            </a:r>
+            <a:endParaRPr lang="en-US" altLang="ja-JP" dirty="0" smtClean="0"/>
+          </a:p>
+        </p:txBody>
+      </p:sp>
+      <p:sp>
+        <p:nvSpPr>
+          <p:cNvPr id="10" name="正方形/長方形 9"/>
+          <p:cNvSpPr/>
+          <p:nvPr/>
+        </p:nvSpPr>
+        <p:spPr>
+          <a:xfrm>
+            <a:off x="555219" y="3220819"/>
+            <a:ext cx="217513" cy="243598"/>
+          </a:xfrm>
+          <a:prstGeom prst="rect">
+            <a:avLst/>
+          </a:prstGeom>
+          <a:noFill/>
+          <a:ln w="28575"/>
+        </p:spPr>
+        <p:style>
+          <a:lnRef idx="2">
+            <a:schemeClr val="accent2"/>
+          </a:lnRef>
+          <a:fillRef idx="1">
+            <a:schemeClr val="lt1"/>
+          </a:fillRef>
+          <a:effectRef idx="0">
+            <a:schemeClr val="accent2"/>
+          </a:effectRef>
+          <a:fontRef idx="minor">
+            <a:schemeClr val="dk1"/>
+          </a:fontRef>
+        </p:style>
+        <p:txBody>
+          <a:bodyPr rtlCol="0" anchor="ctr"/>
+          <a:lstStyle/>
+          <a:p>
+            <a:pPr algn="ctr"/>
+            <a:endParaRPr kumimoji="1" lang="ja-JP" altLang="en-US"/>
+          </a:p>
+        </p:txBody>
+      </p:sp>
+      <p:sp>
+        <p:nvSpPr>
+          <p:cNvPr id="8" name="正方形/長方形 7"/>
+          <p:cNvSpPr/>
+          <p:nvPr/>
+        </p:nvSpPr>
+        <p:spPr>
+          <a:xfrm>
+            <a:off x="1248531" y="3464417"/>
+            <a:ext cx="1378759" cy="218941"/>
+          </a:xfrm>
+          <a:prstGeom prst="rect">
+            <a:avLst/>
+          </a:prstGeom>
+          <a:noFill/>
+          <a:ln w="28575"/>
+        </p:spPr>
+        <p:style>
+          <a:lnRef idx="2">
+            <a:schemeClr val="accent2"/>
+          </a:lnRef>
+          <a:fillRef idx="1">
+            <a:schemeClr val="lt1"/>
+          </a:fillRef>
+          <a:effectRef idx="0">
+            <a:schemeClr val="accent2"/>
+          </a:effectRef>
+          <a:fontRef idx="minor">
+            <a:schemeClr val="dk1"/>
+          </a:fontRef>
+        </p:style>
+        <p:txBody>
+          <a:bodyPr rtlCol="0" anchor="ctr"/>
+          <a:lstStyle/>
+          <a:p>
+            <a:pPr algn="ctr"/>
+            <a:endParaRPr kumimoji="1" lang="ja-JP" altLang="en-US"/>
+          </a:p>
+        </p:txBody>
+      </p:sp>
+    </p:spTree>
+    <p:extLst>
+      <p:ext uri="{BB962C8B-B14F-4D97-AF65-F5344CB8AC3E}">
+        <p14:creationId xmlns:p14="http://schemas.microsoft.com/office/powerpoint/2010/main" val="2537687783"/>
+      </p:ext>
+    </p:extLst>
+  </p:cSld>
+  <p:clrMapOvr>
+    <a:masterClrMapping/>
+  </p:clrMapOvr>
+  <p:timing>
+    <p:tnLst>
+      <p:par>
+        <p:cTn id="1" dur="indefinite" restart="never" nodeType="tmRoot"/>
+      </p:par>
+    </p:tnLst>
+  </p:timing>
+</p:sld>
+</file>
+
+<file path=ppt/slides/slide28.xml><?xml version="1.0" encoding="utf-8"?>
+<p:sld xmlns:a="http://schemas.openxmlformats.org/drawingml/2006/main" xmlns:r="http://schemas.openxmlformats.org/officeDocument/2006/relationships" xmlns:p="http://schemas.openxmlformats.org/presentationml/2006/main">
+  <p:cSld>
+    <p:spTree>
+      <p:nvGrpSpPr>
+        <p:cNvPr id="1" name=""/>
+        <p:cNvGrpSpPr/>
+        <p:nvPr/>
+      </p:nvGrpSpPr>
+      <p:grpSpPr>
+        <a:xfrm>
+          <a:off x="0" y="0"/>
+          <a:ext cx="0" cy="0"/>
+          <a:chOff x="0" y="0"/>
+          <a:chExt cx="0" cy="0"/>
+        </a:xfrm>
+      </p:grpSpPr>
+      <p:sp>
+        <p:nvSpPr>
+          <p:cNvPr id="2" name="タイトル 1"/>
+          <p:cNvSpPr>
+            <a:spLocks noGrp="1"/>
+          </p:cNvSpPr>
+          <p:nvPr>
+            <p:ph type="title"/>
+          </p:nvPr>
+        </p:nvSpPr>
+        <p:spPr>
+          <a:xfrm>
+            <a:off x="555219" y="284176"/>
+            <a:ext cx="9784080" cy="915974"/>
+          </a:xfrm>
+        </p:spPr>
+        <p:txBody>
+          <a:bodyPr/>
+          <a:lstStyle/>
+          <a:p>
+            <a:r>
+              <a:rPr lang="ja-JP" altLang="en-US" dirty="0" smtClean="0"/>
+              <a:t>デバッグ環境構築</a:t>
+            </a:r>
+            <a:r>
+              <a:rPr kumimoji="1" lang="en-US" altLang="ja-JP" dirty="0" smtClean="0"/>
+              <a:t>-</a:t>
+            </a:r>
+            <a:r>
+              <a:rPr kumimoji="1" lang="en-US" altLang="ja-JP" dirty="0" err="1" smtClean="0"/>
+              <a:t>VSCode</a:t>
+            </a:r>
+            <a:r>
+              <a:rPr lang="ja-JP" altLang="en-US" dirty="0" smtClean="0"/>
+              <a:t>の拡張機能をインストール</a:t>
+            </a:r>
+            <a:endParaRPr kumimoji="1" lang="ja-JP" altLang="en-US" dirty="0"/>
+          </a:p>
+        </p:txBody>
+      </p:sp>
+      <p:sp>
+        <p:nvSpPr>
+          <p:cNvPr id="7" name="コンテンツ プレースホルダー 3"/>
+          <p:cNvSpPr txBox="1">
+            <a:spLocks/>
+          </p:cNvSpPr>
+          <p:nvPr/>
+        </p:nvSpPr>
+        <p:spPr>
+          <a:xfrm>
+            <a:off x="555219" y="1200150"/>
+            <a:ext cx="11164927" cy="873349"/>
+          </a:xfrm>
+          <a:prstGeom prst="rect">
+            <a:avLst/>
+          </a:prstGeom>
+          <a:solidFill>
+            <a:schemeClr val="accent1">
+              <a:lumMod val="20000"/>
+              <a:lumOff val="80000"/>
+            </a:schemeClr>
+          </a:solidFill>
+          <a:ln>
+            <a:solidFill>
+              <a:schemeClr val="accent1"/>
+            </a:solidFill>
+          </a:ln>
+        </p:spPr>
+        <p:txBody>
+          <a:bodyPr anchor="ctr"/>
+          <a:lstStyle>
+            <a:lvl1pPr marL="228600" indent="-228600" algn="l" defTabSz="914400" rtl="0" eaLnBrk="1" latinLnBrk="0" hangingPunct="1">
+              <a:lnSpc>
+                <a:spcPct val="90000"/>
+              </a:lnSpc>
+              <a:spcBef>
+                <a:spcPts val="1000"/>
+              </a:spcBef>
+              <a:buFont typeface="Arial" panose="020B0604020202020204" pitchFamily="34" charset="0"/>
+              <a:buChar char="•"/>
+              <a:defRPr kumimoji="1" sz="2000" kern="1200">
+                <a:solidFill>
+                  <a:schemeClr val="tx1"/>
+                </a:solidFill>
+                <a:latin typeface="Meiryo UI" panose="020B0604030504040204" pitchFamily="50" charset="-128"/>
+                <a:ea typeface="Meiryo UI" panose="020B0604030504040204" pitchFamily="50" charset="-128"/>
+                <a:cs typeface="+mn-cs"/>
+              </a:defRPr>
+            </a:lvl1pPr>
+            <a:lvl2pPr marL="685800" indent="-228600" algn="l" defTabSz="914400" rtl="0" eaLnBrk="1" latinLnBrk="0" hangingPunct="1">
+              <a:lnSpc>
+                <a:spcPct val="90000"/>
+              </a:lnSpc>
+              <a:spcBef>
+                <a:spcPts val="500"/>
+              </a:spcBef>
+              <a:buFont typeface="Arial" panose="020B0604020202020204" pitchFamily="34" charset="0"/>
+              <a:buChar char="•"/>
+              <a:defRPr kumimoji="1" sz="1800" kern="1200">
+                <a:solidFill>
+                  <a:schemeClr val="tx1"/>
+                </a:solidFill>
+                <a:latin typeface="Meiryo UI" panose="020B0604030504040204" pitchFamily="50" charset="-128"/>
+                <a:ea typeface="Meiryo UI" panose="020B0604030504040204" pitchFamily="50" charset="-128"/>
+                <a:cs typeface="+mn-cs"/>
+              </a:defRPr>
+            </a:lvl2pPr>
+            <a:lvl3pPr marL="1143000" indent="-228600" algn="l" defTabSz="914400" rtl="0" eaLnBrk="1" latinLnBrk="0" hangingPunct="1">
+              <a:lnSpc>
+                <a:spcPct val="90000"/>
+              </a:lnSpc>
+              <a:spcBef>
+                <a:spcPts val="500"/>
+              </a:spcBef>
+              <a:buFont typeface="Arial" panose="020B0604020202020204" pitchFamily="34" charset="0"/>
+              <a:buChar char="•"/>
+              <a:defRPr kumimoji="1" sz="1600" kern="1200">
+                <a:solidFill>
+                  <a:schemeClr val="tx1"/>
+                </a:solidFill>
+                <a:latin typeface="Meiryo UI" panose="020B0604030504040204" pitchFamily="50" charset="-128"/>
+                <a:ea typeface="Meiryo UI" panose="020B0604030504040204" pitchFamily="50" charset="-128"/>
+                <a:cs typeface="+mn-cs"/>
+              </a:defRPr>
+            </a:lvl3pPr>
+            <a:lvl4pPr marL="1600200" indent="-228600" algn="l" defTabSz="914400" rtl="0" eaLnBrk="1" latinLnBrk="0" hangingPunct="1">
+              <a:lnSpc>
+                <a:spcPct val="90000"/>
+              </a:lnSpc>
+              <a:spcBef>
+                <a:spcPts val="500"/>
+              </a:spcBef>
+              <a:buFont typeface="Arial" panose="020B0604020202020204" pitchFamily="34" charset="0"/>
+              <a:buChar char="•"/>
+              <a:defRPr kumimoji="1" sz="1400" kern="1200">
+                <a:solidFill>
+                  <a:schemeClr val="tx1"/>
+                </a:solidFill>
+                <a:latin typeface="Meiryo UI" panose="020B0604030504040204" pitchFamily="50" charset="-128"/>
+                <a:ea typeface="Meiryo UI" panose="020B0604030504040204" pitchFamily="50" charset="-128"/>
+                <a:cs typeface="+mn-cs"/>
+              </a:defRPr>
+            </a:lvl4pPr>
+            <a:lvl5pPr marL="2057400" indent="-228600" algn="l" defTabSz="914400" rtl="0" eaLnBrk="1" latinLnBrk="0" hangingPunct="1">
+              <a:lnSpc>
+                <a:spcPct val="90000"/>
+              </a:lnSpc>
+              <a:spcBef>
+                <a:spcPts val="500"/>
+              </a:spcBef>
+              <a:buFont typeface="Arial" panose="020B0604020202020204" pitchFamily="34" charset="0"/>
+              <a:buChar char="•"/>
+              <a:defRPr kumimoji="1" sz="1200" kern="1200">
+                <a:solidFill>
+                  <a:schemeClr val="tx1"/>
+                </a:solidFill>
+                <a:latin typeface="Meiryo UI" panose="020B0604030504040204" pitchFamily="50" charset="-128"/>
+                <a:ea typeface="Meiryo UI" panose="020B0604030504040204" pitchFamily="50" charset="-128"/>
+                <a:cs typeface="+mn-cs"/>
+              </a:defRPr>
+            </a:lvl5pPr>
+            <a:lvl6pPr marL="2514600" indent="-228600" algn="l" defTabSz="914400" rtl="0" eaLnBrk="1" latinLnBrk="0" hangingPunct="1">
+              <a:lnSpc>
+                <a:spcPct val="90000"/>
+              </a:lnSpc>
+              <a:spcBef>
+                <a:spcPts val="500"/>
+              </a:spcBef>
+              <a:buFont typeface="Arial" panose="020B0604020202020204" pitchFamily="34" charset="0"/>
+              <a:buChar char="•"/>
+              <a:defRPr kumimoji="1" sz="1800" kern="1200">
+                <a:solidFill>
+                  <a:schemeClr val="tx1"/>
+                </a:solidFill>
+                <a:latin typeface="+mn-lt"/>
+                <a:ea typeface="+mn-ea"/>
+                <a:cs typeface="+mn-cs"/>
+              </a:defRPr>
+            </a:lvl6pPr>
+            <a:lvl7pPr marL="2971800" indent="-228600" algn="l" defTabSz="914400" rtl="0" eaLnBrk="1" latinLnBrk="0" hangingPunct="1">
+              <a:lnSpc>
+                <a:spcPct val="90000"/>
+              </a:lnSpc>
+              <a:spcBef>
+                <a:spcPts val="500"/>
+              </a:spcBef>
+              <a:buFont typeface="Arial" panose="020B0604020202020204" pitchFamily="34" charset="0"/>
+              <a:buChar char="•"/>
+              <a:defRPr kumimoji="1" sz="1800" kern="1200">
+                <a:solidFill>
+                  <a:schemeClr val="tx1"/>
+                </a:solidFill>
+                <a:latin typeface="+mn-lt"/>
+                <a:ea typeface="+mn-ea"/>
+                <a:cs typeface="+mn-cs"/>
+              </a:defRPr>
+            </a:lvl7pPr>
+            <a:lvl8pPr marL="3429000" indent="-228600" algn="l" defTabSz="914400" rtl="0" eaLnBrk="1" latinLnBrk="0" hangingPunct="1">
+              <a:lnSpc>
+                <a:spcPct val="90000"/>
+              </a:lnSpc>
+              <a:spcBef>
+                <a:spcPts val="500"/>
+              </a:spcBef>
+              <a:buFont typeface="Arial" panose="020B0604020202020204" pitchFamily="34" charset="0"/>
+              <a:buChar char="•"/>
+              <a:defRPr kumimoji="1" sz="1800" kern="1200">
+                <a:solidFill>
+                  <a:schemeClr val="tx1"/>
+                </a:solidFill>
+                <a:latin typeface="+mn-lt"/>
+                <a:ea typeface="+mn-ea"/>
+                <a:cs typeface="+mn-cs"/>
+              </a:defRPr>
+            </a:lvl8pPr>
+            <a:lvl9pPr marL="3886200" indent="-228600" algn="l" defTabSz="914400" rtl="0" eaLnBrk="1" latinLnBrk="0" hangingPunct="1">
+              <a:lnSpc>
+                <a:spcPct val="90000"/>
+              </a:lnSpc>
+              <a:spcBef>
+                <a:spcPts val="500"/>
+              </a:spcBef>
+              <a:buFont typeface="Arial" panose="020B0604020202020204" pitchFamily="34" charset="0"/>
+              <a:buChar char="•"/>
+              <a:defRPr kumimoji="1" sz="1800" kern="1200">
+                <a:solidFill>
+                  <a:schemeClr val="tx1"/>
+                </a:solidFill>
+                <a:latin typeface="+mn-lt"/>
+                <a:ea typeface="+mn-ea"/>
+                <a:cs typeface="+mn-cs"/>
+              </a:defRPr>
+            </a:lvl9pPr>
+          </a:lstStyle>
+          <a:p>
+            <a:pPr marL="0" indent="0">
+              <a:buNone/>
+            </a:pPr>
+            <a:r>
+              <a:rPr lang="ja-JP" altLang="en-US" dirty="0" smtClean="0"/>
+              <a:t>デバッグ</a:t>
+            </a:r>
+            <a:r>
+              <a:rPr lang="ja-JP" altLang="en-US" dirty="0" smtClean="0"/>
+              <a:t>実行</a:t>
+            </a:r>
+            <a:endParaRPr lang="en-US" altLang="ja-JP" dirty="0" smtClean="0"/>
+          </a:p>
+          <a:p>
+            <a:pPr marL="0" indent="0">
+              <a:buNone/>
+            </a:pPr>
+            <a:r>
+              <a:rPr lang="ja-JP" altLang="en-US" dirty="0" smtClean="0"/>
+              <a:t>再生ボタンを押すとブラウザでアプリが表示される。</a:t>
+            </a:r>
+            <a:endParaRPr lang="en-US" altLang="ja-JP" dirty="0" smtClean="0"/>
+          </a:p>
+        </p:txBody>
+      </p:sp>
+      <p:pic>
+        <p:nvPicPr>
+          <p:cNvPr id="3" name="図 2"/>
+          <p:cNvPicPr>
+            <a:picLocks noChangeAspect="1"/>
+          </p:cNvPicPr>
+          <p:nvPr/>
+        </p:nvPicPr>
+        <p:blipFill>
+          <a:blip r:embed="rId2"/>
+          <a:stretch>
+            <a:fillRect/>
+          </a:stretch>
+        </p:blipFill>
+        <p:spPr>
+          <a:xfrm>
+            <a:off x="555219" y="2265010"/>
+            <a:ext cx="4932913" cy="2628961"/>
+          </a:xfrm>
+          <a:prstGeom prst="rect">
+            <a:avLst/>
+          </a:prstGeom>
+        </p:spPr>
+      </p:pic>
+      <p:sp>
+        <p:nvSpPr>
+          <p:cNvPr id="9" name="正方形/長方形 8"/>
+          <p:cNvSpPr/>
+          <p:nvPr/>
+        </p:nvSpPr>
+        <p:spPr>
+          <a:xfrm>
+            <a:off x="913681" y="2382591"/>
+            <a:ext cx="181023" cy="206063"/>
+          </a:xfrm>
+          <a:prstGeom prst="rect">
+            <a:avLst/>
+          </a:prstGeom>
+          <a:noFill/>
+          <a:ln w="28575"/>
+        </p:spPr>
+        <p:style>
+          <a:lnRef idx="2">
+            <a:schemeClr val="accent2"/>
+          </a:lnRef>
+          <a:fillRef idx="1">
+            <a:schemeClr val="lt1"/>
+          </a:fillRef>
+          <a:effectRef idx="0">
+            <a:schemeClr val="accent2"/>
+          </a:effectRef>
+          <a:fontRef idx="minor">
+            <a:schemeClr val="dk1"/>
+          </a:fontRef>
+        </p:style>
+        <p:txBody>
+          <a:bodyPr rtlCol="0" anchor="ctr"/>
+          <a:lstStyle/>
+          <a:p>
+            <a:pPr algn="ctr"/>
+            <a:endParaRPr kumimoji="1" lang="ja-JP" altLang="en-US"/>
+          </a:p>
+        </p:txBody>
+      </p:sp>
+      <p:pic>
+        <p:nvPicPr>
+          <p:cNvPr id="5" name="図 4"/>
+          <p:cNvPicPr>
+            <a:picLocks noChangeAspect="1"/>
+          </p:cNvPicPr>
+          <p:nvPr/>
+        </p:nvPicPr>
+        <p:blipFill>
+          <a:blip r:embed="rId3"/>
+          <a:stretch>
+            <a:fillRect/>
+          </a:stretch>
+        </p:blipFill>
+        <p:spPr>
+          <a:xfrm>
+            <a:off x="6896295" y="2265010"/>
+            <a:ext cx="4254730" cy="2563701"/>
+          </a:xfrm>
+          <a:prstGeom prst="rect">
+            <a:avLst/>
+          </a:prstGeom>
+        </p:spPr>
+      </p:pic>
+      <p:sp>
+        <p:nvSpPr>
+          <p:cNvPr id="6" name="右矢印 5"/>
+          <p:cNvSpPr/>
+          <p:nvPr/>
+        </p:nvSpPr>
+        <p:spPr>
+          <a:xfrm>
+            <a:off x="5648478" y="2768121"/>
+            <a:ext cx="978408" cy="1622737"/>
+          </a:xfrm>
+          <a:prstGeom prst="rightArrow">
+            <a:avLst/>
+          </a:prstGeom>
         </p:spPr>
         <p:style>
           <a:lnRef idx="2">
@@ -9779,44 +12220,193 @@
           <a:bodyPr rtlCol="0" anchor="ctr"/>
           <a:lstStyle/>
           <a:p>
-            <a:pPr marL="285750" indent="-285750">
+            <a:pPr algn="ctr"/>
+            <a:endParaRPr kumimoji="1" lang="ja-JP" altLang="en-US"/>
+          </a:p>
+        </p:txBody>
+      </p:sp>
+      <p:sp>
+        <p:nvSpPr>
+          <p:cNvPr id="11" name="正方形/長方形 10"/>
+          <p:cNvSpPr/>
+          <p:nvPr/>
+        </p:nvSpPr>
+        <p:spPr>
+          <a:xfrm>
+            <a:off x="555219" y="5085480"/>
+            <a:ext cx="11164927" cy="1506829"/>
+          </a:xfrm>
+          <a:prstGeom prst="rect">
+            <a:avLst/>
+          </a:prstGeom>
+          <a:solidFill>
+            <a:schemeClr val="accent3">
+              <a:lumMod val="20000"/>
+              <a:lumOff val="80000"/>
+            </a:schemeClr>
+          </a:solidFill>
+        </p:spPr>
+        <p:style>
+          <a:lnRef idx="2">
+            <a:schemeClr val="accent1">
+              <a:shade val="50000"/>
+            </a:schemeClr>
+          </a:lnRef>
+          <a:fillRef idx="1">
+            <a:schemeClr val="accent1"/>
+          </a:fillRef>
+          <a:effectRef idx="0">
+            <a:schemeClr val="accent1"/>
+          </a:effectRef>
+          <a:fontRef idx="minor">
+            <a:schemeClr val="lt1"/>
+          </a:fontRef>
+        </p:style>
+        <p:txBody>
+          <a:bodyPr rtlCol="0" anchor="t"/>
+          <a:lstStyle/>
+          <a:p>
+            <a:pPr>
               <a:buClr>
-                <a:schemeClr val="bg1"/>
+                <a:schemeClr val="accent1">
+                  <a:lumMod val="75000"/>
+                </a:schemeClr>
               </a:buClr>
-              <a:buFont typeface="Wingdings" panose="05000000000000000000" pitchFamily="2" charset="2"/>
-              <a:buChar char="ü"/>
             </a:pPr>
             <a:r>
-              <a:rPr lang="en-US" altLang="ja-JP" dirty="0" err="1">
-                <a:solidFill>
-                  <a:schemeClr val="bg1"/>
-                </a:solidFill>
-              </a:rPr>
-              <a:t>cordova</a:t>
-            </a:r>
-            <a:r>
-              <a:rPr lang="en-US" altLang="ja-JP" dirty="0">
-                <a:solidFill>
-                  <a:schemeClr val="bg1"/>
-                </a:solidFill>
-              </a:rPr>
-              <a:t> run </a:t>
+              <a:rPr lang="ja-JP" altLang="en-US" dirty="0" smtClean="0">
+                <a:solidFill>
+                  <a:schemeClr val="tx1"/>
+                </a:solidFill>
+              </a:rPr>
+              <a:t>＜小ネタ＞</a:t>
+            </a:r>
+            <a:r>
+              <a:rPr lang="ja-JP" altLang="en-US" dirty="0">
+                <a:solidFill>
+                  <a:schemeClr val="tx1"/>
+                </a:solidFill>
+              </a:rPr>
+              <a:t>　</a:t>
             </a:r>
             <a:r>
               <a:rPr lang="en-US" altLang="ja-JP" dirty="0" smtClean="0">
                 <a:solidFill>
-                  <a:schemeClr val="bg1"/>
-                </a:solidFill>
-              </a:rPr>
-              <a:t>android</a:t>
-            </a:r>
+                  <a:schemeClr val="tx1"/>
+                </a:solidFill>
+              </a:rPr>
+              <a:t>-</a:t>
+            </a:r>
+            <a:r>
+              <a:rPr lang="ja-JP" altLang="en-US" dirty="0" smtClean="0">
+                <a:solidFill>
+                  <a:schemeClr val="tx1"/>
+                </a:solidFill>
+              </a:rPr>
+              <a:t>仮想デバイスに対する考察</a:t>
+            </a:r>
+            <a:endParaRPr lang="en-US" altLang="ja-JP" dirty="0" smtClean="0">
+              <a:solidFill>
+                <a:schemeClr val="tx1"/>
+              </a:solidFill>
+            </a:endParaRPr>
+          </a:p>
+          <a:p>
+            <a:pPr>
+              <a:buClr>
+                <a:schemeClr val="accent1">
+                  <a:lumMod val="75000"/>
+                </a:schemeClr>
+              </a:buClr>
+            </a:pPr>
+            <a:r>
+              <a:rPr lang="en-US" altLang="ja-JP" dirty="0" smtClean="0">
+                <a:solidFill>
+                  <a:schemeClr val="tx1"/>
+                </a:solidFill>
+              </a:rPr>
+              <a:t>Android studio</a:t>
+            </a:r>
+            <a:r>
+              <a:rPr lang="ja-JP" altLang="en-US" dirty="0" smtClean="0">
+                <a:solidFill>
+                  <a:schemeClr val="tx1"/>
+                </a:solidFill>
+              </a:rPr>
+              <a:t>を入れて仮想デバイスを作成して、アプリを起動させてみましたが</a:t>
+            </a:r>
+            <a:r>
+              <a:rPr lang="ja-JP" altLang="en-US" dirty="0" err="1" smtClean="0">
+                <a:solidFill>
+                  <a:schemeClr val="tx1"/>
+                </a:solidFill>
+              </a:rPr>
+              <a:t>、、、</a:t>
+            </a:r>
+            <a:endParaRPr lang="en-US" altLang="ja-JP" dirty="0" smtClean="0">
+              <a:solidFill>
+                <a:schemeClr val="tx1"/>
+              </a:solidFill>
+            </a:endParaRPr>
+          </a:p>
+          <a:p>
+            <a:pPr>
+              <a:buClr>
+                <a:schemeClr val="accent1">
+                  <a:lumMod val="75000"/>
+                </a:schemeClr>
+              </a:buClr>
+            </a:pPr>
+            <a:r>
+              <a:rPr lang="ja-JP" altLang="en-US" dirty="0" smtClean="0">
+                <a:solidFill>
+                  <a:schemeClr val="tx1"/>
+                </a:solidFill>
+              </a:rPr>
+              <a:t>動作が遅すぎる。（起動に５分ぐらいかかる）</a:t>
+            </a:r>
+            <a:r>
+              <a:rPr lang="ja-JP" altLang="en-US" dirty="0" smtClean="0">
+                <a:solidFill>
+                  <a:schemeClr val="tx1"/>
+                </a:solidFill>
+              </a:rPr>
+              <a:t>そのため、やめました。</a:t>
+            </a:r>
+            <a:endParaRPr lang="en-US" altLang="ja-JP" dirty="0" smtClean="0">
+              <a:solidFill>
+                <a:schemeClr val="tx1"/>
+              </a:solidFill>
+            </a:endParaRPr>
+          </a:p>
+          <a:p>
+            <a:pPr>
+              <a:buClr>
+                <a:schemeClr val="accent1">
+                  <a:lumMod val="75000"/>
+                </a:schemeClr>
+              </a:buClr>
+            </a:pPr>
+            <a:r>
+              <a:rPr lang="ja-JP" altLang="en-US" dirty="0" smtClean="0">
+                <a:solidFill>
+                  <a:schemeClr val="tx1"/>
+                </a:solidFill>
+              </a:rPr>
+              <a:t>いずれ、アプリを実機で確認しようと思っているが手順はまだない。</a:t>
+            </a:r>
+            <a:endParaRPr lang="en-US" altLang="ja-JP" dirty="0" smtClean="0">
+              <a:solidFill>
+                <a:schemeClr val="tx1"/>
+              </a:solidFill>
+            </a:endParaRPr>
           </a:p>
         </p:txBody>
       </p:sp>
     </p:spTree>
     <p:extLst>
       <p:ext uri="{BB962C8B-B14F-4D97-AF65-F5344CB8AC3E}">
-        <p14:creationId xmlns:p14="http://schemas.microsoft.com/office/powerpoint/2010/main" val="2626914058"/>
+        <p14:creationId xmlns:p14="http://schemas.microsoft.com/office/powerpoint/2010/main" val="1768319999"/>
       </p:ext>
     </p:extLst>
   </p:cSld>
@@ -10249,8 +12839,16 @@
           </a:lstStyle>
           <a:p>
             <a:r>
+              <a:rPr lang="ja-JP" altLang="en-US" dirty="0"/>
+              <a:t>デバック</a:t>
+            </a:r>
+            <a:r>
               <a:rPr lang="ja-JP" altLang="en-US" dirty="0" smtClean="0"/>
-              <a:t>スマホテスト環境準備</a:t>
+              <a:t>環境</a:t>
+            </a:r>
+            <a:r>
+              <a:rPr lang="ja-JP" altLang="en-US" dirty="0" smtClean="0"/>
+              <a:t>準備</a:t>
             </a:r>
             <a:endParaRPr lang="ja-JP" altLang="en-US" dirty="0"/>
           </a:p>

--- a/doc/01_勉強会/01_勉強会資料/20180719_勉強会/02.資料/04_開発環境構築.pptx
+++ b/doc/01_勉強会/01_勉強会資料/20180719_勉強会/02.資料/04_開発環境構築.pptx
@@ -29,10 +29,14 @@
     <p:sldId id="319" r:id="rId23"/>
     <p:sldId id="320" r:id="rId24"/>
     <p:sldId id="322" r:id="rId25"/>
-    <p:sldId id="323" r:id="rId26"/>
-    <p:sldId id="324" r:id="rId27"/>
-    <p:sldId id="325" r:id="rId28"/>
-    <p:sldId id="326" r:id="rId29"/>
+    <p:sldId id="327" r:id="rId26"/>
+    <p:sldId id="328" r:id="rId27"/>
+    <p:sldId id="329" r:id="rId28"/>
+    <p:sldId id="330" r:id="rId29"/>
+    <p:sldId id="323" r:id="rId30"/>
+    <p:sldId id="324" r:id="rId31"/>
+    <p:sldId id="325" r:id="rId32"/>
+    <p:sldId id="326" r:id="rId33"/>
   </p:sldIdLst>
   <p:sldSz cx="12192000" cy="6858000"/>
   <p:notesSz cx="6858000" cy="9144000"/>
@@ -228,7 +232,7 @@
           <a:p>
             <a:fld id="{2FA7D4A1-D6E2-4B97-8DF5-43A2A6E9364B}" type="datetimeFigureOut">
               <a:rPr kumimoji="1" lang="ja-JP" altLang="en-US" smtClean="0"/>
-              <a:t>2018/7/18</a:t>
+              <a:t>2018/7/19</a:t>
             </a:fld>
             <a:endParaRPr kumimoji="1" lang="ja-JP" altLang="en-US"/>
           </a:p>
@@ -695,7 +699,7 @@
           <a:p>
             <a:fld id="{2FA7D4A1-D6E2-4B97-8DF5-43A2A6E9364B}" type="datetimeFigureOut">
               <a:rPr kumimoji="1" lang="ja-JP" altLang="en-US" smtClean="0"/>
-              <a:t>2018/7/18</a:t>
+              <a:t>2018/7/19</a:t>
             </a:fld>
             <a:endParaRPr kumimoji="1" lang="ja-JP" altLang="en-US"/>
           </a:p>
@@ -1135,7 +1139,7 @@
           <a:p>
             <a:fld id="{2FA7D4A1-D6E2-4B97-8DF5-43A2A6E9364B}" type="datetimeFigureOut">
               <a:rPr kumimoji="1" lang="ja-JP" altLang="en-US" smtClean="0"/>
-              <a:t>2018/7/18</a:t>
+              <a:t>2018/7/19</a:t>
             </a:fld>
             <a:endParaRPr kumimoji="1" lang="ja-JP" altLang="en-US"/>
           </a:p>
@@ -1260,7 +1264,7 @@
           <a:p>
             <a:fld id="{2FA7D4A1-D6E2-4B97-8DF5-43A2A6E9364B}" type="datetimeFigureOut">
               <a:rPr kumimoji="1" lang="ja-JP" altLang="en-US" smtClean="0"/>
-              <a:t>2018/7/18</a:t>
+              <a:t>2018/7/19</a:t>
             </a:fld>
             <a:endParaRPr kumimoji="1" lang="ja-JP" altLang="en-US"/>
           </a:p>
@@ -1492,7 +1496,7 @@
           <a:p>
             <a:fld id="{2FA7D4A1-D6E2-4B97-8DF5-43A2A6E9364B}" type="datetimeFigureOut">
               <a:rPr kumimoji="1" lang="ja-JP" altLang="en-US" smtClean="0"/>
-              <a:t>2018/7/18</a:t>
+              <a:t>2018/7/19</a:t>
             </a:fld>
             <a:endParaRPr kumimoji="1" lang="ja-JP" altLang="en-US"/>
           </a:p>
@@ -1728,7 +1732,7 @@
                 </a:solidFill>
               </a:rPr>
               <a:pPr/>
-              <a:t>7/18/2018</a:t>
+              <a:t>7/19/2018</a:t>
             </a:fld>
             <a:endParaRPr lang="en-US" dirty="0">
               <a:solidFill>
@@ -2023,7 +2027,7 @@
           <a:p>
             <a:fld id="{2FA7D4A1-D6E2-4B97-8DF5-43A2A6E9364B}" type="datetimeFigureOut">
               <a:rPr kumimoji="1" lang="ja-JP" altLang="en-US" smtClean="0"/>
-              <a:t>2018/7/18</a:t>
+              <a:t>2018/7/19</a:t>
             </a:fld>
             <a:endParaRPr kumimoji="1" lang="ja-JP" altLang="en-US"/>
           </a:p>
@@ -3262,11 +3266,7 @@
             </a:r>
             <a:r>
               <a:rPr lang="ja-JP" altLang="en-US" dirty="0" smtClean="0"/>
-              <a:t>環境</a:t>
-            </a:r>
-            <a:r>
-              <a:rPr lang="ja-JP" altLang="en-US" dirty="0" smtClean="0"/>
-              <a:t>準備</a:t>
+              <a:t>環境準備</a:t>
             </a:r>
             <a:endParaRPr lang="ja-JP" altLang="en-US" dirty="0"/>
           </a:p>
@@ -3400,15 +3400,7 @@
                   <a:schemeClr val="tx1"/>
                 </a:solidFill>
               </a:rPr>
-              <a:t>モジュール</a:t>
-            </a:r>
-            <a:r>
-              <a:rPr kumimoji="1" lang="ja-JP" altLang="en-US" dirty="0" smtClean="0">
-                <a:solidFill>
-                  <a:schemeClr val="tx1"/>
-                </a:solidFill>
-              </a:rPr>
-              <a:t>の導入</a:t>
+              <a:t>モジュールの導入</a:t>
             </a:r>
             <a:endParaRPr kumimoji="1" lang="ja-JP" altLang="en-US" dirty="0">
               <a:solidFill>
@@ -8918,11 +8910,7 @@
             </a:r>
             <a:r>
               <a:rPr lang="ja-JP" altLang="en-US" dirty="0" smtClean="0"/>
-              <a:t>環境</a:t>
-            </a:r>
-            <a:r>
-              <a:rPr lang="ja-JP" altLang="en-US" dirty="0" smtClean="0"/>
-              <a:t>準備</a:t>
+              <a:t>環境準備</a:t>
             </a:r>
             <a:endParaRPr lang="ja-JP" altLang="en-US" dirty="0"/>
           </a:p>
@@ -9630,15 +9618,7 @@
                   <a:srgbClr val="FF0000"/>
                 </a:solidFill>
               </a:rPr>
-              <a:t>環境</a:t>
-            </a:r>
-            <a:r>
-              <a:rPr lang="ja-JP" altLang="en-US" dirty="0" smtClean="0">
-                <a:solidFill>
-                  <a:srgbClr val="FF0000"/>
-                </a:solidFill>
-              </a:rPr>
-              <a:t>準備</a:t>
+              <a:t>環境準備</a:t>
             </a:r>
             <a:endParaRPr lang="ja-JP" altLang="en-US" dirty="0">
               <a:solidFill>
@@ -10329,7 +10309,7 @@
       </p:sp>
       <p:sp>
         <p:nvSpPr>
-          <p:cNvPr id="7" name="コンテンツ プレースホルダー 3"/>
+          <p:cNvPr id="4" name="コンテンツ プレースホルダー 3"/>
           <p:cNvSpPr txBox="1">
             <a:spLocks/>
           </p:cNvSpPr>
@@ -10338,7 +10318,7 @@
         <p:spPr>
           <a:xfrm>
             <a:off x="555219" y="1200150"/>
-            <a:ext cx="11164927" cy="4930194"/>
+            <a:ext cx="11164927" cy="871416"/>
           </a:xfrm>
           <a:prstGeom prst="rect">
             <a:avLst/>
@@ -10527,22 +10507,238 @@
             </a:pPr>
             <a:r>
               <a:rPr lang="ja-JP" altLang="en-US" dirty="0" smtClean="0"/>
-              <a:t>インストール画面を取り忘れてました。</a:t>
-            </a:r>
-            <a:endParaRPr lang="en-US" altLang="ja-JP" dirty="0" smtClean="0"/>
-          </a:p>
-          <a:p>
-            <a:pPr marL="0" indent="0">
-              <a:buNone/>
-            </a:pPr>
-            <a:r>
-              <a:rPr lang="ja-JP" altLang="en-US" dirty="0" smtClean="0"/>
-              <a:t>すいません。</a:t>
+              <a:t>各種設定してインストールする。</a:t>
             </a:r>
             <a:endParaRPr lang="ja-JP" altLang="en-US" dirty="0"/>
           </a:p>
         </p:txBody>
       </p:sp>
+      <p:pic>
+        <p:nvPicPr>
+          <p:cNvPr id="5" name="図 4"/>
+          <p:cNvPicPr>
+            <a:picLocks noChangeAspect="1"/>
+          </p:cNvPicPr>
+          <p:nvPr/>
+        </p:nvPicPr>
+        <p:blipFill>
+          <a:blip r:embed="rId2"/>
+          <a:stretch>
+            <a:fillRect/>
+          </a:stretch>
+        </p:blipFill>
+        <p:spPr>
+          <a:xfrm>
+            <a:off x="729639" y="2319373"/>
+            <a:ext cx="4885714" cy="3790476"/>
+          </a:xfrm>
+          <a:prstGeom prst="rect">
+            <a:avLst/>
+          </a:prstGeom>
+        </p:spPr>
+      </p:pic>
+      <p:sp>
+        <p:nvSpPr>
+          <p:cNvPr id="6" name="正方形/長方形 5"/>
+          <p:cNvSpPr/>
+          <p:nvPr/>
+        </p:nvSpPr>
+        <p:spPr>
+          <a:xfrm>
+            <a:off x="3657818" y="5654043"/>
+            <a:ext cx="901303" cy="347511"/>
+          </a:xfrm>
+          <a:prstGeom prst="rect">
+            <a:avLst/>
+          </a:prstGeom>
+          <a:noFill/>
+          <a:ln w="28575"/>
+        </p:spPr>
+        <p:style>
+          <a:lnRef idx="2">
+            <a:schemeClr val="accent2"/>
+          </a:lnRef>
+          <a:fillRef idx="1">
+            <a:schemeClr val="lt1"/>
+          </a:fillRef>
+          <a:effectRef idx="0">
+            <a:schemeClr val="accent2"/>
+          </a:effectRef>
+          <a:fontRef idx="minor">
+            <a:schemeClr val="dk1"/>
+          </a:fontRef>
+        </p:style>
+        <p:txBody>
+          <a:bodyPr rtlCol="0" anchor="ctr"/>
+          <a:lstStyle/>
+          <a:p>
+            <a:pPr algn="ctr"/>
+            <a:endParaRPr kumimoji="1" lang="ja-JP" altLang="en-US"/>
+          </a:p>
+        </p:txBody>
+      </p:sp>
+      <p:pic>
+        <p:nvPicPr>
+          <p:cNvPr id="8" name="図 7"/>
+          <p:cNvPicPr>
+            <a:picLocks noChangeAspect="1"/>
+          </p:cNvPicPr>
+          <p:nvPr/>
+        </p:nvPicPr>
+        <p:blipFill>
+          <a:blip r:embed="rId3" cstate="print">
+            <a:extLst>
+              <a:ext uri="{28A0092B-C50C-407E-A947-70E740481C1C}">
+                <a14:useLocalDpi xmlns:a14="http://schemas.microsoft.com/office/drawing/2010/main" val="0"/>
+              </a:ext>
+            </a:extLst>
+          </a:blip>
+          <a:stretch>
+            <a:fillRect/>
+          </a:stretch>
+        </p:blipFill>
+        <p:spPr>
+          <a:xfrm>
+            <a:off x="4256904" y="5791858"/>
+            <a:ext cx="604434" cy="604434"/>
+          </a:xfrm>
+          <a:prstGeom prst="rect">
+            <a:avLst/>
+          </a:prstGeom>
+        </p:spPr>
+      </p:pic>
+      <p:pic>
+        <p:nvPicPr>
+          <p:cNvPr id="9" name="図 8"/>
+          <p:cNvPicPr>
+            <a:picLocks noChangeAspect="1"/>
+          </p:cNvPicPr>
+          <p:nvPr/>
+        </p:nvPicPr>
+        <p:blipFill>
+          <a:blip r:embed="rId4"/>
+          <a:stretch>
+            <a:fillRect/>
+          </a:stretch>
+        </p:blipFill>
+        <p:spPr>
+          <a:xfrm>
+            <a:off x="6499374" y="2319373"/>
+            <a:ext cx="4885714" cy="3790476"/>
+          </a:xfrm>
+          <a:prstGeom prst="rect">
+            <a:avLst/>
+          </a:prstGeom>
+        </p:spPr>
+      </p:pic>
+      <p:sp>
+        <p:nvSpPr>
+          <p:cNvPr id="10" name="右矢印 9"/>
+          <p:cNvSpPr/>
+          <p:nvPr/>
+        </p:nvSpPr>
+        <p:spPr>
+          <a:xfrm>
+            <a:off x="5681655" y="3605898"/>
+            <a:ext cx="751416" cy="702631"/>
+          </a:xfrm>
+          <a:prstGeom prst="rightArrow">
+            <a:avLst/>
+          </a:prstGeom>
+        </p:spPr>
+        <p:style>
+          <a:lnRef idx="2">
+            <a:schemeClr val="accent1"/>
+          </a:lnRef>
+          <a:fillRef idx="1">
+            <a:schemeClr val="lt1"/>
+          </a:fillRef>
+          <a:effectRef idx="0">
+            <a:schemeClr val="accent1"/>
+          </a:effectRef>
+          <a:fontRef idx="minor">
+            <a:schemeClr val="dk1"/>
+          </a:fontRef>
+        </p:style>
+        <p:txBody>
+          <a:bodyPr rtlCol="0" anchor="ctr"/>
+          <a:lstStyle/>
+          <a:p>
+            <a:pPr algn="ctr"/>
+            <a:endParaRPr kumimoji="1" lang="ja-JP" altLang="en-US"/>
+          </a:p>
+        </p:txBody>
+      </p:sp>
+      <p:sp>
+        <p:nvSpPr>
+          <p:cNvPr id="11" name="正方形/長方形 10"/>
+          <p:cNvSpPr/>
+          <p:nvPr/>
+        </p:nvSpPr>
+        <p:spPr>
+          <a:xfrm>
+            <a:off x="9437996" y="5654042"/>
+            <a:ext cx="901303" cy="347511"/>
+          </a:xfrm>
+          <a:prstGeom prst="rect">
+            <a:avLst/>
+          </a:prstGeom>
+          <a:noFill/>
+          <a:ln w="28575"/>
+        </p:spPr>
+        <p:style>
+          <a:lnRef idx="2">
+            <a:schemeClr val="accent2"/>
+          </a:lnRef>
+          <a:fillRef idx="1">
+            <a:schemeClr val="lt1"/>
+          </a:fillRef>
+          <a:effectRef idx="0">
+            <a:schemeClr val="accent2"/>
+          </a:effectRef>
+          <a:fontRef idx="minor">
+            <a:schemeClr val="dk1"/>
+          </a:fontRef>
+        </p:style>
+        <p:txBody>
+          <a:bodyPr rtlCol="0" anchor="ctr"/>
+          <a:lstStyle/>
+          <a:p>
+            <a:pPr algn="ctr"/>
+            <a:endParaRPr kumimoji="1" lang="ja-JP" altLang="en-US"/>
+          </a:p>
+        </p:txBody>
+      </p:sp>
+      <p:pic>
+        <p:nvPicPr>
+          <p:cNvPr id="12" name="図 11"/>
+          <p:cNvPicPr>
+            <a:picLocks noChangeAspect="1"/>
+          </p:cNvPicPr>
+          <p:nvPr/>
+        </p:nvPicPr>
+        <p:blipFill>
+          <a:blip r:embed="rId3" cstate="print">
+            <a:extLst>
+              <a:ext uri="{28A0092B-C50C-407E-A947-70E740481C1C}">
+                <a14:useLocalDpi xmlns:a14="http://schemas.microsoft.com/office/drawing/2010/main" val="0"/>
+              </a:ext>
+            </a:extLst>
+          </a:blip>
+          <a:stretch>
+            <a:fillRect/>
+          </a:stretch>
+        </p:blipFill>
+        <p:spPr>
+          <a:xfrm>
+            <a:off x="10037082" y="5791858"/>
+            <a:ext cx="604434" cy="604434"/>
+          </a:xfrm>
+          <a:prstGeom prst="rect">
+            <a:avLst/>
+          </a:prstGeom>
+        </p:spPr>
+      </p:pic>
     </p:spTree>
     <p:extLst>
       <p:ext uri="{BB962C8B-B14F-4D97-AF65-F5344CB8AC3E}">
@@ -10580,6 +10776,54 @@
           <a:chExt cx="0" cy="0"/>
         </a:xfrm>
       </p:grpSpPr>
+      <p:pic>
+        <p:nvPicPr>
+          <p:cNvPr id="14" name="図 13"/>
+          <p:cNvPicPr>
+            <a:picLocks noChangeAspect="1"/>
+          </p:cNvPicPr>
+          <p:nvPr/>
+        </p:nvPicPr>
+        <p:blipFill>
+          <a:blip r:embed="rId2"/>
+          <a:stretch>
+            <a:fillRect/>
+          </a:stretch>
+        </p:blipFill>
+        <p:spPr>
+          <a:xfrm>
+            <a:off x="6636532" y="2211077"/>
+            <a:ext cx="4885714" cy="3790476"/>
+          </a:xfrm>
+          <a:prstGeom prst="rect">
+            <a:avLst/>
+          </a:prstGeom>
+        </p:spPr>
+      </p:pic>
+      <p:pic>
+        <p:nvPicPr>
+          <p:cNvPr id="13" name="図 12"/>
+          <p:cNvPicPr>
+            <a:picLocks noChangeAspect="1"/>
+          </p:cNvPicPr>
+          <p:nvPr/>
+        </p:nvPicPr>
+        <p:blipFill>
+          <a:blip r:embed="rId3"/>
+          <a:stretch>
+            <a:fillRect/>
+          </a:stretch>
+        </p:blipFill>
+        <p:spPr>
+          <a:xfrm>
+            <a:off x="650926" y="2211077"/>
+            <a:ext cx="4885714" cy="3790476"/>
+          </a:xfrm>
+          <a:prstGeom prst="rect">
+            <a:avLst/>
+          </a:prstGeom>
+        </p:spPr>
+      </p:pic>
       <p:sp>
         <p:nvSpPr>
           <p:cNvPr id="2" name="タイトル 1"/>
@@ -10613,8 +10857,8 @@
               <a:t>VSCode</a:t>
             </a:r>
             <a:r>
-              <a:rPr lang="ja-JP" altLang="en-US" dirty="0" smtClean="0"/>
-              <a:t>の拡張機能をインストール</a:t>
+              <a:rPr kumimoji="1" lang="ja-JP" altLang="en-US" dirty="0" smtClean="0"/>
+              <a:t>のインストール</a:t>
             </a:r>
             <a:endParaRPr kumimoji="1" lang="ja-JP" altLang="en-US" dirty="0"/>
           </a:p>
@@ -10622,7 +10866,7 @@
       </p:sp>
       <p:sp>
         <p:nvSpPr>
-          <p:cNvPr id="7" name="コンテンツ プレースホルダー 3"/>
+          <p:cNvPr id="4" name="コンテンツ プレースホルダー 3"/>
           <p:cNvSpPr txBox="1">
             <a:spLocks/>
           </p:cNvSpPr>
@@ -10631,7 +10875,7 @@
         <p:spPr>
           <a:xfrm>
             <a:off x="555219" y="1200150"/>
-            <a:ext cx="11164927" cy="873349"/>
+            <a:ext cx="11164927" cy="871416"/>
           </a:xfrm>
           <a:prstGeom prst="rect">
             <a:avLst/>
@@ -10819,41 +11063,13 @@
               <a:buNone/>
             </a:pPr>
             <a:r>
-              <a:rPr lang="en-US" altLang="ja-JP" dirty="0" smtClean="0"/>
-              <a:t>Cordova tools</a:t>
-            </a:r>
-            <a:r>
               <a:rPr lang="ja-JP" altLang="en-US" dirty="0" smtClean="0"/>
-              <a:t>をインストール</a:t>
+              <a:t>各種設定してインストールする。</a:t>
             </a:r>
             <a:endParaRPr lang="ja-JP" altLang="en-US" dirty="0"/>
           </a:p>
         </p:txBody>
       </p:sp>
-      <p:pic>
-        <p:nvPicPr>
-          <p:cNvPr id="4" name="図 3"/>
-          <p:cNvPicPr>
-            <a:picLocks noChangeAspect="1"/>
-          </p:cNvPicPr>
-          <p:nvPr/>
-        </p:nvPicPr>
-        <p:blipFill>
-          <a:blip r:embed="rId2"/>
-          <a:stretch>
-            <a:fillRect/>
-          </a:stretch>
-        </p:blipFill>
-        <p:spPr>
-          <a:xfrm>
-            <a:off x="555219" y="2219549"/>
-            <a:ext cx="8341217" cy="4445392"/>
-          </a:xfrm>
-          <a:prstGeom prst="rect">
-            <a:avLst/>
-          </a:prstGeom>
-        </p:spPr>
-      </p:pic>
       <p:sp>
         <p:nvSpPr>
           <p:cNvPr id="6" name="正方形/長方形 5"/>
@@ -10862,8 +11078,8 @@
         </p:nvSpPr>
         <p:spPr>
           <a:xfrm>
-            <a:off x="555220" y="3710215"/>
-            <a:ext cx="320544" cy="269358"/>
+            <a:off x="3594589" y="5537915"/>
+            <a:ext cx="901303" cy="347730"/>
           </a:xfrm>
           <a:prstGeom prst="rect">
             <a:avLst/>
@@ -10894,16 +11110,84 @@
           </a:p>
         </p:txBody>
       </p:sp>
+      <p:pic>
+        <p:nvPicPr>
+          <p:cNvPr id="8" name="図 7"/>
+          <p:cNvPicPr>
+            <a:picLocks noChangeAspect="1"/>
+          </p:cNvPicPr>
+          <p:nvPr/>
+        </p:nvPicPr>
+        <p:blipFill>
+          <a:blip r:embed="rId4" cstate="print">
+            <a:extLst>
+              <a:ext uri="{28A0092B-C50C-407E-A947-70E740481C1C}">
+                <a14:useLocalDpi xmlns:a14="http://schemas.microsoft.com/office/drawing/2010/main" val="0"/>
+              </a:ext>
+            </a:extLst>
+          </a:blip>
+          <a:stretch>
+            <a:fillRect/>
+          </a:stretch>
+        </p:blipFill>
+        <p:spPr>
+          <a:xfrm>
+            <a:off x="4193675" y="5677860"/>
+            <a:ext cx="604434" cy="604434"/>
+          </a:xfrm>
+          <a:prstGeom prst="rect">
+            <a:avLst/>
+          </a:prstGeom>
+        </p:spPr>
+      </p:pic>
       <p:sp>
         <p:nvSpPr>
-          <p:cNvPr id="8" name="正方形/長方形 7"/>
+          <p:cNvPr id="10" name="右矢印 9"/>
           <p:cNvSpPr/>
           <p:nvPr/>
         </p:nvSpPr>
         <p:spPr>
           <a:xfrm>
-            <a:off x="875764" y="2681480"/>
-            <a:ext cx="1803042" cy="216266"/>
+            <a:off x="5681655" y="3605898"/>
+            <a:ext cx="751416" cy="702631"/>
+          </a:xfrm>
+          <a:prstGeom prst="rightArrow">
+            <a:avLst/>
+          </a:prstGeom>
+        </p:spPr>
+        <p:style>
+          <a:lnRef idx="2">
+            <a:schemeClr val="accent1"/>
+          </a:lnRef>
+          <a:fillRef idx="1">
+            <a:schemeClr val="lt1"/>
+          </a:fillRef>
+          <a:effectRef idx="0">
+            <a:schemeClr val="accent1"/>
+          </a:effectRef>
+          <a:fontRef idx="minor">
+            <a:schemeClr val="dk1"/>
+          </a:fontRef>
+        </p:style>
+        <p:txBody>
+          <a:bodyPr rtlCol="0" anchor="ctr"/>
+          <a:lstStyle/>
+          <a:p>
+            <a:pPr algn="ctr"/>
+            <a:endParaRPr kumimoji="1" lang="ja-JP" altLang="en-US"/>
+          </a:p>
+        </p:txBody>
+      </p:sp>
+      <p:sp>
+        <p:nvSpPr>
+          <p:cNvPr id="11" name="正方形/長方形 10"/>
+          <p:cNvSpPr/>
+          <p:nvPr/>
+        </p:nvSpPr>
+        <p:spPr>
+          <a:xfrm>
+            <a:off x="9586430" y="5537913"/>
+            <a:ext cx="901303" cy="347511"/>
           </a:xfrm>
           <a:prstGeom prst="rect">
             <a:avLst/>
@@ -10934,50 +11218,40 @@
           </a:p>
         </p:txBody>
       </p:sp>
-      <p:sp>
-        <p:nvSpPr>
-          <p:cNvPr id="9" name="正方形/長方形 8"/>
-          <p:cNvSpPr/>
+      <p:pic>
+        <p:nvPicPr>
+          <p:cNvPr id="12" name="図 11"/>
+          <p:cNvPicPr>
+            <a:picLocks noChangeAspect="1"/>
+          </p:cNvPicPr>
           <p:nvPr/>
-        </p:nvSpPr>
-        <p:spPr>
-          <a:xfrm>
-            <a:off x="875764" y="2935663"/>
-            <a:ext cx="1803042" cy="424014"/>
+        </p:nvPicPr>
+        <p:blipFill>
+          <a:blip r:embed="rId4" cstate="print">
+            <a:extLst>
+              <a:ext uri="{28A0092B-C50C-407E-A947-70E740481C1C}">
+                <a14:useLocalDpi xmlns:a14="http://schemas.microsoft.com/office/drawing/2010/main" val="0"/>
+              </a:ext>
+            </a:extLst>
+          </a:blip>
+          <a:stretch>
+            <a:fillRect/>
+          </a:stretch>
+        </p:blipFill>
+        <p:spPr>
+          <a:xfrm>
+            <a:off x="10185516" y="5683752"/>
+            <a:ext cx="604434" cy="604434"/>
           </a:xfrm>
           <a:prstGeom prst="rect">
             <a:avLst/>
           </a:prstGeom>
-          <a:noFill/>
-          <a:ln w="28575"/>
-        </p:spPr>
-        <p:style>
-          <a:lnRef idx="2">
-            <a:schemeClr val="accent2"/>
-          </a:lnRef>
-          <a:fillRef idx="1">
-            <a:schemeClr val="lt1"/>
-          </a:fillRef>
-          <a:effectRef idx="0">
-            <a:schemeClr val="accent2"/>
-          </a:effectRef>
-          <a:fontRef idx="minor">
-            <a:schemeClr val="dk1"/>
-          </a:fontRef>
-        </p:style>
-        <p:txBody>
-          <a:bodyPr rtlCol="0" anchor="ctr"/>
-          <a:lstStyle/>
-          <a:p>
-            <a:pPr algn="ctr"/>
-            <a:endParaRPr kumimoji="1" lang="ja-JP" altLang="en-US"/>
-          </a:p>
-        </p:txBody>
-      </p:sp>
+        </p:spPr>
+      </p:pic>
     </p:spTree>
     <p:extLst>
       <p:ext uri="{BB962C8B-B14F-4D97-AF65-F5344CB8AC3E}">
-        <p14:creationId xmlns:p14="http://schemas.microsoft.com/office/powerpoint/2010/main" val="3593746302"/>
+        <p14:creationId xmlns:p14="http://schemas.microsoft.com/office/powerpoint/2010/main" val="4143643997"/>
       </p:ext>
     </p:extLst>
   </p:cSld>
@@ -11011,6 +11285,54 @@
           <a:chExt cx="0" cy="0"/>
         </a:xfrm>
       </p:grpSpPr>
+      <p:pic>
+        <p:nvPicPr>
+          <p:cNvPr id="17" name="図 16"/>
+          <p:cNvPicPr>
+            <a:picLocks noChangeAspect="1"/>
+          </p:cNvPicPr>
+          <p:nvPr/>
+        </p:nvPicPr>
+        <p:blipFill>
+          <a:blip r:embed="rId2"/>
+          <a:stretch>
+            <a:fillRect/>
+          </a:stretch>
+        </p:blipFill>
+        <p:spPr>
+          <a:xfrm>
+            <a:off x="6594818" y="2211077"/>
+            <a:ext cx="4885714" cy="3790476"/>
+          </a:xfrm>
+          <a:prstGeom prst="rect">
+            <a:avLst/>
+          </a:prstGeom>
+        </p:spPr>
+      </p:pic>
+      <p:pic>
+        <p:nvPicPr>
+          <p:cNvPr id="15" name="図 14"/>
+          <p:cNvPicPr>
+            <a:picLocks noChangeAspect="1"/>
+          </p:cNvPicPr>
+          <p:nvPr/>
+        </p:nvPicPr>
+        <p:blipFill>
+          <a:blip r:embed="rId3"/>
+          <a:stretch>
+            <a:fillRect/>
+          </a:stretch>
+        </p:blipFill>
+        <p:spPr>
+          <a:xfrm>
+            <a:off x="634194" y="2211077"/>
+            <a:ext cx="4885714" cy="3790476"/>
+          </a:xfrm>
+          <a:prstGeom prst="rect">
+            <a:avLst/>
+          </a:prstGeom>
+        </p:spPr>
+      </p:pic>
       <p:sp>
         <p:nvSpPr>
           <p:cNvPr id="2" name="タイトル 1"/>
@@ -11044,8 +11366,8 @@
               <a:t>VSCode</a:t>
             </a:r>
             <a:r>
-              <a:rPr lang="ja-JP" altLang="en-US" dirty="0" smtClean="0"/>
-              <a:t>の拡張機能をインストール</a:t>
+              <a:rPr kumimoji="1" lang="ja-JP" altLang="en-US" dirty="0" smtClean="0"/>
+              <a:t>のインストール</a:t>
             </a:r>
             <a:endParaRPr kumimoji="1" lang="ja-JP" altLang="en-US" dirty="0"/>
           </a:p>
@@ -11053,7 +11375,7 @@
       </p:sp>
       <p:sp>
         <p:nvSpPr>
-          <p:cNvPr id="7" name="コンテンツ プレースホルダー 3"/>
+          <p:cNvPr id="4" name="コンテンツ プレースホルダー 3"/>
           <p:cNvSpPr txBox="1">
             <a:spLocks/>
           </p:cNvSpPr>
@@ -11062,7 +11384,7 @@
         <p:spPr>
           <a:xfrm>
             <a:off x="555219" y="1200150"/>
-            <a:ext cx="11164927" cy="873349"/>
+            <a:ext cx="11164927" cy="871416"/>
           </a:xfrm>
           <a:prstGeom prst="rect">
             <a:avLst/>
@@ -11251,68 +11573,22 @@
             </a:pPr>
             <a:r>
               <a:rPr lang="ja-JP" altLang="en-US" dirty="0" smtClean="0"/>
-              <a:t>ワーク</a:t>
-            </a:r>
-            <a:r>
-              <a:rPr lang="ja-JP" altLang="en-US" dirty="0"/>
-              <a:t>スペース</a:t>
-            </a:r>
-            <a:r>
-              <a:rPr lang="ja-JP" altLang="en-US" dirty="0" smtClean="0"/>
-              <a:t>の追加</a:t>
-            </a:r>
-            <a:endParaRPr lang="en-US" altLang="ja-JP" dirty="0" smtClean="0"/>
-          </a:p>
-          <a:p>
-            <a:pPr marL="0" indent="0">
-              <a:buNone/>
-            </a:pPr>
-            <a:r>
-              <a:rPr lang="en-US" altLang="ja-JP" dirty="0" smtClean="0"/>
-              <a:t>tutorial</a:t>
-            </a:r>
-            <a:r>
-              <a:rPr lang="ja-JP" altLang="en-US" dirty="0" smtClean="0"/>
-              <a:t>の選択して、追加する</a:t>
+              <a:t>各種設定してインストールする。</a:t>
             </a:r>
             <a:endParaRPr lang="ja-JP" altLang="en-US" dirty="0"/>
           </a:p>
         </p:txBody>
       </p:sp>
-      <p:pic>
-        <p:nvPicPr>
-          <p:cNvPr id="3" name="図 2"/>
-          <p:cNvPicPr>
-            <a:picLocks noChangeAspect="1"/>
-          </p:cNvPicPr>
-          <p:nvPr/>
-        </p:nvPicPr>
-        <p:blipFill>
-          <a:blip r:embed="rId2"/>
-          <a:stretch>
-            <a:fillRect/>
-          </a:stretch>
-        </p:blipFill>
-        <p:spPr>
-          <a:xfrm>
-            <a:off x="555219" y="2303005"/>
-            <a:ext cx="6589690" cy="3511929"/>
-          </a:xfrm>
-          <a:prstGeom prst="rect">
-            <a:avLst/>
-          </a:prstGeom>
-        </p:spPr>
-      </p:pic>
       <p:sp>
         <p:nvSpPr>
-          <p:cNvPr id="10" name="正方形/長方形 9"/>
+          <p:cNvPr id="6" name="正方形/長方形 5"/>
           <p:cNvSpPr/>
           <p:nvPr/>
         </p:nvSpPr>
         <p:spPr>
           <a:xfrm>
-            <a:off x="555219" y="2473844"/>
-            <a:ext cx="320544" cy="269358"/>
+            <a:off x="3594589" y="5537915"/>
+            <a:ext cx="901303" cy="347730"/>
           </a:xfrm>
           <a:prstGeom prst="rect">
             <a:avLst/>
@@ -11343,6 +11619,74 @@
           </a:p>
         </p:txBody>
       </p:sp>
+      <p:pic>
+        <p:nvPicPr>
+          <p:cNvPr id="8" name="図 7"/>
+          <p:cNvPicPr>
+            <a:picLocks noChangeAspect="1"/>
+          </p:cNvPicPr>
+          <p:nvPr/>
+        </p:nvPicPr>
+        <p:blipFill>
+          <a:blip r:embed="rId4" cstate="print">
+            <a:extLst>
+              <a:ext uri="{28A0092B-C50C-407E-A947-70E740481C1C}">
+                <a14:useLocalDpi xmlns:a14="http://schemas.microsoft.com/office/drawing/2010/main" val="0"/>
+              </a:ext>
+            </a:extLst>
+          </a:blip>
+          <a:stretch>
+            <a:fillRect/>
+          </a:stretch>
+        </p:blipFill>
+        <p:spPr>
+          <a:xfrm>
+            <a:off x="4193675" y="5677860"/>
+            <a:ext cx="604434" cy="604434"/>
+          </a:xfrm>
+          <a:prstGeom prst="rect">
+            <a:avLst/>
+          </a:prstGeom>
+        </p:spPr>
+      </p:pic>
+      <p:sp>
+        <p:nvSpPr>
+          <p:cNvPr id="10" name="右矢印 9"/>
+          <p:cNvSpPr/>
+          <p:nvPr/>
+        </p:nvSpPr>
+        <p:spPr>
+          <a:xfrm>
+            <a:off x="5681655" y="3605898"/>
+            <a:ext cx="751416" cy="702631"/>
+          </a:xfrm>
+          <a:prstGeom prst="rightArrow">
+            <a:avLst/>
+          </a:prstGeom>
+        </p:spPr>
+        <p:style>
+          <a:lnRef idx="2">
+            <a:schemeClr val="accent1"/>
+          </a:lnRef>
+          <a:fillRef idx="1">
+            <a:schemeClr val="lt1"/>
+          </a:fillRef>
+          <a:effectRef idx="0">
+            <a:schemeClr val="accent1"/>
+          </a:effectRef>
+          <a:fontRef idx="minor">
+            <a:schemeClr val="dk1"/>
+          </a:fontRef>
+        </p:style>
+        <p:txBody>
+          <a:bodyPr rtlCol="0" anchor="ctr"/>
+          <a:lstStyle/>
+          <a:p>
+            <a:pPr algn="ctr"/>
+            <a:endParaRPr kumimoji="1" lang="ja-JP" altLang="en-US"/>
+          </a:p>
+        </p:txBody>
+      </p:sp>
       <p:sp>
         <p:nvSpPr>
           <p:cNvPr id="11" name="正方形/長方形 10"/>
@@ -11351,8 +11695,8 @@
         </p:nvSpPr>
         <p:spPr>
           <a:xfrm>
-            <a:off x="875763" y="3089883"/>
-            <a:ext cx="1326524" cy="323018"/>
+            <a:off x="9586430" y="5537913"/>
+            <a:ext cx="901303" cy="347511"/>
           </a:xfrm>
           <a:prstGeom prst="rect">
             <a:avLst/>
@@ -11383,10 +11727,80 @@
           </a:p>
         </p:txBody>
       </p:sp>
+      <p:pic>
+        <p:nvPicPr>
+          <p:cNvPr id="12" name="図 11"/>
+          <p:cNvPicPr>
+            <a:picLocks noChangeAspect="1"/>
+          </p:cNvPicPr>
+          <p:nvPr/>
+        </p:nvPicPr>
+        <p:blipFill>
+          <a:blip r:embed="rId4" cstate="print">
+            <a:extLst>
+              <a:ext uri="{28A0092B-C50C-407E-A947-70E740481C1C}">
+                <a14:useLocalDpi xmlns:a14="http://schemas.microsoft.com/office/drawing/2010/main" val="0"/>
+              </a:ext>
+            </a:extLst>
+          </a:blip>
+          <a:stretch>
+            <a:fillRect/>
+          </a:stretch>
+        </p:blipFill>
+        <p:spPr>
+          <a:xfrm>
+            <a:off x="10185516" y="5683752"/>
+            <a:ext cx="604434" cy="604434"/>
+          </a:xfrm>
+          <a:prstGeom prst="rect">
+            <a:avLst/>
+          </a:prstGeom>
+        </p:spPr>
+      </p:pic>
+      <p:sp>
+        <p:nvSpPr>
+          <p:cNvPr id="16" name="正方形/長方形 15"/>
+          <p:cNvSpPr/>
+          <p:nvPr/>
+        </p:nvSpPr>
+        <p:spPr>
+          <a:xfrm>
+            <a:off x="1029548" y="3609482"/>
+            <a:ext cx="335614" cy="434483"/>
+          </a:xfrm>
+          <a:prstGeom prst="rect">
+            <a:avLst/>
+          </a:prstGeom>
+          <a:noFill/>
+          <a:ln w="28575"/>
+        </p:spPr>
+        <p:style>
+          <a:lnRef idx="2">
+            <a:schemeClr val="accent2"/>
+          </a:lnRef>
+          <a:fillRef idx="1">
+            <a:schemeClr val="lt1"/>
+          </a:fillRef>
+          <a:effectRef idx="0">
+            <a:schemeClr val="accent2"/>
+          </a:effectRef>
+          <a:fontRef idx="minor">
+            <a:schemeClr val="dk1"/>
+          </a:fontRef>
+        </p:style>
+        <p:txBody>
+          <a:bodyPr rtlCol="0" anchor="ctr"/>
+          <a:lstStyle/>
+          <a:p>
+            <a:pPr algn="ctr"/>
+            <a:endParaRPr kumimoji="1" lang="ja-JP" altLang="en-US"/>
+          </a:p>
+        </p:txBody>
+      </p:sp>
     </p:spTree>
     <p:extLst>
       <p:ext uri="{BB962C8B-B14F-4D97-AF65-F5344CB8AC3E}">
-        <p14:creationId xmlns:p14="http://schemas.microsoft.com/office/powerpoint/2010/main" val="2524463407"/>
+        <p14:creationId xmlns:p14="http://schemas.microsoft.com/office/powerpoint/2010/main" val="1330629530"/>
       </p:ext>
     </p:extLst>
   </p:cSld>
@@ -11422,7 +11836,7 @@
       </p:grpSpPr>
       <p:pic>
         <p:nvPicPr>
-          <p:cNvPr id="4" name="図 3"/>
+          <p:cNvPr id="14" name="図 13"/>
           <p:cNvPicPr>
             <a:picLocks noChangeAspect="1"/>
           </p:cNvPicPr>
@@ -11436,8 +11850,32 @@
         </p:blipFill>
         <p:spPr>
           <a:xfrm>
-            <a:off x="555219" y="2215167"/>
-            <a:ext cx="7165327" cy="3818710"/>
+            <a:off x="6605042" y="2211077"/>
+            <a:ext cx="4885714" cy="3790476"/>
+          </a:xfrm>
+          <a:prstGeom prst="rect">
+            <a:avLst/>
+          </a:prstGeom>
+        </p:spPr>
+      </p:pic>
+      <p:pic>
+        <p:nvPicPr>
+          <p:cNvPr id="13" name="図 12"/>
+          <p:cNvPicPr>
+            <a:picLocks noChangeAspect="1"/>
+          </p:cNvPicPr>
+          <p:nvPr/>
+        </p:nvPicPr>
+        <p:blipFill>
+          <a:blip r:embed="rId3"/>
+          <a:stretch>
+            <a:fillRect/>
+          </a:stretch>
+        </p:blipFill>
+        <p:spPr>
+          <a:xfrm>
+            <a:off x="623970" y="2211077"/>
+            <a:ext cx="4885714" cy="3790476"/>
           </a:xfrm>
           <a:prstGeom prst="rect">
             <a:avLst/>
@@ -11477,8 +11915,8 @@
               <a:t>VSCode</a:t>
             </a:r>
             <a:r>
-              <a:rPr lang="ja-JP" altLang="en-US" dirty="0" smtClean="0"/>
-              <a:t>の拡張機能をインストール</a:t>
+              <a:rPr kumimoji="1" lang="ja-JP" altLang="en-US" dirty="0" smtClean="0"/>
+              <a:t>のインストール</a:t>
             </a:r>
             <a:endParaRPr kumimoji="1" lang="ja-JP" altLang="en-US" dirty="0"/>
           </a:p>
@@ -11486,7 +11924,7 @@
       </p:sp>
       <p:sp>
         <p:nvSpPr>
-          <p:cNvPr id="7" name="コンテンツ プレースホルダー 3"/>
+          <p:cNvPr id="4" name="コンテンツ プレースホルダー 3"/>
           <p:cNvSpPr txBox="1">
             <a:spLocks/>
           </p:cNvSpPr>
@@ -11495,7 +11933,7 @@
         <p:spPr>
           <a:xfrm>
             <a:off x="555219" y="1200150"/>
-            <a:ext cx="11164927" cy="873349"/>
+            <a:ext cx="11164927" cy="871416"/>
           </a:xfrm>
           <a:prstGeom prst="rect">
             <a:avLst/>
@@ -11684,52 +12122,60 @@
             </a:pPr>
             <a:r>
               <a:rPr lang="ja-JP" altLang="en-US" dirty="0" smtClean="0"/>
-              <a:t>デバッグ環境の設定</a:t>
-            </a:r>
-            <a:endParaRPr lang="en-US" altLang="ja-JP" dirty="0" smtClean="0"/>
-          </a:p>
-          <a:p>
-            <a:pPr marL="0" indent="0">
-              <a:buNone/>
-            </a:pPr>
-            <a:r>
-              <a:rPr lang="en-US" altLang="ja-JP" dirty="0" err="1"/>
-              <a:t>s</a:t>
-            </a:r>
-            <a:r>
-              <a:rPr lang="en-US" altLang="ja-JP" dirty="0" err="1" smtClean="0"/>
-              <a:t>imulata</a:t>
-            </a:r>
-            <a:r>
-              <a:rPr lang="en-US" altLang="ja-JP" dirty="0" smtClean="0"/>
-              <a:t> </a:t>
-            </a:r>
-            <a:r>
-              <a:rPr lang="en-US" altLang="ja-JP" dirty="0" err="1" smtClean="0"/>
-              <a:t>andoroid</a:t>
-            </a:r>
-            <a:r>
-              <a:rPr lang="en-US" altLang="ja-JP" dirty="0" smtClean="0"/>
-              <a:t> in browser</a:t>
-            </a:r>
-            <a:r>
-              <a:rPr lang="ja-JP" altLang="en-US" dirty="0" smtClean="0"/>
-              <a:t>を選択する</a:t>
-            </a:r>
-            <a:endParaRPr lang="en-US" altLang="ja-JP" dirty="0" smtClean="0"/>
+              <a:t>各種設定してインストールする。</a:t>
+            </a:r>
+            <a:endParaRPr lang="ja-JP" altLang="en-US" dirty="0"/>
           </a:p>
         </p:txBody>
       </p:sp>
       <p:sp>
         <p:nvSpPr>
-          <p:cNvPr id="10" name="正方形/長方形 9"/>
+          <p:cNvPr id="10" name="右矢印 9"/>
           <p:cNvSpPr/>
           <p:nvPr/>
         </p:nvSpPr>
         <p:spPr>
           <a:xfrm>
-            <a:off x="555219" y="3220819"/>
-            <a:ext cx="217513" cy="243598"/>
+            <a:off x="5681655" y="3605898"/>
+            <a:ext cx="751416" cy="702631"/>
+          </a:xfrm>
+          <a:prstGeom prst="rightArrow">
+            <a:avLst/>
+          </a:prstGeom>
+        </p:spPr>
+        <p:style>
+          <a:lnRef idx="2">
+            <a:schemeClr val="accent1"/>
+          </a:lnRef>
+          <a:fillRef idx="1">
+            <a:schemeClr val="lt1"/>
+          </a:fillRef>
+          <a:effectRef idx="0">
+            <a:schemeClr val="accent1"/>
+          </a:effectRef>
+          <a:fontRef idx="minor">
+            <a:schemeClr val="dk1"/>
+          </a:fontRef>
+        </p:style>
+        <p:txBody>
+          <a:bodyPr rtlCol="0" anchor="ctr"/>
+          <a:lstStyle/>
+          <a:p>
+            <a:pPr algn="ctr"/>
+            <a:endParaRPr kumimoji="1" lang="ja-JP" altLang="en-US"/>
+          </a:p>
+        </p:txBody>
+      </p:sp>
+      <p:sp>
+        <p:nvSpPr>
+          <p:cNvPr id="11" name="正方形/長方形 10"/>
+          <p:cNvSpPr/>
+          <p:nvPr/>
+        </p:nvSpPr>
+        <p:spPr>
+          <a:xfrm>
+            <a:off x="9586430" y="5537913"/>
+            <a:ext cx="901303" cy="347511"/>
           </a:xfrm>
           <a:prstGeom prst="rect">
             <a:avLst/>
@@ -11760,50 +12206,40 @@
           </a:p>
         </p:txBody>
       </p:sp>
-      <p:sp>
-        <p:nvSpPr>
-          <p:cNvPr id="8" name="正方形/長方形 7"/>
-          <p:cNvSpPr/>
+      <p:pic>
+        <p:nvPicPr>
+          <p:cNvPr id="12" name="図 11"/>
+          <p:cNvPicPr>
+            <a:picLocks noChangeAspect="1"/>
+          </p:cNvPicPr>
           <p:nvPr/>
-        </p:nvSpPr>
-        <p:spPr>
-          <a:xfrm>
-            <a:off x="1248531" y="3464417"/>
-            <a:ext cx="1378759" cy="218941"/>
+        </p:nvPicPr>
+        <p:blipFill>
+          <a:blip r:embed="rId4" cstate="print">
+            <a:extLst>
+              <a:ext uri="{28A0092B-C50C-407E-A947-70E740481C1C}">
+                <a14:useLocalDpi xmlns:a14="http://schemas.microsoft.com/office/drawing/2010/main" val="0"/>
+              </a:ext>
+            </a:extLst>
+          </a:blip>
+          <a:stretch>
+            <a:fillRect/>
+          </a:stretch>
+        </p:blipFill>
+        <p:spPr>
+          <a:xfrm>
+            <a:off x="10185516" y="5683752"/>
+            <a:ext cx="604434" cy="604434"/>
           </a:xfrm>
           <a:prstGeom prst="rect">
             <a:avLst/>
           </a:prstGeom>
-          <a:noFill/>
-          <a:ln w="28575"/>
-        </p:spPr>
-        <p:style>
-          <a:lnRef idx="2">
-            <a:schemeClr val="accent2"/>
-          </a:lnRef>
-          <a:fillRef idx="1">
-            <a:schemeClr val="lt1"/>
-          </a:fillRef>
-          <a:effectRef idx="0">
-            <a:schemeClr val="accent2"/>
-          </a:effectRef>
-          <a:fontRef idx="minor">
-            <a:schemeClr val="dk1"/>
-          </a:fontRef>
-        </p:style>
-        <p:txBody>
-          <a:bodyPr rtlCol="0" anchor="ctr"/>
-          <a:lstStyle/>
-          <a:p>
-            <a:pPr algn="ctr"/>
-            <a:endParaRPr kumimoji="1" lang="ja-JP" altLang="en-US"/>
-          </a:p>
-        </p:txBody>
-      </p:sp>
+        </p:spPr>
+      </p:pic>
     </p:spTree>
     <p:extLst>
       <p:ext uri="{BB962C8B-B14F-4D97-AF65-F5344CB8AC3E}">
-        <p14:creationId xmlns:p14="http://schemas.microsoft.com/office/powerpoint/2010/main" val="2537687783"/>
+        <p14:creationId xmlns:p14="http://schemas.microsoft.com/office/powerpoint/2010/main" val="2292649981"/>
       </p:ext>
     </p:extLst>
   </p:cSld>
@@ -11837,6 +12273,54 @@
           <a:chExt cx="0" cy="0"/>
         </a:xfrm>
       </p:grpSpPr>
+      <p:pic>
+        <p:nvPicPr>
+          <p:cNvPr id="14" name="図 13"/>
+          <p:cNvPicPr>
+            <a:picLocks noChangeAspect="1"/>
+          </p:cNvPicPr>
+          <p:nvPr/>
+        </p:nvPicPr>
+        <p:blipFill>
+          <a:blip r:embed="rId2"/>
+          <a:stretch>
+            <a:fillRect/>
+          </a:stretch>
+        </p:blipFill>
+        <p:spPr>
+          <a:xfrm>
+            <a:off x="6605042" y="2211077"/>
+            <a:ext cx="4885714" cy="3790476"/>
+          </a:xfrm>
+          <a:prstGeom prst="rect">
+            <a:avLst/>
+          </a:prstGeom>
+        </p:spPr>
+      </p:pic>
+      <p:pic>
+        <p:nvPicPr>
+          <p:cNvPr id="13" name="図 12"/>
+          <p:cNvPicPr>
+            <a:picLocks noChangeAspect="1"/>
+          </p:cNvPicPr>
+          <p:nvPr/>
+        </p:nvPicPr>
+        <p:blipFill>
+          <a:blip r:embed="rId3"/>
+          <a:stretch>
+            <a:fillRect/>
+          </a:stretch>
+        </p:blipFill>
+        <p:spPr>
+          <a:xfrm>
+            <a:off x="623970" y="2211077"/>
+            <a:ext cx="4885714" cy="3790476"/>
+          </a:xfrm>
+          <a:prstGeom prst="rect">
+            <a:avLst/>
+          </a:prstGeom>
+        </p:spPr>
+      </p:pic>
       <p:sp>
         <p:nvSpPr>
           <p:cNvPr id="2" name="タイトル 1"/>
@@ -11870,8 +12354,8 @@
               <a:t>VSCode</a:t>
             </a:r>
             <a:r>
-              <a:rPr lang="ja-JP" altLang="en-US" dirty="0" smtClean="0"/>
-              <a:t>の拡張機能をインストール</a:t>
+              <a:rPr kumimoji="1" lang="ja-JP" altLang="en-US" dirty="0" smtClean="0"/>
+              <a:t>のインストール</a:t>
             </a:r>
             <a:endParaRPr kumimoji="1" lang="ja-JP" altLang="en-US" dirty="0"/>
           </a:p>
@@ -11879,7 +12363,7 @@
       </p:sp>
       <p:sp>
         <p:nvSpPr>
-          <p:cNvPr id="7" name="コンテンツ プレースホルダー 3"/>
+          <p:cNvPr id="4" name="コンテンツ プレースホルダー 3"/>
           <p:cNvSpPr txBox="1">
             <a:spLocks/>
           </p:cNvSpPr>
@@ -11888,7 +12372,7 @@
         <p:spPr>
           <a:xfrm>
             <a:off x="555219" y="1200150"/>
-            <a:ext cx="11164927" cy="873349"/>
+            <a:ext cx="11164927" cy="871416"/>
           </a:xfrm>
           <a:prstGeom prst="rect">
             <a:avLst/>
@@ -12077,60 +12561,60 @@
             </a:pPr>
             <a:r>
               <a:rPr lang="ja-JP" altLang="en-US" dirty="0" smtClean="0"/>
-              <a:t>デバッグ</a:t>
-            </a:r>
-            <a:r>
-              <a:rPr lang="ja-JP" altLang="en-US" dirty="0" smtClean="0"/>
-              <a:t>実行</a:t>
-            </a:r>
-            <a:endParaRPr lang="en-US" altLang="ja-JP" dirty="0" smtClean="0"/>
-          </a:p>
-          <a:p>
-            <a:pPr marL="0" indent="0">
-              <a:buNone/>
-            </a:pPr>
-            <a:r>
-              <a:rPr lang="ja-JP" altLang="en-US" dirty="0" smtClean="0"/>
-              <a:t>再生ボタンを押すとブラウザでアプリが表示される。</a:t>
-            </a:r>
-            <a:endParaRPr lang="en-US" altLang="ja-JP" dirty="0" smtClean="0"/>
+              <a:t>各種設定してインストールする。</a:t>
+            </a:r>
+            <a:endParaRPr lang="ja-JP" altLang="en-US" dirty="0"/>
           </a:p>
         </p:txBody>
       </p:sp>
-      <p:pic>
-        <p:nvPicPr>
-          <p:cNvPr id="3" name="図 2"/>
-          <p:cNvPicPr>
-            <a:picLocks noChangeAspect="1"/>
-          </p:cNvPicPr>
-          <p:nvPr/>
-        </p:nvPicPr>
-        <p:blipFill>
-          <a:blip r:embed="rId2"/>
-          <a:stretch>
-            <a:fillRect/>
-          </a:stretch>
-        </p:blipFill>
-        <p:spPr>
-          <a:xfrm>
-            <a:off x="555219" y="2265010"/>
-            <a:ext cx="4932913" cy="2628961"/>
-          </a:xfrm>
-          <a:prstGeom prst="rect">
-            <a:avLst/>
-          </a:prstGeom>
-        </p:spPr>
-      </p:pic>
       <p:sp>
         <p:nvSpPr>
-          <p:cNvPr id="9" name="正方形/長方形 8"/>
+          <p:cNvPr id="10" name="右矢印 9"/>
           <p:cNvSpPr/>
           <p:nvPr/>
         </p:nvSpPr>
         <p:spPr>
           <a:xfrm>
-            <a:off x="913681" y="2382591"/>
-            <a:ext cx="181023" cy="206063"/>
+            <a:off x="5681655" y="3605898"/>
+            <a:ext cx="751416" cy="702631"/>
+          </a:xfrm>
+          <a:prstGeom prst="rightArrow">
+            <a:avLst/>
+          </a:prstGeom>
+        </p:spPr>
+        <p:style>
+          <a:lnRef idx="2">
+            <a:schemeClr val="accent1"/>
+          </a:lnRef>
+          <a:fillRef idx="1">
+            <a:schemeClr val="lt1"/>
+          </a:fillRef>
+          <a:effectRef idx="0">
+            <a:schemeClr val="accent1"/>
+          </a:effectRef>
+          <a:fontRef idx="minor">
+            <a:schemeClr val="dk1"/>
+          </a:fontRef>
+        </p:style>
+        <p:txBody>
+          <a:bodyPr rtlCol="0" anchor="ctr"/>
+          <a:lstStyle/>
+          <a:p>
+            <a:pPr algn="ctr"/>
+            <a:endParaRPr kumimoji="1" lang="ja-JP" altLang="en-US"/>
+          </a:p>
+        </p:txBody>
+      </p:sp>
+      <p:sp>
+        <p:nvSpPr>
+          <p:cNvPr id="11" name="正方形/長方形 10"/>
+          <p:cNvSpPr/>
+          <p:nvPr/>
+        </p:nvSpPr>
+        <p:spPr>
+          <a:xfrm>
+            <a:off x="9586430" y="5537913"/>
+            <a:ext cx="901303" cy="347511"/>
           </a:xfrm>
           <a:prstGeom prst="rect">
             <a:avLst/>
@@ -12163,57 +12647,370 @@
       </p:sp>
       <p:pic>
         <p:nvPicPr>
-          <p:cNvPr id="5" name="図 4"/>
+          <p:cNvPr id="12" name="図 11"/>
           <p:cNvPicPr>
             <a:picLocks noChangeAspect="1"/>
           </p:cNvPicPr>
           <p:nvPr/>
         </p:nvPicPr>
         <p:blipFill>
-          <a:blip r:embed="rId3"/>
+          <a:blip r:embed="rId4" cstate="print">
+            <a:extLst>
+              <a:ext uri="{28A0092B-C50C-407E-A947-70E740481C1C}">
+                <a14:useLocalDpi xmlns:a14="http://schemas.microsoft.com/office/drawing/2010/main" val="0"/>
+              </a:ext>
+            </a:extLst>
+          </a:blip>
           <a:stretch>
             <a:fillRect/>
           </a:stretch>
         </p:blipFill>
         <p:spPr>
           <a:xfrm>
-            <a:off x="6896295" y="2265010"/>
-            <a:ext cx="4254730" cy="2563701"/>
+            <a:off x="10185516" y="5683752"/>
+            <a:ext cx="604434" cy="604434"/>
           </a:xfrm>
           <a:prstGeom prst="rect">
             <a:avLst/>
           </a:prstGeom>
         </p:spPr>
       </p:pic>
+    </p:spTree>
+    <p:extLst>
+      <p:ext uri="{BB962C8B-B14F-4D97-AF65-F5344CB8AC3E}">
+        <p14:creationId xmlns:p14="http://schemas.microsoft.com/office/powerpoint/2010/main" val="3278183494"/>
+      </p:ext>
+    </p:extLst>
+  </p:cSld>
+  <p:clrMapOvr>
+    <a:masterClrMapping/>
+  </p:clrMapOvr>
+  <p:timing>
+    <p:tnLst>
+      <p:par>
+        <p:cTn id="1" dur="indefinite" restart="never" nodeType="tmRoot"/>
+      </p:par>
+    </p:tnLst>
+  </p:timing>
+</p:sld>
+</file>
+
+<file path=ppt/slides/slide29.xml><?xml version="1.0" encoding="utf-8"?>
+<p:sld xmlns:a="http://schemas.openxmlformats.org/drawingml/2006/main" xmlns:r="http://schemas.openxmlformats.org/officeDocument/2006/relationships" xmlns:p="http://schemas.openxmlformats.org/presentationml/2006/main">
+  <p:cSld>
+    <p:spTree>
+      <p:nvGrpSpPr>
+        <p:cNvPr id="1" name=""/>
+        <p:cNvGrpSpPr/>
+        <p:nvPr/>
+      </p:nvGrpSpPr>
+      <p:grpSpPr>
+        <a:xfrm>
+          <a:off x="0" y="0"/>
+          <a:ext cx="0" cy="0"/>
+          <a:chOff x="0" y="0"/>
+          <a:chExt cx="0" cy="0"/>
+        </a:xfrm>
+      </p:grpSpPr>
+      <p:pic>
+        <p:nvPicPr>
+          <p:cNvPr id="10" name="図 9"/>
+          <p:cNvPicPr>
+            <a:picLocks noChangeAspect="1"/>
+          </p:cNvPicPr>
+          <p:nvPr/>
+        </p:nvPicPr>
+        <p:blipFill>
+          <a:blip r:embed="rId2"/>
+          <a:stretch>
+            <a:fillRect/>
+          </a:stretch>
+        </p:blipFill>
+        <p:spPr>
+          <a:xfrm>
+            <a:off x="875764" y="2279288"/>
+            <a:ext cx="5641765" cy="4010942"/>
+          </a:xfrm>
+          <a:prstGeom prst="rect">
+            <a:avLst/>
+          </a:prstGeom>
+        </p:spPr>
+      </p:pic>
       <p:sp>
         <p:nvSpPr>
-          <p:cNvPr id="6" name="右矢印 5"/>
+          <p:cNvPr id="2" name="タイトル 1"/>
+          <p:cNvSpPr>
+            <a:spLocks noGrp="1"/>
+          </p:cNvSpPr>
+          <p:nvPr>
+            <p:ph type="title"/>
+          </p:nvPr>
+        </p:nvSpPr>
+        <p:spPr>
+          <a:xfrm>
+            <a:off x="555219" y="284176"/>
+            <a:ext cx="9784080" cy="915974"/>
+          </a:xfrm>
+        </p:spPr>
+        <p:txBody>
+          <a:bodyPr/>
+          <a:lstStyle/>
+          <a:p>
+            <a:r>
+              <a:rPr lang="ja-JP" altLang="en-US" dirty="0" smtClean="0"/>
+              <a:t>デバッグ環境構築</a:t>
+            </a:r>
+            <a:r>
+              <a:rPr kumimoji="1" lang="en-US" altLang="ja-JP" dirty="0" smtClean="0"/>
+              <a:t>-</a:t>
+            </a:r>
+            <a:r>
+              <a:rPr kumimoji="1" lang="en-US" altLang="ja-JP" dirty="0" err="1" smtClean="0"/>
+              <a:t>VSCode</a:t>
+            </a:r>
+            <a:r>
+              <a:rPr lang="ja-JP" altLang="en-US" dirty="0" smtClean="0"/>
+              <a:t>の日本語化</a:t>
+            </a:r>
+            <a:endParaRPr kumimoji="1" lang="ja-JP" altLang="en-US" dirty="0"/>
+          </a:p>
+        </p:txBody>
+      </p:sp>
+      <p:sp>
+        <p:nvSpPr>
+          <p:cNvPr id="7" name="コンテンツ プレースホルダー 3"/>
+          <p:cNvSpPr txBox="1">
+            <a:spLocks/>
+          </p:cNvSpPr>
+          <p:nvPr/>
+        </p:nvSpPr>
+        <p:spPr>
+          <a:xfrm>
+            <a:off x="555219" y="1200150"/>
+            <a:ext cx="11164927" cy="873349"/>
+          </a:xfrm>
+          <a:prstGeom prst="rect">
+            <a:avLst/>
+          </a:prstGeom>
+          <a:solidFill>
+            <a:schemeClr val="accent1">
+              <a:lumMod val="20000"/>
+              <a:lumOff val="80000"/>
+            </a:schemeClr>
+          </a:solidFill>
+          <a:ln>
+            <a:solidFill>
+              <a:schemeClr val="accent1"/>
+            </a:solidFill>
+          </a:ln>
+        </p:spPr>
+        <p:txBody>
+          <a:bodyPr anchor="ctr"/>
+          <a:lstStyle>
+            <a:lvl1pPr marL="228600" indent="-228600" algn="l" defTabSz="914400" rtl="0" eaLnBrk="1" latinLnBrk="0" hangingPunct="1">
+              <a:lnSpc>
+                <a:spcPct val="90000"/>
+              </a:lnSpc>
+              <a:spcBef>
+                <a:spcPts val="1000"/>
+              </a:spcBef>
+              <a:buFont typeface="Arial" panose="020B0604020202020204" pitchFamily="34" charset="0"/>
+              <a:buChar char="•"/>
+              <a:defRPr kumimoji="1" sz="2000" kern="1200">
+                <a:solidFill>
+                  <a:schemeClr val="tx1"/>
+                </a:solidFill>
+                <a:latin typeface="Meiryo UI" panose="020B0604030504040204" pitchFamily="50" charset="-128"/>
+                <a:ea typeface="Meiryo UI" panose="020B0604030504040204" pitchFamily="50" charset="-128"/>
+                <a:cs typeface="+mn-cs"/>
+              </a:defRPr>
+            </a:lvl1pPr>
+            <a:lvl2pPr marL="685800" indent="-228600" algn="l" defTabSz="914400" rtl="0" eaLnBrk="1" latinLnBrk="0" hangingPunct="1">
+              <a:lnSpc>
+                <a:spcPct val="90000"/>
+              </a:lnSpc>
+              <a:spcBef>
+                <a:spcPts val="500"/>
+              </a:spcBef>
+              <a:buFont typeface="Arial" panose="020B0604020202020204" pitchFamily="34" charset="0"/>
+              <a:buChar char="•"/>
+              <a:defRPr kumimoji="1" sz="1800" kern="1200">
+                <a:solidFill>
+                  <a:schemeClr val="tx1"/>
+                </a:solidFill>
+                <a:latin typeface="Meiryo UI" panose="020B0604030504040204" pitchFamily="50" charset="-128"/>
+                <a:ea typeface="Meiryo UI" panose="020B0604030504040204" pitchFamily="50" charset="-128"/>
+                <a:cs typeface="+mn-cs"/>
+              </a:defRPr>
+            </a:lvl2pPr>
+            <a:lvl3pPr marL="1143000" indent="-228600" algn="l" defTabSz="914400" rtl="0" eaLnBrk="1" latinLnBrk="0" hangingPunct="1">
+              <a:lnSpc>
+                <a:spcPct val="90000"/>
+              </a:lnSpc>
+              <a:spcBef>
+                <a:spcPts val="500"/>
+              </a:spcBef>
+              <a:buFont typeface="Arial" panose="020B0604020202020204" pitchFamily="34" charset="0"/>
+              <a:buChar char="•"/>
+              <a:defRPr kumimoji="1" sz="1600" kern="1200">
+                <a:solidFill>
+                  <a:schemeClr val="tx1"/>
+                </a:solidFill>
+                <a:latin typeface="Meiryo UI" panose="020B0604030504040204" pitchFamily="50" charset="-128"/>
+                <a:ea typeface="Meiryo UI" panose="020B0604030504040204" pitchFamily="50" charset="-128"/>
+                <a:cs typeface="+mn-cs"/>
+              </a:defRPr>
+            </a:lvl3pPr>
+            <a:lvl4pPr marL="1600200" indent="-228600" algn="l" defTabSz="914400" rtl="0" eaLnBrk="1" latinLnBrk="0" hangingPunct="1">
+              <a:lnSpc>
+                <a:spcPct val="90000"/>
+              </a:lnSpc>
+              <a:spcBef>
+                <a:spcPts val="500"/>
+              </a:spcBef>
+              <a:buFont typeface="Arial" panose="020B0604020202020204" pitchFamily="34" charset="0"/>
+              <a:buChar char="•"/>
+              <a:defRPr kumimoji="1" sz="1400" kern="1200">
+                <a:solidFill>
+                  <a:schemeClr val="tx1"/>
+                </a:solidFill>
+                <a:latin typeface="Meiryo UI" panose="020B0604030504040204" pitchFamily="50" charset="-128"/>
+                <a:ea typeface="Meiryo UI" panose="020B0604030504040204" pitchFamily="50" charset="-128"/>
+                <a:cs typeface="+mn-cs"/>
+              </a:defRPr>
+            </a:lvl4pPr>
+            <a:lvl5pPr marL="2057400" indent="-228600" algn="l" defTabSz="914400" rtl="0" eaLnBrk="1" latinLnBrk="0" hangingPunct="1">
+              <a:lnSpc>
+                <a:spcPct val="90000"/>
+              </a:lnSpc>
+              <a:spcBef>
+                <a:spcPts val="500"/>
+              </a:spcBef>
+              <a:buFont typeface="Arial" panose="020B0604020202020204" pitchFamily="34" charset="0"/>
+              <a:buChar char="•"/>
+              <a:defRPr kumimoji="1" sz="1200" kern="1200">
+                <a:solidFill>
+                  <a:schemeClr val="tx1"/>
+                </a:solidFill>
+                <a:latin typeface="Meiryo UI" panose="020B0604030504040204" pitchFamily="50" charset="-128"/>
+                <a:ea typeface="Meiryo UI" panose="020B0604030504040204" pitchFamily="50" charset="-128"/>
+                <a:cs typeface="+mn-cs"/>
+              </a:defRPr>
+            </a:lvl5pPr>
+            <a:lvl6pPr marL="2514600" indent="-228600" algn="l" defTabSz="914400" rtl="0" eaLnBrk="1" latinLnBrk="0" hangingPunct="1">
+              <a:lnSpc>
+                <a:spcPct val="90000"/>
+              </a:lnSpc>
+              <a:spcBef>
+                <a:spcPts val="500"/>
+              </a:spcBef>
+              <a:buFont typeface="Arial" panose="020B0604020202020204" pitchFamily="34" charset="0"/>
+              <a:buChar char="•"/>
+              <a:defRPr kumimoji="1" sz="1800" kern="1200">
+                <a:solidFill>
+                  <a:schemeClr val="tx1"/>
+                </a:solidFill>
+                <a:latin typeface="+mn-lt"/>
+                <a:ea typeface="+mn-ea"/>
+                <a:cs typeface="+mn-cs"/>
+              </a:defRPr>
+            </a:lvl6pPr>
+            <a:lvl7pPr marL="2971800" indent="-228600" algn="l" defTabSz="914400" rtl="0" eaLnBrk="1" latinLnBrk="0" hangingPunct="1">
+              <a:lnSpc>
+                <a:spcPct val="90000"/>
+              </a:lnSpc>
+              <a:spcBef>
+                <a:spcPts val="500"/>
+              </a:spcBef>
+              <a:buFont typeface="Arial" panose="020B0604020202020204" pitchFamily="34" charset="0"/>
+              <a:buChar char="•"/>
+              <a:defRPr kumimoji="1" sz="1800" kern="1200">
+                <a:solidFill>
+                  <a:schemeClr val="tx1"/>
+                </a:solidFill>
+                <a:latin typeface="+mn-lt"/>
+                <a:ea typeface="+mn-ea"/>
+                <a:cs typeface="+mn-cs"/>
+              </a:defRPr>
+            </a:lvl7pPr>
+            <a:lvl8pPr marL="3429000" indent="-228600" algn="l" defTabSz="914400" rtl="0" eaLnBrk="1" latinLnBrk="0" hangingPunct="1">
+              <a:lnSpc>
+                <a:spcPct val="90000"/>
+              </a:lnSpc>
+              <a:spcBef>
+                <a:spcPts val="500"/>
+              </a:spcBef>
+              <a:buFont typeface="Arial" panose="020B0604020202020204" pitchFamily="34" charset="0"/>
+              <a:buChar char="•"/>
+              <a:defRPr kumimoji="1" sz="1800" kern="1200">
+                <a:solidFill>
+                  <a:schemeClr val="tx1"/>
+                </a:solidFill>
+                <a:latin typeface="+mn-lt"/>
+                <a:ea typeface="+mn-ea"/>
+                <a:cs typeface="+mn-cs"/>
+              </a:defRPr>
+            </a:lvl8pPr>
+            <a:lvl9pPr marL="3886200" indent="-228600" algn="l" defTabSz="914400" rtl="0" eaLnBrk="1" latinLnBrk="0" hangingPunct="1">
+              <a:lnSpc>
+                <a:spcPct val="90000"/>
+              </a:lnSpc>
+              <a:spcBef>
+                <a:spcPts val="500"/>
+              </a:spcBef>
+              <a:buFont typeface="Arial" panose="020B0604020202020204" pitchFamily="34" charset="0"/>
+              <a:buChar char="•"/>
+              <a:defRPr kumimoji="1" sz="1800" kern="1200">
+                <a:solidFill>
+                  <a:schemeClr val="tx1"/>
+                </a:solidFill>
+                <a:latin typeface="+mn-lt"/>
+                <a:ea typeface="+mn-ea"/>
+                <a:cs typeface="+mn-cs"/>
+              </a:defRPr>
+            </a:lvl9pPr>
+          </a:lstStyle>
+          <a:p>
+            <a:pPr marL="0" indent="0">
+              <a:buNone/>
+            </a:pPr>
+            <a:r>
+              <a:rPr lang="ja-JP" altLang="en-US" dirty="0" smtClean="0"/>
+              <a:t>日本語化を任意で実施</a:t>
+            </a:r>
+            <a:endParaRPr lang="ja-JP" altLang="en-US" dirty="0"/>
+          </a:p>
+        </p:txBody>
+      </p:sp>
+      <p:sp>
+        <p:nvSpPr>
+          <p:cNvPr id="9" name="正方形/長方形 8"/>
           <p:cNvSpPr/>
           <p:nvPr/>
         </p:nvSpPr>
         <p:spPr>
           <a:xfrm>
-            <a:off x="5648478" y="2768121"/>
-            <a:ext cx="978408" cy="1622737"/>
-          </a:xfrm>
-          <a:prstGeom prst="rightArrow">
+            <a:off x="4855336" y="5099314"/>
+            <a:ext cx="1662193" cy="361328"/>
+          </a:xfrm>
+          <a:prstGeom prst="rect">
             <a:avLst/>
           </a:prstGeom>
+          <a:noFill/>
+          <a:ln w="28575"/>
         </p:spPr>
         <p:style>
           <a:lnRef idx="2">
-            <a:schemeClr val="accent1">
-              <a:shade val="50000"/>
-            </a:schemeClr>
+            <a:schemeClr val="accent2"/>
           </a:lnRef>
           <a:fillRef idx="1">
-            <a:schemeClr val="accent1"/>
+            <a:schemeClr val="lt1"/>
           </a:fillRef>
           <a:effectRef idx="0">
-            <a:schemeClr val="accent1"/>
+            <a:schemeClr val="accent2"/>
           </a:effectRef>
           <a:fontRef idx="minor">
-            <a:schemeClr val="lt1"/>
+            <a:schemeClr val="dk1"/>
           </a:fontRef>
         </p:style>
         <p:txBody>
@@ -12225,188 +13022,10 @@
           </a:p>
         </p:txBody>
       </p:sp>
-      <p:sp>
-        <p:nvSpPr>
-          <p:cNvPr id="11" name="正方形/長方形 10"/>
-          <p:cNvSpPr/>
-          <p:nvPr/>
-        </p:nvSpPr>
-        <p:spPr>
-          <a:xfrm>
-            <a:off x="555219" y="5085480"/>
-            <a:ext cx="11164927" cy="1506829"/>
-          </a:xfrm>
-          <a:prstGeom prst="rect">
-            <a:avLst/>
-          </a:prstGeom>
-          <a:solidFill>
-            <a:schemeClr val="accent3">
-              <a:lumMod val="20000"/>
-              <a:lumOff val="80000"/>
-            </a:schemeClr>
-          </a:solidFill>
-        </p:spPr>
-        <p:style>
-          <a:lnRef idx="2">
-            <a:schemeClr val="accent1">
-              <a:shade val="50000"/>
-            </a:schemeClr>
-          </a:lnRef>
-          <a:fillRef idx="1">
-            <a:schemeClr val="accent1"/>
-          </a:fillRef>
-          <a:effectRef idx="0">
-            <a:schemeClr val="accent1"/>
-          </a:effectRef>
-          <a:fontRef idx="minor">
-            <a:schemeClr val="lt1"/>
-          </a:fontRef>
-        </p:style>
-        <p:txBody>
-          <a:bodyPr rtlCol="0" anchor="t"/>
-          <a:lstStyle/>
-          <a:p>
-            <a:pPr>
-              <a:buClr>
-                <a:schemeClr val="accent1">
-                  <a:lumMod val="75000"/>
-                </a:schemeClr>
-              </a:buClr>
-            </a:pPr>
-            <a:r>
-              <a:rPr lang="ja-JP" altLang="en-US" dirty="0" smtClean="0">
-                <a:solidFill>
-                  <a:schemeClr val="tx1"/>
-                </a:solidFill>
-              </a:rPr>
-              <a:t>＜小ネタ＞</a:t>
-            </a:r>
-            <a:r>
-              <a:rPr lang="ja-JP" altLang="en-US" dirty="0">
-                <a:solidFill>
-                  <a:schemeClr val="tx1"/>
-                </a:solidFill>
-              </a:rPr>
-              <a:t>　</a:t>
-            </a:r>
-            <a:r>
-              <a:rPr lang="en-US" altLang="ja-JP" dirty="0" smtClean="0">
-                <a:solidFill>
-                  <a:schemeClr val="tx1"/>
-                </a:solidFill>
-              </a:rPr>
-              <a:t>-</a:t>
-            </a:r>
-            <a:r>
-              <a:rPr lang="ja-JP" altLang="en-US" dirty="0" smtClean="0">
-                <a:solidFill>
-                  <a:schemeClr val="tx1"/>
-                </a:solidFill>
-              </a:rPr>
-              <a:t>仮想デバイスに対する考察</a:t>
-            </a:r>
-            <a:endParaRPr lang="en-US" altLang="ja-JP" dirty="0" smtClean="0">
-              <a:solidFill>
-                <a:schemeClr val="tx1"/>
-              </a:solidFill>
-            </a:endParaRPr>
-          </a:p>
-          <a:p>
-            <a:pPr>
-              <a:buClr>
-                <a:schemeClr val="accent1">
-                  <a:lumMod val="75000"/>
-                </a:schemeClr>
-              </a:buClr>
-            </a:pPr>
-            <a:r>
-              <a:rPr lang="en-US" altLang="ja-JP" dirty="0" smtClean="0">
-                <a:solidFill>
-                  <a:schemeClr val="tx1"/>
-                </a:solidFill>
-              </a:rPr>
-              <a:t>Android studio</a:t>
-            </a:r>
-            <a:r>
-              <a:rPr lang="ja-JP" altLang="en-US" dirty="0" smtClean="0">
-                <a:solidFill>
-                  <a:schemeClr val="tx1"/>
-                </a:solidFill>
-              </a:rPr>
-              <a:t>を入れて仮想デバイスを作成して、アプリを起動させてみましたが</a:t>
-            </a:r>
-            <a:r>
-              <a:rPr lang="ja-JP" altLang="en-US" dirty="0" err="1" smtClean="0">
-                <a:solidFill>
-                  <a:schemeClr val="tx1"/>
-                </a:solidFill>
-              </a:rPr>
-              <a:t>、、、</a:t>
-            </a:r>
-            <a:endParaRPr lang="en-US" altLang="ja-JP" dirty="0" smtClean="0">
-              <a:solidFill>
-                <a:schemeClr val="tx1"/>
-              </a:solidFill>
-            </a:endParaRPr>
-          </a:p>
-          <a:p>
-            <a:pPr>
-              <a:buClr>
-                <a:schemeClr val="accent1">
-                  <a:lumMod val="75000"/>
-                </a:schemeClr>
-              </a:buClr>
-            </a:pPr>
-            <a:r>
-              <a:rPr lang="ja-JP" altLang="en-US" dirty="0" smtClean="0">
-                <a:solidFill>
-                  <a:schemeClr val="tx1"/>
-                </a:solidFill>
-              </a:rPr>
-              <a:t>動作が遅すぎる。（起動に５分ぐらいかかる）</a:t>
-            </a:r>
-            <a:r>
-              <a:rPr lang="ja-JP" altLang="en-US" dirty="0" smtClean="0">
-                <a:solidFill>
-                  <a:schemeClr val="tx1"/>
-                </a:solidFill>
-              </a:rPr>
-              <a:t>そのため、やめました。</a:t>
-            </a:r>
-            <a:endParaRPr lang="en-US" altLang="ja-JP" dirty="0" smtClean="0">
-              <a:solidFill>
-                <a:schemeClr val="tx1"/>
-              </a:solidFill>
-            </a:endParaRPr>
-          </a:p>
-          <a:p>
-            <a:pPr>
-              <a:buClr>
-                <a:schemeClr val="accent1">
-                  <a:lumMod val="75000"/>
-                </a:schemeClr>
-              </a:buClr>
-            </a:pPr>
-            <a:r>
-              <a:rPr lang="ja-JP" altLang="en-US" dirty="0" smtClean="0">
-                <a:solidFill>
-                  <a:schemeClr val="tx1"/>
-                </a:solidFill>
-              </a:rPr>
-              <a:t>いずれ、アプリを実機で確認しようと思っているが手順はまだない。</a:t>
-            </a:r>
-            <a:endParaRPr lang="en-US" altLang="ja-JP" dirty="0" smtClean="0">
-              <a:solidFill>
-                <a:schemeClr val="tx1"/>
-              </a:solidFill>
-            </a:endParaRPr>
-          </a:p>
-        </p:txBody>
-      </p:sp>
     </p:spTree>
     <p:extLst>
       <p:ext uri="{BB962C8B-B14F-4D97-AF65-F5344CB8AC3E}">
-        <p14:creationId xmlns:p14="http://schemas.microsoft.com/office/powerpoint/2010/main" val="1768319999"/>
+        <p14:creationId xmlns:p14="http://schemas.microsoft.com/office/powerpoint/2010/main" val="3593746302"/>
       </p:ext>
     </p:extLst>
   </p:cSld>
@@ -12634,6 +13253,1423 @@
 </p:sld>
 </file>
 
+<file path=ppt/slides/slide30.xml><?xml version="1.0" encoding="utf-8"?>
+<p:sld xmlns:a="http://schemas.openxmlformats.org/drawingml/2006/main" xmlns:r="http://schemas.openxmlformats.org/officeDocument/2006/relationships" xmlns:p="http://schemas.openxmlformats.org/presentationml/2006/main">
+  <p:cSld>
+    <p:spTree>
+      <p:nvGrpSpPr>
+        <p:cNvPr id="1" name=""/>
+        <p:cNvGrpSpPr/>
+        <p:nvPr/>
+      </p:nvGrpSpPr>
+      <p:grpSpPr>
+        <a:xfrm>
+          <a:off x="0" y="0"/>
+          <a:ext cx="0" cy="0"/>
+          <a:chOff x="0" y="0"/>
+          <a:chExt cx="0" cy="0"/>
+        </a:xfrm>
+      </p:grpSpPr>
+      <p:sp>
+        <p:nvSpPr>
+          <p:cNvPr id="2" name="タイトル 1"/>
+          <p:cNvSpPr>
+            <a:spLocks noGrp="1"/>
+          </p:cNvSpPr>
+          <p:nvPr>
+            <p:ph type="title"/>
+          </p:nvPr>
+        </p:nvSpPr>
+        <p:spPr>
+          <a:xfrm>
+            <a:off x="555219" y="284176"/>
+            <a:ext cx="9784080" cy="915974"/>
+          </a:xfrm>
+        </p:spPr>
+        <p:txBody>
+          <a:bodyPr/>
+          <a:lstStyle/>
+          <a:p>
+            <a:r>
+              <a:rPr lang="ja-JP" altLang="en-US" dirty="0" smtClean="0"/>
+              <a:t>デバッグ環境構築</a:t>
+            </a:r>
+            <a:r>
+              <a:rPr kumimoji="1" lang="en-US" altLang="ja-JP" dirty="0" smtClean="0"/>
+              <a:t>-</a:t>
+            </a:r>
+            <a:r>
+              <a:rPr kumimoji="1" lang="en-US" altLang="ja-JP" dirty="0" err="1" smtClean="0"/>
+              <a:t>VSCode</a:t>
+            </a:r>
+            <a:r>
+              <a:rPr lang="ja-JP" altLang="en-US" dirty="0" smtClean="0"/>
+              <a:t>の拡張機能をインストール</a:t>
+            </a:r>
+            <a:endParaRPr kumimoji="1" lang="ja-JP" altLang="en-US" dirty="0"/>
+          </a:p>
+        </p:txBody>
+      </p:sp>
+      <p:sp>
+        <p:nvSpPr>
+          <p:cNvPr id="7" name="コンテンツ プレースホルダー 3"/>
+          <p:cNvSpPr txBox="1">
+            <a:spLocks/>
+          </p:cNvSpPr>
+          <p:nvPr/>
+        </p:nvSpPr>
+        <p:spPr>
+          <a:xfrm>
+            <a:off x="555219" y="1200150"/>
+            <a:ext cx="11164927" cy="873349"/>
+          </a:xfrm>
+          <a:prstGeom prst="rect">
+            <a:avLst/>
+          </a:prstGeom>
+          <a:solidFill>
+            <a:schemeClr val="accent1">
+              <a:lumMod val="20000"/>
+              <a:lumOff val="80000"/>
+            </a:schemeClr>
+          </a:solidFill>
+          <a:ln>
+            <a:solidFill>
+              <a:schemeClr val="accent1"/>
+            </a:solidFill>
+          </a:ln>
+        </p:spPr>
+        <p:txBody>
+          <a:bodyPr anchor="ctr"/>
+          <a:lstStyle>
+            <a:lvl1pPr marL="228600" indent="-228600" algn="l" defTabSz="914400" rtl="0" eaLnBrk="1" latinLnBrk="0" hangingPunct="1">
+              <a:lnSpc>
+                <a:spcPct val="90000"/>
+              </a:lnSpc>
+              <a:spcBef>
+                <a:spcPts val="1000"/>
+              </a:spcBef>
+              <a:buFont typeface="Arial" panose="020B0604020202020204" pitchFamily="34" charset="0"/>
+              <a:buChar char="•"/>
+              <a:defRPr kumimoji="1" sz="2000" kern="1200">
+                <a:solidFill>
+                  <a:schemeClr val="tx1"/>
+                </a:solidFill>
+                <a:latin typeface="Meiryo UI" panose="020B0604030504040204" pitchFamily="50" charset="-128"/>
+                <a:ea typeface="Meiryo UI" panose="020B0604030504040204" pitchFamily="50" charset="-128"/>
+                <a:cs typeface="+mn-cs"/>
+              </a:defRPr>
+            </a:lvl1pPr>
+            <a:lvl2pPr marL="685800" indent="-228600" algn="l" defTabSz="914400" rtl="0" eaLnBrk="1" latinLnBrk="0" hangingPunct="1">
+              <a:lnSpc>
+                <a:spcPct val="90000"/>
+              </a:lnSpc>
+              <a:spcBef>
+                <a:spcPts val="500"/>
+              </a:spcBef>
+              <a:buFont typeface="Arial" panose="020B0604020202020204" pitchFamily="34" charset="0"/>
+              <a:buChar char="•"/>
+              <a:defRPr kumimoji="1" sz="1800" kern="1200">
+                <a:solidFill>
+                  <a:schemeClr val="tx1"/>
+                </a:solidFill>
+                <a:latin typeface="Meiryo UI" panose="020B0604030504040204" pitchFamily="50" charset="-128"/>
+                <a:ea typeface="Meiryo UI" panose="020B0604030504040204" pitchFamily="50" charset="-128"/>
+                <a:cs typeface="+mn-cs"/>
+              </a:defRPr>
+            </a:lvl2pPr>
+            <a:lvl3pPr marL="1143000" indent="-228600" algn="l" defTabSz="914400" rtl="0" eaLnBrk="1" latinLnBrk="0" hangingPunct="1">
+              <a:lnSpc>
+                <a:spcPct val="90000"/>
+              </a:lnSpc>
+              <a:spcBef>
+                <a:spcPts val="500"/>
+              </a:spcBef>
+              <a:buFont typeface="Arial" panose="020B0604020202020204" pitchFamily="34" charset="0"/>
+              <a:buChar char="•"/>
+              <a:defRPr kumimoji="1" sz="1600" kern="1200">
+                <a:solidFill>
+                  <a:schemeClr val="tx1"/>
+                </a:solidFill>
+                <a:latin typeface="Meiryo UI" panose="020B0604030504040204" pitchFamily="50" charset="-128"/>
+                <a:ea typeface="Meiryo UI" panose="020B0604030504040204" pitchFamily="50" charset="-128"/>
+                <a:cs typeface="+mn-cs"/>
+              </a:defRPr>
+            </a:lvl3pPr>
+            <a:lvl4pPr marL="1600200" indent="-228600" algn="l" defTabSz="914400" rtl="0" eaLnBrk="1" latinLnBrk="0" hangingPunct="1">
+              <a:lnSpc>
+                <a:spcPct val="90000"/>
+              </a:lnSpc>
+              <a:spcBef>
+                <a:spcPts val="500"/>
+              </a:spcBef>
+              <a:buFont typeface="Arial" panose="020B0604020202020204" pitchFamily="34" charset="0"/>
+              <a:buChar char="•"/>
+              <a:defRPr kumimoji="1" sz="1400" kern="1200">
+                <a:solidFill>
+                  <a:schemeClr val="tx1"/>
+                </a:solidFill>
+                <a:latin typeface="Meiryo UI" panose="020B0604030504040204" pitchFamily="50" charset="-128"/>
+                <a:ea typeface="Meiryo UI" panose="020B0604030504040204" pitchFamily="50" charset="-128"/>
+                <a:cs typeface="+mn-cs"/>
+              </a:defRPr>
+            </a:lvl4pPr>
+            <a:lvl5pPr marL="2057400" indent="-228600" algn="l" defTabSz="914400" rtl="0" eaLnBrk="1" latinLnBrk="0" hangingPunct="1">
+              <a:lnSpc>
+                <a:spcPct val="90000"/>
+              </a:lnSpc>
+              <a:spcBef>
+                <a:spcPts val="500"/>
+              </a:spcBef>
+              <a:buFont typeface="Arial" panose="020B0604020202020204" pitchFamily="34" charset="0"/>
+              <a:buChar char="•"/>
+              <a:defRPr kumimoji="1" sz="1200" kern="1200">
+                <a:solidFill>
+                  <a:schemeClr val="tx1"/>
+                </a:solidFill>
+                <a:latin typeface="Meiryo UI" panose="020B0604030504040204" pitchFamily="50" charset="-128"/>
+                <a:ea typeface="Meiryo UI" panose="020B0604030504040204" pitchFamily="50" charset="-128"/>
+                <a:cs typeface="+mn-cs"/>
+              </a:defRPr>
+            </a:lvl5pPr>
+            <a:lvl6pPr marL="2514600" indent="-228600" algn="l" defTabSz="914400" rtl="0" eaLnBrk="1" latinLnBrk="0" hangingPunct="1">
+              <a:lnSpc>
+                <a:spcPct val="90000"/>
+              </a:lnSpc>
+              <a:spcBef>
+                <a:spcPts val="500"/>
+              </a:spcBef>
+              <a:buFont typeface="Arial" panose="020B0604020202020204" pitchFamily="34" charset="0"/>
+              <a:buChar char="•"/>
+              <a:defRPr kumimoji="1" sz="1800" kern="1200">
+                <a:solidFill>
+                  <a:schemeClr val="tx1"/>
+                </a:solidFill>
+                <a:latin typeface="+mn-lt"/>
+                <a:ea typeface="+mn-ea"/>
+                <a:cs typeface="+mn-cs"/>
+              </a:defRPr>
+            </a:lvl6pPr>
+            <a:lvl7pPr marL="2971800" indent="-228600" algn="l" defTabSz="914400" rtl="0" eaLnBrk="1" latinLnBrk="0" hangingPunct="1">
+              <a:lnSpc>
+                <a:spcPct val="90000"/>
+              </a:lnSpc>
+              <a:spcBef>
+                <a:spcPts val="500"/>
+              </a:spcBef>
+              <a:buFont typeface="Arial" panose="020B0604020202020204" pitchFamily="34" charset="0"/>
+              <a:buChar char="•"/>
+              <a:defRPr kumimoji="1" sz="1800" kern="1200">
+                <a:solidFill>
+                  <a:schemeClr val="tx1"/>
+                </a:solidFill>
+                <a:latin typeface="+mn-lt"/>
+                <a:ea typeface="+mn-ea"/>
+                <a:cs typeface="+mn-cs"/>
+              </a:defRPr>
+            </a:lvl7pPr>
+            <a:lvl8pPr marL="3429000" indent="-228600" algn="l" defTabSz="914400" rtl="0" eaLnBrk="1" latinLnBrk="0" hangingPunct="1">
+              <a:lnSpc>
+                <a:spcPct val="90000"/>
+              </a:lnSpc>
+              <a:spcBef>
+                <a:spcPts val="500"/>
+              </a:spcBef>
+              <a:buFont typeface="Arial" panose="020B0604020202020204" pitchFamily="34" charset="0"/>
+              <a:buChar char="•"/>
+              <a:defRPr kumimoji="1" sz="1800" kern="1200">
+                <a:solidFill>
+                  <a:schemeClr val="tx1"/>
+                </a:solidFill>
+                <a:latin typeface="+mn-lt"/>
+                <a:ea typeface="+mn-ea"/>
+                <a:cs typeface="+mn-cs"/>
+              </a:defRPr>
+            </a:lvl8pPr>
+            <a:lvl9pPr marL="3886200" indent="-228600" algn="l" defTabSz="914400" rtl="0" eaLnBrk="1" latinLnBrk="0" hangingPunct="1">
+              <a:lnSpc>
+                <a:spcPct val="90000"/>
+              </a:lnSpc>
+              <a:spcBef>
+                <a:spcPts val="500"/>
+              </a:spcBef>
+              <a:buFont typeface="Arial" panose="020B0604020202020204" pitchFamily="34" charset="0"/>
+              <a:buChar char="•"/>
+              <a:defRPr kumimoji="1" sz="1800" kern="1200">
+                <a:solidFill>
+                  <a:schemeClr val="tx1"/>
+                </a:solidFill>
+                <a:latin typeface="+mn-lt"/>
+                <a:ea typeface="+mn-ea"/>
+                <a:cs typeface="+mn-cs"/>
+              </a:defRPr>
+            </a:lvl9pPr>
+          </a:lstStyle>
+          <a:p>
+            <a:pPr marL="0" indent="0">
+              <a:buNone/>
+            </a:pPr>
+            <a:r>
+              <a:rPr lang="ja-JP" altLang="en-US" dirty="0" smtClean="0"/>
+              <a:t>ワーク</a:t>
+            </a:r>
+            <a:r>
+              <a:rPr lang="ja-JP" altLang="en-US" dirty="0"/>
+              <a:t>スペース</a:t>
+            </a:r>
+            <a:r>
+              <a:rPr lang="ja-JP" altLang="en-US" dirty="0" smtClean="0"/>
+              <a:t>の追加</a:t>
+            </a:r>
+            <a:endParaRPr lang="en-US" altLang="ja-JP" dirty="0" smtClean="0"/>
+          </a:p>
+          <a:p>
+            <a:pPr marL="0" indent="0">
+              <a:buNone/>
+            </a:pPr>
+            <a:r>
+              <a:rPr lang="en-US" altLang="ja-JP" dirty="0" smtClean="0"/>
+              <a:t>tutorial</a:t>
+            </a:r>
+            <a:r>
+              <a:rPr lang="ja-JP" altLang="en-US" dirty="0" smtClean="0"/>
+              <a:t>の選択して、追加する</a:t>
+            </a:r>
+            <a:endParaRPr lang="ja-JP" altLang="en-US" dirty="0"/>
+          </a:p>
+        </p:txBody>
+      </p:sp>
+      <p:pic>
+        <p:nvPicPr>
+          <p:cNvPr id="3" name="図 2"/>
+          <p:cNvPicPr>
+            <a:picLocks noChangeAspect="1"/>
+          </p:cNvPicPr>
+          <p:nvPr/>
+        </p:nvPicPr>
+        <p:blipFill>
+          <a:blip r:embed="rId2"/>
+          <a:stretch>
+            <a:fillRect/>
+          </a:stretch>
+        </p:blipFill>
+        <p:spPr>
+          <a:xfrm>
+            <a:off x="555219" y="2303005"/>
+            <a:ext cx="6589690" cy="3511929"/>
+          </a:xfrm>
+          <a:prstGeom prst="rect">
+            <a:avLst/>
+          </a:prstGeom>
+        </p:spPr>
+      </p:pic>
+      <p:sp>
+        <p:nvSpPr>
+          <p:cNvPr id="10" name="正方形/長方形 9"/>
+          <p:cNvSpPr/>
+          <p:nvPr/>
+        </p:nvSpPr>
+        <p:spPr>
+          <a:xfrm>
+            <a:off x="555219" y="2473844"/>
+            <a:ext cx="320544" cy="269358"/>
+          </a:xfrm>
+          <a:prstGeom prst="rect">
+            <a:avLst/>
+          </a:prstGeom>
+          <a:noFill/>
+          <a:ln w="28575"/>
+        </p:spPr>
+        <p:style>
+          <a:lnRef idx="2">
+            <a:schemeClr val="accent2"/>
+          </a:lnRef>
+          <a:fillRef idx="1">
+            <a:schemeClr val="lt1"/>
+          </a:fillRef>
+          <a:effectRef idx="0">
+            <a:schemeClr val="accent2"/>
+          </a:effectRef>
+          <a:fontRef idx="minor">
+            <a:schemeClr val="dk1"/>
+          </a:fontRef>
+        </p:style>
+        <p:txBody>
+          <a:bodyPr rtlCol="0" anchor="ctr"/>
+          <a:lstStyle/>
+          <a:p>
+            <a:pPr algn="ctr"/>
+            <a:endParaRPr kumimoji="1" lang="ja-JP" altLang="en-US"/>
+          </a:p>
+        </p:txBody>
+      </p:sp>
+      <p:sp>
+        <p:nvSpPr>
+          <p:cNvPr id="11" name="正方形/長方形 10"/>
+          <p:cNvSpPr/>
+          <p:nvPr/>
+        </p:nvSpPr>
+        <p:spPr>
+          <a:xfrm>
+            <a:off x="875763" y="3089883"/>
+            <a:ext cx="1326524" cy="323018"/>
+          </a:xfrm>
+          <a:prstGeom prst="rect">
+            <a:avLst/>
+          </a:prstGeom>
+          <a:noFill/>
+          <a:ln w="28575"/>
+        </p:spPr>
+        <p:style>
+          <a:lnRef idx="2">
+            <a:schemeClr val="accent2"/>
+          </a:lnRef>
+          <a:fillRef idx="1">
+            <a:schemeClr val="lt1"/>
+          </a:fillRef>
+          <a:effectRef idx="0">
+            <a:schemeClr val="accent2"/>
+          </a:effectRef>
+          <a:fontRef idx="minor">
+            <a:schemeClr val="dk1"/>
+          </a:fontRef>
+        </p:style>
+        <p:txBody>
+          <a:bodyPr rtlCol="0" anchor="ctr"/>
+          <a:lstStyle/>
+          <a:p>
+            <a:pPr algn="ctr"/>
+            <a:endParaRPr kumimoji="1" lang="ja-JP" altLang="en-US"/>
+          </a:p>
+        </p:txBody>
+      </p:sp>
+    </p:spTree>
+    <p:extLst>
+      <p:ext uri="{BB962C8B-B14F-4D97-AF65-F5344CB8AC3E}">
+        <p14:creationId xmlns:p14="http://schemas.microsoft.com/office/powerpoint/2010/main" val="2524463407"/>
+      </p:ext>
+    </p:extLst>
+  </p:cSld>
+  <p:clrMapOvr>
+    <a:masterClrMapping/>
+  </p:clrMapOvr>
+  <p:timing>
+    <p:tnLst>
+      <p:par>
+        <p:cTn id="1" dur="indefinite" restart="never" nodeType="tmRoot"/>
+      </p:par>
+    </p:tnLst>
+  </p:timing>
+</p:sld>
+</file>
+
+<file path=ppt/slides/slide31.xml><?xml version="1.0" encoding="utf-8"?>
+<p:sld xmlns:a="http://schemas.openxmlformats.org/drawingml/2006/main" xmlns:r="http://schemas.openxmlformats.org/officeDocument/2006/relationships" xmlns:p="http://schemas.openxmlformats.org/presentationml/2006/main">
+  <p:cSld>
+    <p:spTree>
+      <p:nvGrpSpPr>
+        <p:cNvPr id="1" name=""/>
+        <p:cNvGrpSpPr/>
+        <p:nvPr/>
+      </p:nvGrpSpPr>
+      <p:grpSpPr>
+        <a:xfrm>
+          <a:off x="0" y="0"/>
+          <a:ext cx="0" cy="0"/>
+          <a:chOff x="0" y="0"/>
+          <a:chExt cx="0" cy="0"/>
+        </a:xfrm>
+      </p:grpSpPr>
+      <p:pic>
+        <p:nvPicPr>
+          <p:cNvPr id="4" name="図 3"/>
+          <p:cNvPicPr>
+            <a:picLocks noChangeAspect="1"/>
+          </p:cNvPicPr>
+          <p:nvPr/>
+        </p:nvPicPr>
+        <p:blipFill>
+          <a:blip r:embed="rId2"/>
+          <a:stretch>
+            <a:fillRect/>
+          </a:stretch>
+        </p:blipFill>
+        <p:spPr>
+          <a:xfrm>
+            <a:off x="555219" y="2215167"/>
+            <a:ext cx="7165327" cy="3818710"/>
+          </a:xfrm>
+          <a:prstGeom prst="rect">
+            <a:avLst/>
+          </a:prstGeom>
+        </p:spPr>
+      </p:pic>
+      <p:sp>
+        <p:nvSpPr>
+          <p:cNvPr id="2" name="タイトル 1"/>
+          <p:cNvSpPr>
+            <a:spLocks noGrp="1"/>
+          </p:cNvSpPr>
+          <p:nvPr>
+            <p:ph type="title"/>
+          </p:nvPr>
+        </p:nvSpPr>
+        <p:spPr>
+          <a:xfrm>
+            <a:off x="555219" y="284176"/>
+            <a:ext cx="9784080" cy="915974"/>
+          </a:xfrm>
+        </p:spPr>
+        <p:txBody>
+          <a:bodyPr/>
+          <a:lstStyle/>
+          <a:p>
+            <a:r>
+              <a:rPr lang="ja-JP" altLang="en-US" dirty="0" smtClean="0"/>
+              <a:t>デバッグ環境構築</a:t>
+            </a:r>
+            <a:r>
+              <a:rPr kumimoji="1" lang="en-US" altLang="ja-JP" dirty="0" smtClean="0"/>
+              <a:t>-</a:t>
+            </a:r>
+            <a:r>
+              <a:rPr kumimoji="1" lang="en-US" altLang="ja-JP" dirty="0" err="1" smtClean="0"/>
+              <a:t>VSCode</a:t>
+            </a:r>
+            <a:r>
+              <a:rPr lang="ja-JP" altLang="en-US" dirty="0" smtClean="0"/>
+              <a:t>の拡張機能をインストール</a:t>
+            </a:r>
+            <a:endParaRPr kumimoji="1" lang="ja-JP" altLang="en-US" dirty="0"/>
+          </a:p>
+        </p:txBody>
+      </p:sp>
+      <p:sp>
+        <p:nvSpPr>
+          <p:cNvPr id="7" name="コンテンツ プレースホルダー 3"/>
+          <p:cNvSpPr txBox="1">
+            <a:spLocks/>
+          </p:cNvSpPr>
+          <p:nvPr/>
+        </p:nvSpPr>
+        <p:spPr>
+          <a:xfrm>
+            <a:off x="555219" y="1200150"/>
+            <a:ext cx="11164927" cy="873349"/>
+          </a:xfrm>
+          <a:prstGeom prst="rect">
+            <a:avLst/>
+          </a:prstGeom>
+          <a:solidFill>
+            <a:schemeClr val="accent1">
+              <a:lumMod val="20000"/>
+              <a:lumOff val="80000"/>
+            </a:schemeClr>
+          </a:solidFill>
+          <a:ln>
+            <a:solidFill>
+              <a:schemeClr val="accent1"/>
+            </a:solidFill>
+          </a:ln>
+        </p:spPr>
+        <p:txBody>
+          <a:bodyPr anchor="ctr"/>
+          <a:lstStyle>
+            <a:lvl1pPr marL="228600" indent="-228600" algn="l" defTabSz="914400" rtl="0" eaLnBrk="1" latinLnBrk="0" hangingPunct="1">
+              <a:lnSpc>
+                <a:spcPct val="90000"/>
+              </a:lnSpc>
+              <a:spcBef>
+                <a:spcPts val="1000"/>
+              </a:spcBef>
+              <a:buFont typeface="Arial" panose="020B0604020202020204" pitchFamily="34" charset="0"/>
+              <a:buChar char="•"/>
+              <a:defRPr kumimoji="1" sz="2000" kern="1200">
+                <a:solidFill>
+                  <a:schemeClr val="tx1"/>
+                </a:solidFill>
+                <a:latin typeface="Meiryo UI" panose="020B0604030504040204" pitchFamily="50" charset="-128"/>
+                <a:ea typeface="Meiryo UI" panose="020B0604030504040204" pitchFamily="50" charset="-128"/>
+                <a:cs typeface="+mn-cs"/>
+              </a:defRPr>
+            </a:lvl1pPr>
+            <a:lvl2pPr marL="685800" indent="-228600" algn="l" defTabSz="914400" rtl="0" eaLnBrk="1" latinLnBrk="0" hangingPunct="1">
+              <a:lnSpc>
+                <a:spcPct val="90000"/>
+              </a:lnSpc>
+              <a:spcBef>
+                <a:spcPts val="500"/>
+              </a:spcBef>
+              <a:buFont typeface="Arial" panose="020B0604020202020204" pitchFamily="34" charset="0"/>
+              <a:buChar char="•"/>
+              <a:defRPr kumimoji="1" sz="1800" kern="1200">
+                <a:solidFill>
+                  <a:schemeClr val="tx1"/>
+                </a:solidFill>
+                <a:latin typeface="Meiryo UI" panose="020B0604030504040204" pitchFamily="50" charset="-128"/>
+                <a:ea typeface="Meiryo UI" panose="020B0604030504040204" pitchFamily="50" charset="-128"/>
+                <a:cs typeface="+mn-cs"/>
+              </a:defRPr>
+            </a:lvl2pPr>
+            <a:lvl3pPr marL="1143000" indent="-228600" algn="l" defTabSz="914400" rtl="0" eaLnBrk="1" latinLnBrk="0" hangingPunct="1">
+              <a:lnSpc>
+                <a:spcPct val="90000"/>
+              </a:lnSpc>
+              <a:spcBef>
+                <a:spcPts val="500"/>
+              </a:spcBef>
+              <a:buFont typeface="Arial" panose="020B0604020202020204" pitchFamily="34" charset="0"/>
+              <a:buChar char="•"/>
+              <a:defRPr kumimoji="1" sz="1600" kern="1200">
+                <a:solidFill>
+                  <a:schemeClr val="tx1"/>
+                </a:solidFill>
+                <a:latin typeface="Meiryo UI" panose="020B0604030504040204" pitchFamily="50" charset="-128"/>
+                <a:ea typeface="Meiryo UI" panose="020B0604030504040204" pitchFamily="50" charset="-128"/>
+                <a:cs typeface="+mn-cs"/>
+              </a:defRPr>
+            </a:lvl3pPr>
+            <a:lvl4pPr marL="1600200" indent="-228600" algn="l" defTabSz="914400" rtl="0" eaLnBrk="1" latinLnBrk="0" hangingPunct="1">
+              <a:lnSpc>
+                <a:spcPct val="90000"/>
+              </a:lnSpc>
+              <a:spcBef>
+                <a:spcPts val="500"/>
+              </a:spcBef>
+              <a:buFont typeface="Arial" panose="020B0604020202020204" pitchFamily="34" charset="0"/>
+              <a:buChar char="•"/>
+              <a:defRPr kumimoji="1" sz="1400" kern="1200">
+                <a:solidFill>
+                  <a:schemeClr val="tx1"/>
+                </a:solidFill>
+                <a:latin typeface="Meiryo UI" panose="020B0604030504040204" pitchFamily="50" charset="-128"/>
+                <a:ea typeface="Meiryo UI" panose="020B0604030504040204" pitchFamily="50" charset="-128"/>
+                <a:cs typeface="+mn-cs"/>
+              </a:defRPr>
+            </a:lvl4pPr>
+            <a:lvl5pPr marL="2057400" indent="-228600" algn="l" defTabSz="914400" rtl="0" eaLnBrk="1" latinLnBrk="0" hangingPunct="1">
+              <a:lnSpc>
+                <a:spcPct val="90000"/>
+              </a:lnSpc>
+              <a:spcBef>
+                <a:spcPts val="500"/>
+              </a:spcBef>
+              <a:buFont typeface="Arial" panose="020B0604020202020204" pitchFamily="34" charset="0"/>
+              <a:buChar char="•"/>
+              <a:defRPr kumimoji="1" sz="1200" kern="1200">
+                <a:solidFill>
+                  <a:schemeClr val="tx1"/>
+                </a:solidFill>
+                <a:latin typeface="Meiryo UI" panose="020B0604030504040204" pitchFamily="50" charset="-128"/>
+                <a:ea typeface="Meiryo UI" panose="020B0604030504040204" pitchFamily="50" charset="-128"/>
+                <a:cs typeface="+mn-cs"/>
+              </a:defRPr>
+            </a:lvl5pPr>
+            <a:lvl6pPr marL="2514600" indent="-228600" algn="l" defTabSz="914400" rtl="0" eaLnBrk="1" latinLnBrk="0" hangingPunct="1">
+              <a:lnSpc>
+                <a:spcPct val="90000"/>
+              </a:lnSpc>
+              <a:spcBef>
+                <a:spcPts val="500"/>
+              </a:spcBef>
+              <a:buFont typeface="Arial" panose="020B0604020202020204" pitchFamily="34" charset="0"/>
+              <a:buChar char="•"/>
+              <a:defRPr kumimoji="1" sz="1800" kern="1200">
+                <a:solidFill>
+                  <a:schemeClr val="tx1"/>
+                </a:solidFill>
+                <a:latin typeface="+mn-lt"/>
+                <a:ea typeface="+mn-ea"/>
+                <a:cs typeface="+mn-cs"/>
+              </a:defRPr>
+            </a:lvl6pPr>
+            <a:lvl7pPr marL="2971800" indent="-228600" algn="l" defTabSz="914400" rtl="0" eaLnBrk="1" latinLnBrk="0" hangingPunct="1">
+              <a:lnSpc>
+                <a:spcPct val="90000"/>
+              </a:lnSpc>
+              <a:spcBef>
+                <a:spcPts val="500"/>
+              </a:spcBef>
+              <a:buFont typeface="Arial" panose="020B0604020202020204" pitchFamily="34" charset="0"/>
+              <a:buChar char="•"/>
+              <a:defRPr kumimoji="1" sz="1800" kern="1200">
+                <a:solidFill>
+                  <a:schemeClr val="tx1"/>
+                </a:solidFill>
+                <a:latin typeface="+mn-lt"/>
+                <a:ea typeface="+mn-ea"/>
+                <a:cs typeface="+mn-cs"/>
+              </a:defRPr>
+            </a:lvl7pPr>
+            <a:lvl8pPr marL="3429000" indent="-228600" algn="l" defTabSz="914400" rtl="0" eaLnBrk="1" latinLnBrk="0" hangingPunct="1">
+              <a:lnSpc>
+                <a:spcPct val="90000"/>
+              </a:lnSpc>
+              <a:spcBef>
+                <a:spcPts val="500"/>
+              </a:spcBef>
+              <a:buFont typeface="Arial" panose="020B0604020202020204" pitchFamily="34" charset="0"/>
+              <a:buChar char="•"/>
+              <a:defRPr kumimoji="1" sz="1800" kern="1200">
+                <a:solidFill>
+                  <a:schemeClr val="tx1"/>
+                </a:solidFill>
+                <a:latin typeface="+mn-lt"/>
+                <a:ea typeface="+mn-ea"/>
+                <a:cs typeface="+mn-cs"/>
+              </a:defRPr>
+            </a:lvl8pPr>
+            <a:lvl9pPr marL="3886200" indent="-228600" algn="l" defTabSz="914400" rtl="0" eaLnBrk="1" latinLnBrk="0" hangingPunct="1">
+              <a:lnSpc>
+                <a:spcPct val="90000"/>
+              </a:lnSpc>
+              <a:spcBef>
+                <a:spcPts val="500"/>
+              </a:spcBef>
+              <a:buFont typeface="Arial" panose="020B0604020202020204" pitchFamily="34" charset="0"/>
+              <a:buChar char="•"/>
+              <a:defRPr kumimoji="1" sz="1800" kern="1200">
+                <a:solidFill>
+                  <a:schemeClr val="tx1"/>
+                </a:solidFill>
+                <a:latin typeface="+mn-lt"/>
+                <a:ea typeface="+mn-ea"/>
+                <a:cs typeface="+mn-cs"/>
+              </a:defRPr>
+            </a:lvl9pPr>
+          </a:lstStyle>
+          <a:p>
+            <a:pPr marL="0" indent="0">
+              <a:buNone/>
+            </a:pPr>
+            <a:r>
+              <a:rPr lang="ja-JP" altLang="en-US" dirty="0" smtClean="0"/>
+              <a:t>デバッグ環境の設定</a:t>
+            </a:r>
+            <a:endParaRPr lang="en-US" altLang="ja-JP" dirty="0" smtClean="0"/>
+          </a:p>
+          <a:p>
+            <a:pPr marL="0" indent="0">
+              <a:buNone/>
+            </a:pPr>
+            <a:r>
+              <a:rPr lang="en-US" altLang="ja-JP" dirty="0" err="1"/>
+              <a:t>s</a:t>
+            </a:r>
+            <a:r>
+              <a:rPr lang="en-US" altLang="ja-JP" dirty="0" err="1" smtClean="0"/>
+              <a:t>imulata</a:t>
+            </a:r>
+            <a:r>
+              <a:rPr lang="en-US" altLang="ja-JP" dirty="0" smtClean="0"/>
+              <a:t> </a:t>
+            </a:r>
+            <a:r>
+              <a:rPr lang="en-US" altLang="ja-JP" dirty="0" err="1" smtClean="0"/>
+              <a:t>andoroid</a:t>
+            </a:r>
+            <a:r>
+              <a:rPr lang="en-US" altLang="ja-JP" dirty="0" smtClean="0"/>
+              <a:t> in browser</a:t>
+            </a:r>
+            <a:r>
+              <a:rPr lang="ja-JP" altLang="en-US" dirty="0" smtClean="0"/>
+              <a:t>を選択する</a:t>
+            </a:r>
+            <a:endParaRPr lang="en-US" altLang="ja-JP" dirty="0" smtClean="0"/>
+          </a:p>
+        </p:txBody>
+      </p:sp>
+      <p:sp>
+        <p:nvSpPr>
+          <p:cNvPr id="10" name="正方形/長方形 9"/>
+          <p:cNvSpPr/>
+          <p:nvPr/>
+        </p:nvSpPr>
+        <p:spPr>
+          <a:xfrm>
+            <a:off x="555219" y="3220819"/>
+            <a:ext cx="217513" cy="243598"/>
+          </a:xfrm>
+          <a:prstGeom prst="rect">
+            <a:avLst/>
+          </a:prstGeom>
+          <a:noFill/>
+          <a:ln w="28575"/>
+        </p:spPr>
+        <p:style>
+          <a:lnRef idx="2">
+            <a:schemeClr val="accent2"/>
+          </a:lnRef>
+          <a:fillRef idx="1">
+            <a:schemeClr val="lt1"/>
+          </a:fillRef>
+          <a:effectRef idx="0">
+            <a:schemeClr val="accent2"/>
+          </a:effectRef>
+          <a:fontRef idx="minor">
+            <a:schemeClr val="dk1"/>
+          </a:fontRef>
+        </p:style>
+        <p:txBody>
+          <a:bodyPr rtlCol="0" anchor="ctr"/>
+          <a:lstStyle/>
+          <a:p>
+            <a:pPr algn="ctr"/>
+            <a:endParaRPr kumimoji="1" lang="ja-JP" altLang="en-US"/>
+          </a:p>
+        </p:txBody>
+      </p:sp>
+      <p:sp>
+        <p:nvSpPr>
+          <p:cNvPr id="8" name="正方形/長方形 7"/>
+          <p:cNvSpPr/>
+          <p:nvPr/>
+        </p:nvSpPr>
+        <p:spPr>
+          <a:xfrm>
+            <a:off x="1248531" y="3464417"/>
+            <a:ext cx="1378759" cy="218941"/>
+          </a:xfrm>
+          <a:prstGeom prst="rect">
+            <a:avLst/>
+          </a:prstGeom>
+          <a:noFill/>
+          <a:ln w="28575"/>
+        </p:spPr>
+        <p:style>
+          <a:lnRef idx="2">
+            <a:schemeClr val="accent2"/>
+          </a:lnRef>
+          <a:fillRef idx="1">
+            <a:schemeClr val="lt1"/>
+          </a:fillRef>
+          <a:effectRef idx="0">
+            <a:schemeClr val="accent2"/>
+          </a:effectRef>
+          <a:fontRef idx="minor">
+            <a:schemeClr val="dk1"/>
+          </a:fontRef>
+        </p:style>
+        <p:txBody>
+          <a:bodyPr rtlCol="0" anchor="ctr"/>
+          <a:lstStyle/>
+          <a:p>
+            <a:pPr algn="ctr"/>
+            <a:endParaRPr kumimoji="1" lang="ja-JP" altLang="en-US"/>
+          </a:p>
+        </p:txBody>
+      </p:sp>
+    </p:spTree>
+    <p:extLst>
+      <p:ext uri="{BB962C8B-B14F-4D97-AF65-F5344CB8AC3E}">
+        <p14:creationId xmlns:p14="http://schemas.microsoft.com/office/powerpoint/2010/main" val="2537687783"/>
+      </p:ext>
+    </p:extLst>
+  </p:cSld>
+  <p:clrMapOvr>
+    <a:masterClrMapping/>
+  </p:clrMapOvr>
+  <p:timing>
+    <p:tnLst>
+      <p:par>
+        <p:cTn id="1" dur="indefinite" restart="never" nodeType="tmRoot"/>
+      </p:par>
+    </p:tnLst>
+  </p:timing>
+</p:sld>
+</file>
+
+<file path=ppt/slides/slide32.xml><?xml version="1.0" encoding="utf-8"?>
+<p:sld xmlns:a="http://schemas.openxmlformats.org/drawingml/2006/main" xmlns:r="http://schemas.openxmlformats.org/officeDocument/2006/relationships" xmlns:p="http://schemas.openxmlformats.org/presentationml/2006/main">
+  <p:cSld>
+    <p:spTree>
+      <p:nvGrpSpPr>
+        <p:cNvPr id="1" name=""/>
+        <p:cNvGrpSpPr/>
+        <p:nvPr/>
+      </p:nvGrpSpPr>
+      <p:grpSpPr>
+        <a:xfrm>
+          <a:off x="0" y="0"/>
+          <a:ext cx="0" cy="0"/>
+          <a:chOff x="0" y="0"/>
+          <a:chExt cx="0" cy="0"/>
+        </a:xfrm>
+      </p:grpSpPr>
+      <p:sp>
+        <p:nvSpPr>
+          <p:cNvPr id="2" name="タイトル 1"/>
+          <p:cNvSpPr>
+            <a:spLocks noGrp="1"/>
+          </p:cNvSpPr>
+          <p:nvPr>
+            <p:ph type="title"/>
+          </p:nvPr>
+        </p:nvSpPr>
+        <p:spPr>
+          <a:xfrm>
+            <a:off x="555219" y="284176"/>
+            <a:ext cx="9784080" cy="915974"/>
+          </a:xfrm>
+        </p:spPr>
+        <p:txBody>
+          <a:bodyPr/>
+          <a:lstStyle/>
+          <a:p>
+            <a:r>
+              <a:rPr lang="ja-JP" altLang="en-US" dirty="0" smtClean="0"/>
+              <a:t>デバッグ環境構築</a:t>
+            </a:r>
+            <a:r>
+              <a:rPr kumimoji="1" lang="en-US" altLang="ja-JP" dirty="0" smtClean="0"/>
+              <a:t>-</a:t>
+            </a:r>
+            <a:r>
+              <a:rPr kumimoji="1" lang="en-US" altLang="ja-JP" dirty="0" err="1" smtClean="0"/>
+              <a:t>VSCode</a:t>
+            </a:r>
+            <a:r>
+              <a:rPr lang="ja-JP" altLang="en-US" dirty="0" smtClean="0"/>
+              <a:t>の拡張機能をインストール</a:t>
+            </a:r>
+            <a:endParaRPr kumimoji="1" lang="ja-JP" altLang="en-US" dirty="0"/>
+          </a:p>
+        </p:txBody>
+      </p:sp>
+      <p:sp>
+        <p:nvSpPr>
+          <p:cNvPr id="7" name="コンテンツ プレースホルダー 3"/>
+          <p:cNvSpPr txBox="1">
+            <a:spLocks/>
+          </p:cNvSpPr>
+          <p:nvPr/>
+        </p:nvSpPr>
+        <p:spPr>
+          <a:xfrm>
+            <a:off x="555219" y="1200150"/>
+            <a:ext cx="11164927" cy="873349"/>
+          </a:xfrm>
+          <a:prstGeom prst="rect">
+            <a:avLst/>
+          </a:prstGeom>
+          <a:solidFill>
+            <a:schemeClr val="accent1">
+              <a:lumMod val="20000"/>
+              <a:lumOff val="80000"/>
+            </a:schemeClr>
+          </a:solidFill>
+          <a:ln>
+            <a:solidFill>
+              <a:schemeClr val="accent1"/>
+            </a:solidFill>
+          </a:ln>
+        </p:spPr>
+        <p:txBody>
+          <a:bodyPr anchor="ctr"/>
+          <a:lstStyle>
+            <a:lvl1pPr marL="228600" indent="-228600" algn="l" defTabSz="914400" rtl="0" eaLnBrk="1" latinLnBrk="0" hangingPunct="1">
+              <a:lnSpc>
+                <a:spcPct val="90000"/>
+              </a:lnSpc>
+              <a:spcBef>
+                <a:spcPts val="1000"/>
+              </a:spcBef>
+              <a:buFont typeface="Arial" panose="020B0604020202020204" pitchFamily="34" charset="0"/>
+              <a:buChar char="•"/>
+              <a:defRPr kumimoji="1" sz="2000" kern="1200">
+                <a:solidFill>
+                  <a:schemeClr val="tx1"/>
+                </a:solidFill>
+                <a:latin typeface="Meiryo UI" panose="020B0604030504040204" pitchFamily="50" charset="-128"/>
+                <a:ea typeface="Meiryo UI" panose="020B0604030504040204" pitchFamily="50" charset="-128"/>
+                <a:cs typeface="+mn-cs"/>
+              </a:defRPr>
+            </a:lvl1pPr>
+            <a:lvl2pPr marL="685800" indent="-228600" algn="l" defTabSz="914400" rtl="0" eaLnBrk="1" latinLnBrk="0" hangingPunct="1">
+              <a:lnSpc>
+                <a:spcPct val="90000"/>
+              </a:lnSpc>
+              <a:spcBef>
+                <a:spcPts val="500"/>
+              </a:spcBef>
+              <a:buFont typeface="Arial" panose="020B0604020202020204" pitchFamily="34" charset="0"/>
+              <a:buChar char="•"/>
+              <a:defRPr kumimoji="1" sz="1800" kern="1200">
+                <a:solidFill>
+                  <a:schemeClr val="tx1"/>
+                </a:solidFill>
+                <a:latin typeface="Meiryo UI" panose="020B0604030504040204" pitchFamily="50" charset="-128"/>
+                <a:ea typeface="Meiryo UI" panose="020B0604030504040204" pitchFamily="50" charset="-128"/>
+                <a:cs typeface="+mn-cs"/>
+              </a:defRPr>
+            </a:lvl2pPr>
+            <a:lvl3pPr marL="1143000" indent="-228600" algn="l" defTabSz="914400" rtl="0" eaLnBrk="1" latinLnBrk="0" hangingPunct="1">
+              <a:lnSpc>
+                <a:spcPct val="90000"/>
+              </a:lnSpc>
+              <a:spcBef>
+                <a:spcPts val="500"/>
+              </a:spcBef>
+              <a:buFont typeface="Arial" panose="020B0604020202020204" pitchFamily="34" charset="0"/>
+              <a:buChar char="•"/>
+              <a:defRPr kumimoji="1" sz="1600" kern="1200">
+                <a:solidFill>
+                  <a:schemeClr val="tx1"/>
+                </a:solidFill>
+                <a:latin typeface="Meiryo UI" panose="020B0604030504040204" pitchFamily="50" charset="-128"/>
+                <a:ea typeface="Meiryo UI" panose="020B0604030504040204" pitchFamily="50" charset="-128"/>
+                <a:cs typeface="+mn-cs"/>
+              </a:defRPr>
+            </a:lvl3pPr>
+            <a:lvl4pPr marL="1600200" indent="-228600" algn="l" defTabSz="914400" rtl="0" eaLnBrk="1" latinLnBrk="0" hangingPunct="1">
+              <a:lnSpc>
+                <a:spcPct val="90000"/>
+              </a:lnSpc>
+              <a:spcBef>
+                <a:spcPts val="500"/>
+              </a:spcBef>
+              <a:buFont typeface="Arial" panose="020B0604020202020204" pitchFamily="34" charset="0"/>
+              <a:buChar char="•"/>
+              <a:defRPr kumimoji="1" sz="1400" kern="1200">
+                <a:solidFill>
+                  <a:schemeClr val="tx1"/>
+                </a:solidFill>
+                <a:latin typeface="Meiryo UI" panose="020B0604030504040204" pitchFamily="50" charset="-128"/>
+                <a:ea typeface="Meiryo UI" panose="020B0604030504040204" pitchFamily="50" charset="-128"/>
+                <a:cs typeface="+mn-cs"/>
+              </a:defRPr>
+            </a:lvl4pPr>
+            <a:lvl5pPr marL="2057400" indent="-228600" algn="l" defTabSz="914400" rtl="0" eaLnBrk="1" latinLnBrk="0" hangingPunct="1">
+              <a:lnSpc>
+                <a:spcPct val="90000"/>
+              </a:lnSpc>
+              <a:spcBef>
+                <a:spcPts val="500"/>
+              </a:spcBef>
+              <a:buFont typeface="Arial" panose="020B0604020202020204" pitchFamily="34" charset="0"/>
+              <a:buChar char="•"/>
+              <a:defRPr kumimoji="1" sz="1200" kern="1200">
+                <a:solidFill>
+                  <a:schemeClr val="tx1"/>
+                </a:solidFill>
+                <a:latin typeface="Meiryo UI" panose="020B0604030504040204" pitchFamily="50" charset="-128"/>
+                <a:ea typeface="Meiryo UI" panose="020B0604030504040204" pitchFamily="50" charset="-128"/>
+                <a:cs typeface="+mn-cs"/>
+              </a:defRPr>
+            </a:lvl5pPr>
+            <a:lvl6pPr marL="2514600" indent="-228600" algn="l" defTabSz="914400" rtl="0" eaLnBrk="1" latinLnBrk="0" hangingPunct="1">
+              <a:lnSpc>
+                <a:spcPct val="90000"/>
+              </a:lnSpc>
+              <a:spcBef>
+                <a:spcPts val="500"/>
+              </a:spcBef>
+              <a:buFont typeface="Arial" panose="020B0604020202020204" pitchFamily="34" charset="0"/>
+              <a:buChar char="•"/>
+              <a:defRPr kumimoji="1" sz="1800" kern="1200">
+                <a:solidFill>
+                  <a:schemeClr val="tx1"/>
+                </a:solidFill>
+                <a:latin typeface="+mn-lt"/>
+                <a:ea typeface="+mn-ea"/>
+                <a:cs typeface="+mn-cs"/>
+              </a:defRPr>
+            </a:lvl6pPr>
+            <a:lvl7pPr marL="2971800" indent="-228600" algn="l" defTabSz="914400" rtl="0" eaLnBrk="1" latinLnBrk="0" hangingPunct="1">
+              <a:lnSpc>
+                <a:spcPct val="90000"/>
+              </a:lnSpc>
+              <a:spcBef>
+                <a:spcPts val="500"/>
+              </a:spcBef>
+              <a:buFont typeface="Arial" panose="020B0604020202020204" pitchFamily="34" charset="0"/>
+              <a:buChar char="•"/>
+              <a:defRPr kumimoji="1" sz="1800" kern="1200">
+                <a:solidFill>
+                  <a:schemeClr val="tx1"/>
+                </a:solidFill>
+                <a:latin typeface="+mn-lt"/>
+                <a:ea typeface="+mn-ea"/>
+                <a:cs typeface="+mn-cs"/>
+              </a:defRPr>
+            </a:lvl7pPr>
+            <a:lvl8pPr marL="3429000" indent="-228600" algn="l" defTabSz="914400" rtl="0" eaLnBrk="1" latinLnBrk="0" hangingPunct="1">
+              <a:lnSpc>
+                <a:spcPct val="90000"/>
+              </a:lnSpc>
+              <a:spcBef>
+                <a:spcPts val="500"/>
+              </a:spcBef>
+              <a:buFont typeface="Arial" panose="020B0604020202020204" pitchFamily="34" charset="0"/>
+              <a:buChar char="•"/>
+              <a:defRPr kumimoji="1" sz="1800" kern="1200">
+                <a:solidFill>
+                  <a:schemeClr val="tx1"/>
+                </a:solidFill>
+                <a:latin typeface="+mn-lt"/>
+                <a:ea typeface="+mn-ea"/>
+                <a:cs typeface="+mn-cs"/>
+              </a:defRPr>
+            </a:lvl8pPr>
+            <a:lvl9pPr marL="3886200" indent="-228600" algn="l" defTabSz="914400" rtl="0" eaLnBrk="1" latinLnBrk="0" hangingPunct="1">
+              <a:lnSpc>
+                <a:spcPct val="90000"/>
+              </a:lnSpc>
+              <a:spcBef>
+                <a:spcPts val="500"/>
+              </a:spcBef>
+              <a:buFont typeface="Arial" panose="020B0604020202020204" pitchFamily="34" charset="0"/>
+              <a:buChar char="•"/>
+              <a:defRPr kumimoji="1" sz="1800" kern="1200">
+                <a:solidFill>
+                  <a:schemeClr val="tx1"/>
+                </a:solidFill>
+                <a:latin typeface="+mn-lt"/>
+                <a:ea typeface="+mn-ea"/>
+                <a:cs typeface="+mn-cs"/>
+              </a:defRPr>
+            </a:lvl9pPr>
+          </a:lstStyle>
+          <a:p>
+            <a:pPr marL="0" indent="0">
+              <a:buNone/>
+            </a:pPr>
+            <a:r>
+              <a:rPr lang="ja-JP" altLang="en-US" dirty="0" smtClean="0"/>
+              <a:t>デバッグ実行</a:t>
+            </a:r>
+            <a:endParaRPr lang="en-US" altLang="ja-JP" dirty="0" smtClean="0"/>
+          </a:p>
+          <a:p>
+            <a:pPr marL="0" indent="0">
+              <a:buNone/>
+            </a:pPr>
+            <a:r>
+              <a:rPr lang="ja-JP" altLang="en-US" dirty="0" smtClean="0"/>
+              <a:t>再生ボタンを押すとブラウザでアプリが表示される。</a:t>
+            </a:r>
+            <a:endParaRPr lang="en-US" altLang="ja-JP" dirty="0" smtClean="0"/>
+          </a:p>
+        </p:txBody>
+      </p:sp>
+      <p:pic>
+        <p:nvPicPr>
+          <p:cNvPr id="3" name="図 2"/>
+          <p:cNvPicPr>
+            <a:picLocks noChangeAspect="1"/>
+          </p:cNvPicPr>
+          <p:nvPr/>
+        </p:nvPicPr>
+        <p:blipFill>
+          <a:blip r:embed="rId2"/>
+          <a:stretch>
+            <a:fillRect/>
+          </a:stretch>
+        </p:blipFill>
+        <p:spPr>
+          <a:xfrm>
+            <a:off x="555219" y="2265010"/>
+            <a:ext cx="4932913" cy="2628961"/>
+          </a:xfrm>
+          <a:prstGeom prst="rect">
+            <a:avLst/>
+          </a:prstGeom>
+        </p:spPr>
+      </p:pic>
+      <p:sp>
+        <p:nvSpPr>
+          <p:cNvPr id="9" name="正方形/長方形 8"/>
+          <p:cNvSpPr/>
+          <p:nvPr/>
+        </p:nvSpPr>
+        <p:spPr>
+          <a:xfrm>
+            <a:off x="913681" y="2382591"/>
+            <a:ext cx="181023" cy="206063"/>
+          </a:xfrm>
+          <a:prstGeom prst="rect">
+            <a:avLst/>
+          </a:prstGeom>
+          <a:noFill/>
+          <a:ln w="28575"/>
+        </p:spPr>
+        <p:style>
+          <a:lnRef idx="2">
+            <a:schemeClr val="accent2"/>
+          </a:lnRef>
+          <a:fillRef idx="1">
+            <a:schemeClr val="lt1"/>
+          </a:fillRef>
+          <a:effectRef idx="0">
+            <a:schemeClr val="accent2"/>
+          </a:effectRef>
+          <a:fontRef idx="minor">
+            <a:schemeClr val="dk1"/>
+          </a:fontRef>
+        </p:style>
+        <p:txBody>
+          <a:bodyPr rtlCol="0" anchor="ctr"/>
+          <a:lstStyle/>
+          <a:p>
+            <a:pPr algn="ctr"/>
+            <a:endParaRPr kumimoji="1" lang="ja-JP" altLang="en-US"/>
+          </a:p>
+        </p:txBody>
+      </p:sp>
+      <p:pic>
+        <p:nvPicPr>
+          <p:cNvPr id="5" name="図 4"/>
+          <p:cNvPicPr>
+            <a:picLocks noChangeAspect="1"/>
+          </p:cNvPicPr>
+          <p:nvPr/>
+        </p:nvPicPr>
+        <p:blipFill>
+          <a:blip r:embed="rId3"/>
+          <a:stretch>
+            <a:fillRect/>
+          </a:stretch>
+        </p:blipFill>
+        <p:spPr>
+          <a:xfrm>
+            <a:off x="6896295" y="2265010"/>
+            <a:ext cx="4254730" cy="2563701"/>
+          </a:xfrm>
+          <a:prstGeom prst="rect">
+            <a:avLst/>
+          </a:prstGeom>
+        </p:spPr>
+      </p:pic>
+      <p:sp>
+        <p:nvSpPr>
+          <p:cNvPr id="6" name="右矢印 5"/>
+          <p:cNvSpPr/>
+          <p:nvPr/>
+        </p:nvSpPr>
+        <p:spPr>
+          <a:xfrm>
+            <a:off x="5648478" y="2768121"/>
+            <a:ext cx="978408" cy="1622737"/>
+          </a:xfrm>
+          <a:prstGeom prst="rightArrow">
+            <a:avLst/>
+          </a:prstGeom>
+        </p:spPr>
+        <p:style>
+          <a:lnRef idx="2">
+            <a:schemeClr val="accent1">
+              <a:shade val="50000"/>
+            </a:schemeClr>
+          </a:lnRef>
+          <a:fillRef idx="1">
+            <a:schemeClr val="accent1"/>
+          </a:fillRef>
+          <a:effectRef idx="0">
+            <a:schemeClr val="accent1"/>
+          </a:effectRef>
+          <a:fontRef idx="minor">
+            <a:schemeClr val="lt1"/>
+          </a:fontRef>
+        </p:style>
+        <p:txBody>
+          <a:bodyPr rtlCol="0" anchor="ctr"/>
+          <a:lstStyle/>
+          <a:p>
+            <a:pPr algn="ctr"/>
+            <a:endParaRPr kumimoji="1" lang="ja-JP" altLang="en-US"/>
+          </a:p>
+        </p:txBody>
+      </p:sp>
+      <p:sp>
+        <p:nvSpPr>
+          <p:cNvPr id="11" name="正方形/長方形 10"/>
+          <p:cNvSpPr/>
+          <p:nvPr/>
+        </p:nvSpPr>
+        <p:spPr>
+          <a:xfrm>
+            <a:off x="555219" y="5085480"/>
+            <a:ext cx="11164927" cy="1506829"/>
+          </a:xfrm>
+          <a:prstGeom prst="rect">
+            <a:avLst/>
+          </a:prstGeom>
+          <a:solidFill>
+            <a:schemeClr val="accent3">
+              <a:lumMod val="20000"/>
+              <a:lumOff val="80000"/>
+            </a:schemeClr>
+          </a:solidFill>
+        </p:spPr>
+        <p:style>
+          <a:lnRef idx="2">
+            <a:schemeClr val="accent1">
+              <a:shade val="50000"/>
+            </a:schemeClr>
+          </a:lnRef>
+          <a:fillRef idx="1">
+            <a:schemeClr val="accent1"/>
+          </a:fillRef>
+          <a:effectRef idx="0">
+            <a:schemeClr val="accent1"/>
+          </a:effectRef>
+          <a:fontRef idx="minor">
+            <a:schemeClr val="lt1"/>
+          </a:fontRef>
+        </p:style>
+        <p:txBody>
+          <a:bodyPr rtlCol="0" anchor="t"/>
+          <a:lstStyle/>
+          <a:p>
+            <a:pPr>
+              <a:buClr>
+                <a:schemeClr val="accent1">
+                  <a:lumMod val="75000"/>
+                </a:schemeClr>
+              </a:buClr>
+            </a:pPr>
+            <a:r>
+              <a:rPr lang="ja-JP" altLang="en-US" dirty="0" smtClean="0">
+                <a:solidFill>
+                  <a:schemeClr val="tx1"/>
+                </a:solidFill>
+              </a:rPr>
+              <a:t>＜小ネタ＞</a:t>
+            </a:r>
+            <a:r>
+              <a:rPr lang="ja-JP" altLang="en-US" dirty="0">
+                <a:solidFill>
+                  <a:schemeClr val="tx1"/>
+                </a:solidFill>
+              </a:rPr>
+              <a:t>　</a:t>
+            </a:r>
+            <a:r>
+              <a:rPr lang="en-US" altLang="ja-JP" dirty="0" smtClean="0">
+                <a:solidFill>
+                  <a:schemeClr val="tx1"/>
+                </a:solidFill>
+              </a:rPr>
+              <a:t>-</a:t>
+            </a:r>
+            <a:r>
+              <a:rPr lang="ja-JP" altLang="en-US" dirty="0" smtClean="0">
+                <a:solidFill>
+                  <a:schemeClr val="tx1"/>
+                </a:solidFill>
+              </a:rPr>
+              <a:t>仮想デバイスに対する考察</a:t>
+            </a:r>
+            <a:endParaRPr lang="en-US" altLang="ja-JP" dirty="0" smtClean="0">
+              <a:solidFill>
+                <a:schemeClr val="tx1"/>
+              </a:solidFill>
+            </a:endParaRPr>
+          </a:p>
+          <a:p>
+            <a:pPr>
+              <a:buClr>
+                <a:schemeClr val="accent1">
+                  <a:lumMod val="75000"/>
+                </a:schemeClr>
+              </a:buClr>
+            </a:pPr>
+            <a:r>
+              <a:rPr lang="en-US" altLang="ja-JP" dirty="0" smtClean="0">
+                <a:solidFill>
+                  <a:schemeClr val="tx1"/>
+                </a:solidFill>
+              </a:rPr>
+              <a:t>Android studio</a:t>
+            </a:r>
+            <a:r>
+              <a:rPr lang="ja-JP" altLang="en-US" dirty="0" smtClean="0">
+                <a:solidFill>
+                  <a:schemeClr val="tx1"/>
+                </a:solidFill>
+              </a:rPr>
+              <a:t>を入れて仮想デバイスを作成して、アプリを起動させてみましたが</a:t>
+            </a:r>
+            <a:r>
+              <a:rPr lang="ja-JP" altLang="en-US" dirty="0" err="1" smtClean="0">
+                <a:solidFill>
+                  <a:schemeClr val="tx1"/>
+                </a:solidFill>
+              </a:rPr>
+              <a:t>、、、</a:t>
+            </a:r>
+            <a:endParaRPr lang="en-US" altLang="ja-JP" dirty="0" smtClean="0">
+              <a:solidFill>
+                <a:schemeClr val="tx1"/>
+              </a:solidFill>
+            </a:endParaRPr>
+          </a:p>
+          <a:p>
+            <a:pPr>
+              <a:buClr>
+                <a:schemeClr val="accent1">
+                  <a:lumMod val="75000"/>
+                </a:schemeClr>
+              </a:buClr>
+            </a:pPr>
+            <a:r>
+              <a:rPr lang="ja-JP" altLang="en-US" dirty="0" smtClean="0">
+                <a:solidFill>
+                  <a:schemeClr val="tx1"/>
+                </a:solidFill>
+              </a:rPr>
+              <a:t>動作が遅すぎる。（起動に５分ぐらいかかる）そのため、やめました。</a:t>
+            </a:r>
+            <a:endParaRPr lang="en-US" altLang="ja-JP" dirty="0" smtClean="0">
+              <a:solidFill>
+                <a:schemeClr val="tx1"/>
+              </a:solidFill>
+            </a:endParaRPr>
+          </a:p>
+          <a:p>
+            <a:pPr>
+              <a:buClr>
+                <a:schemeClr val="accent1">
+                  <a:lumMod val="75000"/>
+                </a:schemeClr>
+              </a:buClr>
+            </a:pPr>
+            <a:r>
+              <a:rPr lang="ja-JP" altLang="en-US" dirty="0" smtClean="0">
+                <a:solidFill>
+                  <a:schemeClr val="tx1"/>
+                </a:solidFill>
+              </a:rPr>
+              <a:t>いずれ、アプリを実機で確認しようと思っているが手順はまだない。</a:t>
+            </a:r>
+            <a:endParaRPr lang="en-US" altLang="ja-JP" dirty="0" smtClean="0">
+              <a:solidFill>
+                <a:schemeClr val="tx1"/>
+              </a:solidFill>
+            </a:endParaRPr>
+          </a:p>
+        </p:txBody>
+      </p:sp>
+    </p:spTree>
+    <p:extLst>
+      <p:ext uri="{BB962C8B-B14F-4D97-AF65-F5344CB8AC3E}">
+        <p14:creationId xmlns:p14="http://schemas.microsoft.com/office/powerpoint/2010/main" val="1768319999"/>
+      </p:ext>
+    </p:extLst>
+  </p:cSld>
+  <p:clrMapOvr>
+    <a:masterClrMapping/>
+  </p:clrMapOvr>
+  <p:timing>
+    <p:tnLst>
+      <p:par>
+        <p:cTn id="1" dur="indefinite" restart="never" nodeType="tmRoot"/>
+      </p:par>
+    </p:tnLst>
+  </p:timing>
+</p:sld>
+</file>
+
 <file path=ppt/slides/slide4.xml><?xml version="1.0" encoding="utf-8"?>
 <p:sld xmlns:a="http://schemas.openxmlformats.org/drawingml/2006/main" xmlns:r="http://schemas.openxmlformats.org/officeDocument/2006/relationships" xmlns:p="http://schemas.openxmlformats.org/presentationml/2006/main">
   <p:cSld>
@@ -12844,11 +14880,7 @@
             </a:r>
             <a:r>
               <a:rPr lang="ja-JP" altLang="en-US" dirty="0" smtClean="0"/>
-              <a:t>環境</a:t>
-            </a:r>
-            <a:r>
-              <a:rPr lang="ja-JP" altLang="en-US" dirty="0" smtClean="0"/>
-              <a:t>準備</a:t>
+              <a:t>環境準備</a:t>
             </a:r>
             <a:endParaRPr lang="ja-JP" altLang="en-US" dirty="0"/>
           </a:p>
